--- a/Documentation/LVTM_NIWeek_2017.pptx
+++ b/Documentation/LVTM_NIWeek_2017.pptx
@@ -253,7 +253,7 @@
           <a:p>
             <a:fld id="{41DBDD7F-39F0-994B-B822-183990148EFC}" type="datetimeFigureOut">
               <a:rPr lang="en-US" smtClean="0"/>
-              <a:t>14-Apr-2017</a:t>
+              <a:t>4/16/2017</a:t>
             </a:fld>
             <a:endParaRPr lang="en-US"/>
           </a:p>
@@ -1115,7 +1115,7 @@
           <a:p>
             <a:fld id="{0D24C6CA-46A1-5B48-B1AE-7D6F4B7A3418}" type="slidenum">
               <a:rPr lang="en-US" smtClean="0"/>
-              <a:t>21</a:t>
+              <a:t>8</a:t>
             </a:fld>
             <a:endParaRPr lang="en-US"/>
           </a:p>
@@ -1124,7 +1124,7 @@
     </p:spTree>
     <p:extLst>
       <p:ext uri="{BB962C8B-B14F-4D97-AF65-F5344CB8AC3E}">
-        <p14:creationId xmlns:p14="http://schemas.microsoft.com/office/powerpoint/2010/main" val="3951926544"/>
+        <p14:creationId xmlns:p14="http://schemas.microsoft.com/office/powerpoint/2010/main" val="3466565700"/>
       </p:ext>
     </p:extLst>
   </p:cSld>
@@ -1178,6 +1178,90 @@
           <a:bodyPr/>
           <a:lstStyle/>
           <a:p>
+            <a:endParaRPr lang="en-US" dirty="0"/>
+          </a:p>
+        </p:txBody>
+      </p:sp>
+      <p:sp>
+        <p:nvSpPr>
+          <p:cNvPr id="4" name="Slide Number Placeholder 3"/>
+          <p:cNvSpPr>
+            <a:spLocks noGrp="1"/>
+          </p:cNvSpPr>
+          <p:nvPr>
+            <p:ph type="sldNum" sz="quarter" idx="10"/>
+          </p:nvPr>
+        </p:nvSpPr>
+        <p:spPr/>
+        <p:txBody>
+          <a:bodyPr/>
+          <a:lstStyle/>
+          <a:p>
+            <a:fld id="{0D24C6CA-46A1-5B48-B1AE-7D6F4B7A3418}" type="slidenum">
+              <a:rPr lang="en-US" smtClean="0"/>
+              <a:t>21</a:t>
+            </a:fld>
+            <a:endParaRPr lang="en-US"/>
+          </a:p>
+        </p:txBody>
+      </p:sp>
+    </p:spTree>
+    <p:extLst>
+      <p:ext uri="{BB962C8B-B14F-4D97-AF65-F5344CB8AC3E}">
+        <p14:creationId xmlns:p14="http://schemas.microsoft.com/office/powerpoint/2010/main" val="3951926544"/>
+      </p:ext>
+    </p:extLst>
+  </p:cSld>
+  <p:clrMapOvr>
+    <a:masterClrMapping/>
+  </p:clrMapOvr>
+</p:notes>
+</file>
+
+<file path=ppt/notesSlides/notesSlide8.xml><?xml version="1.0" encoding="utf-8"?>
+<p:notes xmlns:a="http://schemas.openxmlformats.org/drawingml/2006/main" xmlns:r="http://schemas.openxmlformats.org/officeDocument/2006/relationships" xmlns:p="http://schemas.openxmlformats.org/presentationml/2006/main">
+  <p:cSld>
+    <p:spTree>
+      <p:nvGrpSpPr>
+        <p:cNvPr id="1" name=""/>
+        <p:cNvGrpSpPr/>
+        <p:nvPr/>
+      </p:nvGrpSpPr>
+      <p:grpSpPr>
+        <a:xfrm>
+          <a:off x="0" y="0"/>
+          <a:ext cx="0" cy="0"/>
+          <a:chOff x="0" y="0"/>
+          <a:chExt cx="0" cy="0"/>
+        </a:xfrm>
+      </p:grpSpPr>
+      <p:sp>
+        <p:nvSpPr>
+          <p:cNvPr id="2" name="Slide Image Placeholder 1"/>
+          <p:cNvSpPr>
+            <a:spLocks noGrp="1" noRot="1" noChangeAspect="1"/>
+          </p:cNvSpPr>
+          <p:nvPr>
+            <p:ph type="sldImg"/>
+          </p:nvPr>
+        </p:nvSpPr>
+        <p:spPr/>
+      </p:sp>
+      <p:sp>
+        <p:nvSpPr>
+          <p:cNvPr id="3" name="Notes Placeholder 2"/>
+          <p:cNvSpPr>
+            <a:spLocks noGrp="1"/>
+          </p:cNvSpPr>
+          <p:nvPr>
+            <p:ph type="body" idx="1"/>
+          </p:nvPr>
+        </p:nvSpPr>
+        <p:spPr/>
+        <p:txBody>
+          <a:bodyPr/>
+          <a:lstStyle/>
+          <a:p>
             <a:r>
               <a:rPr lang="en-US" dirty="0"/>
               <a:t>We want your</a:t>
@@ -1226,7 +1310,7 @@
 </p:notes>
 </file>
 
-<file path=ppt/notesSlides/notesSlide8.xml><?xml version="1.0" encoding="utf-8"?>
+<file path=ppt/notesSlides/notesSlide9.xml><?xml version="1.0" encoding="utf-8"?>
 <p:notes xmlns:a="http://schemas.openxmlformats.org/drawingml/2006/main" xmlns:r="http://schemas.openxmlformats.org/officeDocument/2006/relationships" xmlns:p="http://schemas.openxmlformats.org/presentationml/2006/main">
   <p:cSld>
     <p:spTree>
@@ -16601,18 +16685,13 @@
               <a:t>or just plain </a:t>
             </a:r>
             <a:r>
-              <a:rPr lang="en-US" dirty="0" err="1" smtClean="0"/>
+              <a:rPr lang="en-US" dirty="0" err="1"/>
               <a:t>ol</a:t>
             </a:r>
             <a:r>
-              <a:rPr lang="en-US" dirty="0" smtClean="0"/>
-              <a:t>’ </a:t>
-            </a:r>
-            <a:r>
-              <a:rPr lang="en-US" dirty="0"/>
-              <a:t>“never-knew-about-that”</a:t>
-            </a:r>
-            <a:endParaRPr lang="en-US" dirty="0"/>
+              <a:rPr lang="en-US" dirty="0"/>
+              <a:t>’ “never-knew-about-that”</a:t>
+            </a:r>
           </a:p>
         </p:txBody>
       </p:sp>
@@ -16637,48 +16716,28 @@
           <a:lstStyle/>
           <a:p>
             <a:r>
-              <a:rPr lang="en-US" sz="3200" dirty="0" smtClean="0"/>
-              <a:t>Suspend </a:t>
-            </a:r>
-            <a:r>
               <a:rPr lang="en-US" sz="3200" dirty="0"/>
-              <a:t>When </a:t>
-            </a:r>
-            <a:r>
-              <a:rPr lang="en-US" sz="3200" dirty="0" smtClean="0"/>
-              <a:t>Called</a:t>
+              <a:t>Suspend When Called</a:t>
             </a:r>
           </a:p>
           <a:p>
             <a:pPr lvl="1"/>
             <a:r>
-              <a:rPr lang="en-US" sz="2800" dirty="0" smtClean="0"/>
+              <a:rPr lang="en-US" sz="2800" dirty="0"/>
               <a:t>Access this from “SubVI Node Setup”</a:t>
             </a:r>
           </a:p>
           <a:p>
             <a:pPr lvl="1"/>
             <a:r>
-              <a:rPr lang="en-US" sz="2800" dirty="0" smtClean="0"/>
+              <a:rPr lang="en-US" sz="2800" dirty="0"/>
               <a:t>Video Demo: </a:t>
-            </a:r>
-            <a:r>
-              <a:rPr lang="en-US" sz="2800" dirty="0" smtClean="0">
-                <a:hlinkClick r:id="rId2"/>
-              </a:rPr>
-              <a:t>https</a:t>
             </a:r>
             <a:r>
               <a:rPr lang="en-US" sz="2800" dirty="0">
                 <a:hlinkClick r:id="rId2"/>
               </a:rPr>
-              <a:t>://</a:t>
-            </a:r>
-            <a:r>
-              <a:rPr lang="en-US" sz="2800" dirty="0" smtClean="0">
-                <a:hlinkClick r:id="rId2"/>
-              </a:rPr>
-              <a:t>youtu.be/AgXcyf2Ta_A</a:t>
+              <a:t>https://youtu.be/AgXcyf2Ta_A</a:t>
             </a:r>
             <a:endParaRPr lang="en-US" sz="2800" dirty="0"/>
           </a:p>
@@ -16743,25 +16802,24 @@
           <a:p>
             <a:pPr algn="ctr"/>
             <a:r>
-              <a:rPr lang="en-US" dirty="0" smtClean="0"/>
+              <a:rPr lang="en-US" dirty="0"/>
               <a:t>Often forgotten, overlooked, </a:t>
             </a:r>
             <a:br>
-              <a:rPr lang="en-US" dirty="0" smtClean="0"/>
+              <a:rPr lang="en-US" dirty="0"/>
             </a:br>
             <a:r>
-              <a:rPr lang="en-US" dirty="0" smtClean="0"/>
+              <a:rPr lang="en-US" dirty="0"/>
               <a:t>or just plain </a:t>
             </a:r>
             <a:r>
-              <a:rPr lang="en-US" dirty="0" err="1" smtClean="0"/>
+              <a:rPr lang="en-US" dirty="0" err="1"/>
               <a:t>ol</a:t>
             </a:r>
             <a:r>
-              <a:rPr lang="en-US" dirty="0" smtClean="0"/>
+              <a:rPr lang="en-US" dirty="0"/>
               <a:t>’ “never-knew-about-that”</a:t>
             </a:r>
-            <a:endParaRPr lang="en-US" dirty="0"/>
           </a:p>
         </p:txBody>
       </p:sp>
@@ -16786,7 +16844,7 @@
           <a:lstStyle/>
           <a:p>
             <a:r>
-              <a:rPr lang="en-US" sz="3200" dirty="0" err="1" smtClean="0"/>
+              <a:rPr lang="en-US" sz="3200" dirty="0" err="1"/>
               <a:t>WinDebugLogging</a:t>
             </a:r>
             <a:endParaRPr lang="en-US" sz="3200" dirty="0"/>
@@ -16799,13 +16857,8 @@
             </a:r>
             <a:r>
               <a:rPr lang="en-US" sz="2800" dirty="0"/>
-              <a:t> (from Sysinternals [Microsoft</a:t>
-            </a:r>
-            <a:r>
-              <a:rPr lang="en-US" sz="2800" dirty="0" smtClean="0"/>
-              <a:t>])</a:t>
-            </a:r>
-            <a:endParaRPr lang="en-US" sz="2800" dirty="0"/>
+              <a:t> (from Sysinternals [Microsoft])</a:t>
+            </a:r>
           </a:p>
         </p:txBody>
       </p:sp>
@@ -17720,21 +17773,8 @@
           <a:p>
             <a:r>
               <a:rPr lang="en-US" dirty="0"/>
-              <a:t>We must avoid </a:t>
-            </a:r>
-            <a:r>
-              <a:rPr lang="en-US" dirty="0" smtClean="0"/>
-              <a:t>“drawing </a:t>
-            </a:r>
-            <a:r>
-              <a:rPr lang="en-US" dirty="0"/>
-              <a:t>vast conclusions from half-vast </a:t>
-            </a:r>
-            <a:r>
-              <a:rPr lang="en-US" dirty="0" smtClean="0"/>
-              <a:t>data”</a:t>
-            </a:r>
-            <a:endParaRPr lang="en-US" dirty="0"/>
+              <a:t>We must avoid “drawing vast conclusions from half-vast data”</a:t>
+            </a:r>
           </a:p>
         </p:txBody>
       </p:sp>
@@ -17754,12 +17794,8 @@
           <a:lstStyle/>
           <a:p>
             <a:r>
-              <a:rPr lang="en-US" dirty="0" smtClean="0"/>
-              <a:t>—  </a:t>
-            </a:r>
-            <a:r>
-              <a:rPr lang="en-US" dirty="0"/>
-              <a:t>Jerry R. </a:t>
+              <a:rPr lang="en-US" dirty="0"/>
+              <a:t>—  Jerry R. </a:t>
             </a:r>
             <a:r>
               <a:rPr lang="en-US" dirty="0" err="1"/>
@@ -17885,10 +17921,9 @@
           <a:lstStyle/>
           <a:p>
             <a:r>
-              <a:rPr lang="en-US" dirty="0" smtClean="0"/>
+              <a:rPr lang="en-US" dirty="0"/>
               <a:t>LabVIEW Task Manager</a:t>
             </a:r>
-            <a:endParaRPr lang="en-US" dirty="0"/>
           </a:p>
         </p:txBody>
       </p:sp>
@@ -18530,10 +18565,9 @@
           <a:lstStyle/>
           <a:p>
             <a:r>
-              <a:rPr lang="en-US" dirty="0" smtClean="0"/>
+              <a:rPr lang="en-US" dirty="0"/>
               <a:t>Tim Vargo</a:t>
             </a:r>
-            <a:endParaRPr lang="en-US" dirty="0"/>
           </a:p>
         </p:txBody>
       </p:sp>
@@ -18558,10 +18592,9 @@
           <a:lstStyle/>
           <a:p>
             <a:r>
-              <a:rPr lang="en-US" dirty="0" smtClean="0"/>
+              <a:rPr lang="en-US" dirty="0"/>
               <a:t>Sandia National Laboratories</a:t>
             </a:r>
-            <a:endParaRPr lang="en-US" dirty="0"/>
           </a:p>
         </p:txBody>
       </p:sp>
@@ -18586,16 +18619,15 @@
           <a:lstStyle/>
           <a:p>
             <a:r>
-              <a:rPr lang="en-US" dirty="0" smtClean="0"/>
+              <a:rPr lang="en-US" dirty="0"/>
               <a:t>Instrumentation Engineer</a:t>
             </a:r>
           </a:p>
           <a:p>
             <a:r>
-              <a:rPr lang="en-US" dirty="0" smtClean="0"/>
+              <a:rPr lang="en-US" dirty="0"/>
               <a:t>tdvargo@sandia.gov</a:t>
             </a:r>
-            <a:endParaRPr lang="en-US" dirty="0"/>
           </a:p>
         </p:txBody>
       </p:sp>
@@ -18827,12 +18859,8 @@
           </a:lstStyle>
           <a:p>
             <a:r>
-              <a:rPr lang="en-US" dirty="0" smtClean="0"/>
-              <a:t>Binary </a:t>
-            </a:r>
-            <a:r>
-              <a:rPr lang="en-US" dirty="0"/>
-              <a:t>Palette</a:t>
+              <a:rPr lang="en-US" dirty="0"/>
+              <a:t>Binary Palette</a:t>
             </a:r>
           </a:p>
         </p:txBody>
@@ -19064,10 +19092,9 @@
           </a:lstStyle>
           <a:p>
             <a:r>
-              <a:rPr lang="en-US" dirty="0" smtClean="0"/>
+              <a:rPr lang="en-US" dirty="0"/>
               <a:t>Owner</a:t>
             </a:r>
-            <a:endParaRPr lang="en-US" dirty="0"/>
           </a:p>
           <a:p>
             <a:r>
@@ -19119,10 +19146,9 @@
           </a:lstStyle>
           <a:p>
             <a:r>
-              <a:rPr lang="en-US" dirty="0" smtClean="0"/>
+              <a:rPr lang="en-US" dirty="0"/>
               <a:t>Ravi Beniwal</a:t>
             </a:r>
-            <a:endParaRPr lang="en-US" dirty="0"/>
           </a:p>
         </p:txBody>
       </p:sp>
@@ -19283,14 +19309,9 @@
           <a:lstStyle/>
           <a:p>
             <a:r>
-              <a:rPr lang="en-US" dirty="0" smtClean="0"/>
-              <a:t>Old-school </a:t>
-            </a:r>
-            <a:r>
-              <a:rPr lang="en-US" dirty="0"/>
-              <a:t>debugging tools</a:t>
-            </a:r>
-            <a:endParaRPr lang="en-US" dirty="0"/>
+              <a:rPr lang="en-US" dirty="0"/>
+              <a:t>Tried &amp; True, Conventional Debugging Tools</a:t>
+            </a:r>
           </a:p>
         </p:txBody>
       </p:sp>
@@ -19304,27 +19325,22 @@
             <p:ph idx="1"/>
           </p:nvPr>
         </p:nvSpPr>
-        <p:spPr/>
+        <p:spPr>
+          <a:xfrm>
+            <a:off x="454026" y="1237900"/>
+            <a:ext cx="8229600" cy="3045342"/>
+          </a:xfrm>
+        </p:spPr>
         <p:txBody>
           <a:bodyPr/>
           <a:lstStyle/>
           <a:p>
-            <a:r>
-              <a:rPr lang="en-US" dirty="0" smtClean="0"/>
-              <a:t>Execution Highlighting</a:t>
-            </a:r>
-          </a:p>
-          <a:p>
-            <a:r>
-              <a:rPr lang="en-US" dirty="0" smtClean="0"/>
-              <a:t>Breakpoints</a:t>
-            </a:r>
-          </a:p>
-          <a:p>
-            <a:r>
-              <a:rPr lang="en-US" dirty="0" smtClean="0"/>
-              <a:t>Probes</a:t>
-            </a:r>
+            <a:pPr marL="0" indent="0">
+              <a:buNone/>
+            </a:pPr>
+            <a:endParaRPr lang="en-US" dirty="0"/>
+          </a:p>
+          <a:p>
             <a:endParaRPr lang="en-US" dirty="0"/>
           </a:p>
         </p:txBody>
@@ -19345,13 +19361,334 @@
           <a:lstStyle/>
           <a:p>
             <a:r>
-              <a:rPr lang="en-US" dirty="0" smtClean="0"/>
-              <a:t>Which still work very well, but with limitations</a:t>
-            </a:r>
-            <a:endParaRPr lang="en-US" dirty="0"/>
-          </a:p>
-        </p:txBody>
-      </p:sp>
+              <a:rPr lang="en-US" dirty="0"/>
+              <a:t>… which still work very well, but with limitations</a:t>
+            </a:r>
+          </a:p>
+        </p:txBody>
+      </p:sp>
+      <p:graphicFrame>
+        <p:nvGraphicFramePr>
+          <p:cNvPr id="5" name="Table 4"/>
+          <p:cNvGraphicFramePr>
+            <a:graphicFrameLocks noGrp="1"/>
+          </p:cNvGraphicFramePr>
+          <p:nvPr>
+            <p:extLst>
+              <p:ext uri="{D42A27DB-BD31-4B8C-83A1-F6EECF244321}">
+                <p14:modId xmlns:p14="http://schemas.microsoft.com/office/powerpoint/2010/main" val="1155002143"/>
+              </p:ext>
+            </p:extLst>
+          </p:nvPr>
+        </p:nvGraphicFramePr>
+        <p:xfrm>
+          <a:off x="623348" y="1194318"/>
+          <a:ext cx="7350925" cy="3148393"/>
+        </p:xfrm>
+        <a:graphic>
+          <a:graphicData uri="http://schemas.openxmlformats.org/drawingml/2006/table">
+            <a:tbl>
+              <a:tblPr firstRow="1" bandRow="1">
+                <a:tableStyleId>{5C22544A-7EE6-4342-B048-85BDC9FD1C3A}</a:tableStyleId>
+              </a:tblPr>
+              <a:tblGrid>
+                <a:gridCol w="2506980">
+                  <a:extLst>
+                    <a:ext uri="{9D8B030D-6E8A-4147-A177-3AD203B41FA5}">
+                      <a16:colId xmlns:a16="http://schemas.microsoft.com/office/drawing/2014/main" val="1279173352"/>
+                    </a:ext>
+                  </a:extLst>
+                </a:gridCol>
+                <a:gridCol w="2248853">
+                  <a:extLst>
+                    <a:ext uri="{9D8B030D-6E8A-4147-A177-3AD203B41FA5}">
+                      <a16:colId xmlns:a16="http://schemas.microsoft.com/office/drawing/2014/main" val="1096528273"/>
+                    </a:ext>
+                  </a:extLst>
+                </a:gridCol>
+                <a:gridCol w="2595092">
+                  <a:extLst>
+                    <a:ext uri="{9D8B030D-6E8A-4147-A177-3AD203B41FA5}">
+                      <a16:colId xmlns:a16="http://schemas.microsoft.com/office/drawing/2014/main" val="3341016758"/>
+                    </a:ext>
+                  </a:extLst>
+                </a:gridCol>
+              </a:tblGrid>
+              <a:tr h="429357">
+                <a:tc>
+                  <a:txBody>
+                    <a:bodyPr/>
+                    <a:lstStyle/>
+                    <a:p>
+                      <a:r>
+                        <a:rPr lang="en-US" dirty="0"/>
+                        <a:t>Built-in Debug Tool</a:t>
+                      </a:r>
+                    </a:p>
+                  </a:txBody>
+                  <a:tcPr/>
+                </a:tc>
+                <a:tc>
+                  <a:txBody>
+                    <a:bodyPr/>
+                    <a:lstStyle/>
+                    <a:p>
+                      <a:r>
+                        <a:rPr lang="en-US" dirty="0"/>
+                        <a:t>Pros</a:t>
+                      </a:r>
+                    </a:p>
+                  </a:txBody>
+                  <a:tcPr/>
+                </a:tc>
+                <a:tc>
+                  <a:txBody>
+                    <a:bodyPr/>
+                    <a:lstStyle/>
+                    <a:p>
+                      <a:r>
+                        <a:rPr lang="en-US" dirty="0"/>
+                        <a:t>Cons</a:t>
+                      </a:r>
+                    </a:p>
+                  </a:txBody>
+                  <a:tcPr/>
+                </a:tc>
+                <a:extLst>
+                  <a:ext uri="{0D108BD9-81ED-4DB2-BD59-A6C34878D82A}">
+                    <a16:rowId xmlns:a16="http://schemas.microsoft.com/office/drawing/2014/main" val="2020939110"/>
+                  </a:ext>
+                </a:extLst>
+              </a:tr>
+              <a:tr h="423475">
+                <a:tc>
+                  <a:txBody>
+                    <a:bodyPr/>
+                    <a:lstStyle/>
+                    <a:p>
+                      <a:pPr marL="0" marR="0" lvl="0" indent="0" algn="l" defTabSz="914400" rtl="0" eaLnBrk="1" fontAlgn="auto" latinLnBrk="0" hangingPunct="1">
+                        <a:lnSpc>
+                          <a:spcPct val="100000"/>
+                        </a:lnSpc>
+                        <a:spcBef>
+                          <a:spcPts val="0"/>
+                        </a:spcBef>
+                        <a:spcAft>
+                          <a:spcPts val="0"/>
+                        </a:spcAft>
+                        <a:buClrTx/>
+                        <a:buSzTx/>
+                        <a:buFontTx/>
+                        <a:buNone/>
+                        <a:tabLst/>
+                        <a:defRPr/>
+                      </a:pPr>
+                      <a:r>
+                        <a:rPr lang="en-US" dirty="0"/>
+                        <a:t>Execution Highlighting</a:t>
+                      </a:r>
+                    </a:p>
+                  </a:txBody>
+                  <a:tcPr/>
+                </a:tc>
+                <a:tc>
+                  <a:txBody>
+                    <a:bodyPr/>
+                    <a:lstStyle/>
+                    <a:p>
+                      <a:r>
+                        <a:rPr lang="en-US" dirty="0"/>
+                        <a:t>Visualizes data flow</a:t>
+                      </a:r>
+                    </a:p>
+                  </a:txBody>
+                  <a:tcPr/>
+                </a:tc>
+                <a:tc>
+                  <a:txBody>
+                    <a:bodyPr/>
+                    <a:lstStyle/>
+                    <a:p>
+                      <a:r>
+                        <a:rPr lang="en-US" dirty="0"/>
+                        <a:t>Slows execution speed</a:t>
+                      </a:r>
+                    </a:p>
+                  </a:txBody>
+                  <a:tcPr/>
+                </a:tc>
+                <a:extLst>
+                  <a:ext uri="{0D108BD9-81ED-4DB2-BD59-A6C34878D82A}">
+                    <a16:rowId xmlns:a16="http://schemas.microsoft.com/office/drawing/2014/main" val="3741890396"/>
+                  </a:ext>
+                </a:extLst>
+              </a:tr>
+              <a:tr h="741081">
+                <a:tc>
+                  <a:txBody>
+                    <a:bodyPr/>
+                    <a:lstStyle/>
+                    <a:p>
+                      <a:r>
+                        <a:rPr lang="en-US" dirty="0"/>
+                        <a:t>Breakpoints</a:t>
+                      </a:r>
+                    </a:p>
+                  </a:txBody>
+                  <a:tcPr/>
+                </a:tc>
+                <a:tc>
+                  <a:txBody>
+                    <a:bodyPr/>
+                    <a:lstStyle/>
+                    <a:p>
+                      <a:r>
+                        <a:rPr lang="en-US" dirty="0"/>
+                        <a:t>Pause execution at this exact point</a:t>
+                      </a:r>
+                    </a:p>
+                  </a:txBody>
+                  <a:tcPr/>
+                </a:tc>
+                <a:tc>
+                  <a:txBody>
+                    <a:bodyPr/>
+                    <a:lstStyle/>
+                    <a:p>
+                      <a:r>
+                        <a:rPr lang="en-US" dirty="0"/>
+                        <a:t>Persistent</a:t>
+                      </a:r>
+                    </a:p>
+                  </a:txBody>
+                  <a:tcPr/>
+                </a:tc>
+                <a:extLst>
+                  <a:ext uri="{0D108BD9-81ED-4DB2-BD59-A6C34878D82A}">
+                    <a16:rowId xmlns:a16="http://schemas.microsoft.com/office/drawing/2014/main" val="4172391331"/>
+                  </a:ext>
+                </a:extLst>
+              </a:tr>
+              <a:tr h="429357">
+                <a:tc>
+                  <a:txBody>
+                    <a:bodyPr/>
+                    <a:lstStyle/>
+                    <a:p>
+                      <a:r>
+                        <a:rPr lang="en-US" dirty="0"/>
+                        <a:t>Default Probes</a:t>
+                      </a:r>
+                    </a:p>
+                  </a:txBody>
+                  <a:tcPr/>
+                </a:tc>
+                <a:tc>
+                  <a:txBody>
+                    <a:bodyPr/>
+                    <a:lstStyle/>
+                    <a:p>
+                      <a:r>
+                        <a:rPr lang="en-US" dirty="0"/>
+                        <a:t>Peek at wire values</a:t>
+                      </a:r>
+                    </a:p>
+                  </a:txBody>
+                  <a:tcPr/>
+                </a:tc>
+                <a:tc>
+                  <a:txBody>
+                    <a:bodyPr/>
+                    <a:lstStyle/>
+                    <a:p>
+                      <a:pPr marL="0" marR="0" lvl="0" indent="0" algn="l" defTabSz="914400" rtl="0" eaLnBrk="1" fontAlgn="auto" latinLnBrk="0" hangingPunct="1">
+                        <a:lnSpc>
+                          <a:spcPct val="100000"/>
+                        </a:lnSpc>
+                        <a:spcBef>
+                          <a:spcPts val="0"/>
+                        </a:spcBef>
+                        <a:spcAft>
+                          <a:spcPts val="0"/>
+                        </a:spcAft>
+                        <a:buClrTx/>
+                        <a:buSzTx/>
+                        <a:buFontTx/>
+                        <a:buNone/>
+                        <a:tabLst/>
+                        <a:defRPr/>
+                      </a:pPr>
+                      <a:r>
+                        <a:rPr lang="en-US" b="1" dirty="0"/>
+                        <a:t>Difficult to place in clones</a:t>
+                      </a:r>
+                      <a:r>
+                        <a:rPr lang="en-US" dirty="0"/>
+                        <a:t>, Non-persistent</a:t>
+                      </a:r>
+                    </a:p>
+                    <a:p>
+                      <a:endParaRPr lang="en-US" dirty="0"/>
+                    </a:p>
+                  </a:txBody>
+                  <a:tcPr/>
+                </a:tc>
+                <a:extLst>
+                  <a:ext uri="{0D108BD9-81ED-4DB2-BD59-A6C34878D82A}">
+                    <a16:rowId xmlns:a16="http://schemas.microsoft.com/office/drawing/2014/main" val="2206996962"/>
+                  </a:ext>
+                </a:extLst>
+              </a:tr>
+              <a:tr h="429357">
+                <a:tc>
+                  <a:txBody>
+                    <a:bodyPr/>
+                    <a:lstStyle/>
+                    <a:p>
+                      <a:r>
+                        <a:rPr lang="en-US" dirty="0"/>
+                        <a:t>Custom Probes</a:t>
+                      </a:r>
+                    </a:p>
+                  </a:txBody>
+                  <a:tcPr/>
+                </a:tc>
+                <a:tc>
+                  <a:txBody>
+                    <a:bodyPr/>
+                    <a:lstStyle/>
+                    <a:p>
+                      <a:r>
+                        <a:rPr lang="en-US" dirty="0"/>
+                        <a:t>+ custom view and/or actions</a:t>
+                      </a:r>
+                    </a:p>
+                  </a:txBody>
+                  <a:tcPr/>
+                </a:tc>
+                <a:tc>
+                  <a:txBody>
+                    <a:bodyPr/>
+                    <a:lstStyle/>
+                    <a:p>
+                      <a:r>
+                        <a:rPr lang="en-US" dirty="0"/>
+                        <a:t>Per LV version</a:t>
+                      </a:r>
+                    </a:p>
+                  </a:txBody>
+                  <a:tcPr/>
+                </a:tc>
+                <a:extLst>
+                  <a:ext uri="{0D108BD9-81ED-4DB2-BD59-A6C34878D82A}">
+                    <a16:rowId xmlns:a16="http://schemas.microsoft.com/office/drawing/2014/main" val="3701902657"/>
+                  </a:ext>
+                </a:extLst>
+              </a:tr>
+            </a:tbl>
+          </a:graphicData>
+        </a:graphic>
+      </p:graphicFrame>
     </p:spTree>
     <p:extLst>
       <p:ext uri="{BB962C8B-B14F-4D97-AF65-F5344CB8AC3E}">
@@ -19410,10 +19747,9 @@
           <a:lstStyle/>
           <a:p>
             <a:r>
-              <a:rPr lang="en-US" dirty="0" smtClean="0"/>
+              <a:rPr lang="en-US" dirty="0"/>
               <a:t>Probes</a:t>
             </a:r>
-            <a:endParaRPr lang="en-US" dirty="0"/>
           </a:p>
         </p:txBody>
       </p:sp>
@@ -19644,97 +19980,96 @@
           </a:lstStyle>
           <a:p>
             <a:r>
-              <a:rPr lang="en-US" sz="2400" dirty="0" smtClean="0"/>
+              <a:rPr lang="en-US" sz="2400" dirty="0"/>
               <a:t>Review of Generic Probes</a:t>
             </a:r>
           </a:p>
           <a:p>
             <a:pPr lvl="1"/>
             <a:r>
-              <a:rPr lang="en-US" sz="2000" dirty="0" smtClean="0"/>
+              <a:rPr lang="en-US" sz="2000" dirty="0"/>
               <a:t>Retain Wire Values</a:t>
             </a:r>
           </a:p>
           <a:p>
             <a:r>
-              <a:rPr lang="en-US" sz="2400" b="1" dirty="0" smtClean="0"/>
+              <a:rPr lang="en-US" sz="2400" b="1" dirty="0"/>
               <a:t>Custom Probes</a:t>
             </a:r>
           </a:p>
           <a:p>
             <a:pPr lvl="1"/>
             <a:r>
-              <a:rPr lang="en-US" sz="2000" dirty="0" smtClean="0"/>
+              <a:rPr lang="en-US" sz="2000" dirty="0"/>
               <a:t>Custom Probes        Controls (look Mom, no code!)</a:t>
             </a:r>
           </a:p>
           <a:p>
             <a:pPr lvl="1"/>
             <a:r>
-              <a:rPr lang="en-US" sz="2000" dirty="0" smtClean="0"/>
+              <a:rPr lang="en-US" sz="2000" dirty="0"/>
               <a:t>Custom Probes        NI (native)</a:t>
             </a:r>
           </a:p>
           <a:p>
             <a:pPr lvl="2"/>
             <a:r>
-              <a:rPr lang="en-US" sz="1800" dirty="0" smtClean="0"/>
+              <a:rPr lang="en-US" sz="1800" dirty="0"/>
               <a:t>Conditional</a:t>
             </a:r>
           </a:p>
           <a:p>
             <a:pPr lvl="1"/>
             <a:r>
-              <a:rPr lang="en-US" sz="2000" dirty="0" smtClean="0"/>
+              <a:rPr lang="en-US" sz="2000" dirty="0"/>
               <a:t>Custom Probes        </a:t>
             </a:r>
             <a:r>
-              <a:rPr lang="en-US" sz="2000" dirty="0" err="1" smtClean="0"/>
+              <a:rPr lang="en-US" sz="2000" dirty="0" err="1"/>
               <a:t>Saphir</a:t>
             </a:r>
             <a:r>
-              <a:rPr lang="en-US" sz="2000" dirty="0" smtClean="0"/>
+              <a:rPr lang="en-US" sz="2000" dirty="0"/>
               <a:t> (3</a:t>
             </a:r>
             <a:r>
-              <a:rPr lang="en-US" sz="2000" baseline="30000" dirty="0" smtClean="0"/>
+              <a:rPr lang="en-US" sz="2000" baseline="30000" dirty="0"/>
               <a:t>rd</a:t>
             </a:r>
             <a:r>
-              <a:rPr lang="en-US" sz="2000" dirty="0" smtClean="0"/>
+              <a:rPr lang="en-US" sz="2000" dirty="0"/>
               <a:t> party, </a:t>
             </a:r>
             <a:r>
-              <a:rPr lang="en-US" sz="2000" dirty="0" err="1" smtClean="0"/>
+              <a:rPr lang="en-US" sz="2000" dirty="0" err="1"/>
               <a:t>ViBox</a:t>
             </a:r>
             <a:r>
-              <a:rPr lang="en-US" sz="2000" dirty="0" smtClean="0"/>
+              <a:rPr lang="en-US" sz="2000" dirty="0"/>
               <a:t> – Probes)</a:t>
             </a:r>
           </a:p>
           <a:p>
             <a:pPr lvl="1"/>
             <a:r>
-              <a:rPr lang="en-US" sz="2000" dirty="0" smtClean="0"/>
+              <a:rPr lang="en-US" sz="2000" dirty="0"/>
               <a:t>Custom Probes        New (roll your own)</a:t>
             </a:r>
           </a:p>
           <a:p>
             <a:pPr lvl="1"/>
             <a:r>
-              <a:rPr lang="en-US" sz="2000" dirty="0" smtClean="0"/>
+              <a:rPr lang="en-US" sz="2000" dirty="0"/>
               <a:t>Variant Probe (by Ton </a:t>
             </a:r>
             <a:r>
-              <a:rPr lang="en-US" sz="2000" dirty="0" err="1" smtClean="0"/>
+              <a:rPr lang="en-US" sz="2000" dirty="0" err="1"/>
               <a:t>Plomp</a:t>
             </a:r>
             <a:r>
-              <a:rPr lang="en-US" sz="2000" dirty="0" smtClean="0"/>
+              <a:rPr lang="en-US" sz="2000" dirty="0"/>
               <a:t>)</a:t>
             </a:r>
-            <a:endParaRPr lang="en-US" sz="2000" dirty="0"/>
           </a:p>
         </p:txBody>
       </p:sp>

--- a/Documentation/LVTM_NIWeek_2017.pptx
+++ b/Documentation/LVTM_NIWeek_2017.pptx
@@ -6,7 +6,7 @@
     <p:sldMasterId id="2147483847" r:id="rId2"/>
   </p:sldMasterIdLst>
   <p:notesMasterIdLst>
-    <p:notesMasterId r:id="rId27"/>
+    <p:notesMasterId r:id="rId35"/>
   </p:notesMasterIdLst>
   <p:sldIdLst>
     <p:sldId id="259" r:id="rId3"/>
@@ -16,23 +16,31 @@
     <p:sldId id="284" r:id="rId7"/>
     <p:sldId id="262" r:id="rId8"/>
     <p:sldId id="272" r:id="rId9"/>
-    <p:sldId id="269" r:id="rId10"/>
-    <p:sldId id="263" r:id="rId11"/>
-    <p:sldId id="268" r:id="rId12"/>
-    <p:sldId id="285" r:id="rId13"/>
-    <p:sldId id="273" r:id="rId14"/>
-    <p:sldId id="274" r:id="rId15"/>
-    <p:sldId id="264" r:id="rId16"/>
-    <p:sldId id="275" r:id="rId17"/>
-    <p:sldId id="276" r:id="rId18"/>
-    <p:sldId id="277" r:id="rId19"/>
-    <p:sldId id="278" r:id="rId20"/>
-    <p:sldId id="279" r:id="rId21"/>
-    <p:sldId id="280" r:id="rId22"/>
-    <p:sldId id="281" r:id="rId23"/>
-    <p:sldId id="265" r:id="rId24"/>
-    <p:sldId id="266" r:id="rId25"/>
-    <p:sldId id="267" r:id="rId26"/>
+    <p:sldId id="286" r:id="rId10"/>
+    <p:sldId id="269" r:id="rId11"/>
+    <p:sldId id="263" r:id="rId12"/>
+    <p:sldId id="268" r:id="rId13"/>
+    <p:sldId id="285" r:id="rId14"/>
+    <p:sldId id="287" r:id="rId15"/>
+    <p:sldId id="289" r:id="rId16"/>
+    <p:sldId id="288" r:id="rId17"/>
+    <p:sldId id="290" r:id="rId18"/>
+    <p:sldId id="293" r:id="rId19"/>
+    <p:sldId id="291" r:id="rId20"/>
+    <p:sldId id="292" r:id="rId21"/>
+    <p:sldId id="273" r:id="rId22"/>
+    <p:sldId id="274" r:id="rId23"/>
+    <p:sldId id="264" r:id="rId24"/>
+    <p:sldId id="275" r:id="rId25"/>
+    <p:sldId id="276" r:id="rId26"/>
+    <p:sldId id="277" r:id="rId27"/>
+    <p:sldId id="278" r:id="rId28"/>
+    <p:sldId id="279" r:id="rId29"/>
+    <p:sldId id="280" r:id="rId30"/>
+    <p:sldId id="281" r:id="rId31"/>
+    <p:sldId id="265" r:id="rId32"/>
+    <p:sldId id="266" r:id="rId33"/>
+    <p:sldId id="267" r:id="rId34"/>
   </p:sldIdLst>
   <p:sldSz cx="9144000" cy="5143500" type="screen16x9"/>
   <p:notesSz cx="7315200" cy="9601200"/>
@@ -143,10 +151,18 @@
             <p14:sldId id="284"/>
             <p14:sldId id="262"/>
             <p14:sldId id="272"/>
+            <p14:sldId id="286"/>
             <p14:sldId id="269"/>
             <p14:sldId id="263"/>
             <p14:sldId id="268"/>
             <p14:sldId id="285"/>
+            <p14:sldId id="287"/>
+            <p14:sldId id="289"/>
+            <p14:sldId id="288"/>
+            <p14:sldId id="290"/>
+            <p14:sldId id="293"/>
+            <p14:sldId id="291"/>
+            <p14:sldId id="292"/>
             <p14:sldId id="273"/>
             <p14:sldId id="274"/>
             <p14:sldId id="264"/>
@@ -171,6 +187,10 @@
 </p:presentation>
 </file>
 
+<file path=ppt/revisionInfo.xml><?xml version="1.0" encoding="utf-8"?>
+<p1510:revInfo xmlns:a="http://schemas.openxmlformats.org/drawingml/2006/main" xmlns:r="http://schemas.openxmlformats.org/officeDocument/2006/relationships" xmlns:p1510="http://schemas.microsoft.com/office/powerpoint/2015/10/main"/>
+</file>
+
 <file path=ppt/notesMasters/notesMaster1.xml><?xml version="1.0" encoding="utf-8"?>
 <p:notesMaster xmlns:a="http://schemas.openxmlformats.org/drawingml/2006/main" xmlns:r="http://schemas.openxmlformats.org/officeDocument/2006/relationships" xmlns:p="http://schemas.openxmlformats.org/presentationml/2006/main">
   <p:cSld>
@@ -253,7 +273,7 @@
           <a:p>
             <a:fld id="{41DBDD7F-39F0-994B-B822-183990148EFC}" type="datetimeFigureOut">
               <a:rPr lang="en-US" smtClean="0"/>
-              <a:t>4/16/2017</a:t>
+              <a:t>4/29/2017</a:t>
             </a:fld>
             <a:endParaRPr lang="en-US"/>
           </a:p>
@@ -604,6 +624,330 @@
 </p:notes>
 </file>
 
+<file path=ppt/notesSlides/notesSlide10.xml><?xml version="1.0" encoding="utf-8"?>
+<p:notes xmlns:a="http://schemas.openxmlformats.org/drawingml/2006/main" xmlns:r="http://schemas.openxmlformats.org/officeDocument/2006/relationships" xmlns:p="http://schemas.openxmlformats.org/presentationml/2006/main">
+  <p:cSld>
+    <p:spTree>
+      <p:nvGrpSpPr>
+        <p:cNvPr id="1" name=""/>
+        <p:cNvGrpSpPr/>
+        <p:nvPr/>
+      </p:nvGrpSpPr>
+      <p:grpSpPr>
+        <a:xfrm>
+          <a:off x="0" y="0"/>
+          <a:ext cx="0" cy="0"/>
+          <a:chOff x="0" y="0"/>
+          <a:chExt cx="0" cy="0"/>
+        </a:xfrm>
+      </p:grpSpPr>
+      <p:sp>
+        <p:nvSpPr>
+          <p:cNvPr id="2" name="Slide Image Placeholder 1"/>
+          <p:cNvSpPr>
+            <a:spLocks noGrp="1" noRot="1" noChangeAspect="1"/>
+          </p:cNvSpPr>
+          <p:nvPr>
+            <p:ph type="sldImg"/>
+          </p:nvPr>
+        </p:nvSpPr>
+        <p:spPr/>
+      </p:sp>
+      <p:sp>
+        <p:nvSpPr>
+          <p:cNvPr id="3" name="Notes Placeholder 2"/>
+          <p:cNvSpPr>
+            <a:spLocks noGrp="1"/>
+          </p:cNvSpPr>
+          <p:nvPr>
+            <p:ph type="body" idx="1"/>
+          </p:nvPr>
+        </p:nvSpPr>
+        <p:spPr/>
+        <p:txBody>
+          <a:bodyPr/>
+          <a:lstStyle/>
+          <a:p>
+            <a:endParaRPr lang="en-US" dirty="0"/>
+          </a:p>
+        </p:txBody>
+      </p:sp>
+      <p:sp>
+        <p:nvSpPr>
+          <p:cNvPr id="4" name="Slide Number Placeholder 3"/>
+          <p:cNvSpPr>
+            <a:spLocks noGrp="1"/>
+          </p:cNvSpPr>
+          <p:nvPr>
+            <p:ph type="sldNum" sz="quarter" idx="10"/>
+          </p:nvPr>
+        </p:nvSpPr>
+        <p:spPr/>
+        <p:txBody>
+          <a:bodyPr/>
+          <a:lstStyle/>
+          <a:p>
+            <a:fld id="{0D24C6CA-46A1-5B48-B1AE-7D6F4B7A3418}" type="slidenum">
+              <a:rPr lang="en-US" smtClean="0"/>
+              <a:t>29</a:t>
+            </a:fld>
+            <a:endParaRPr lang="en-US"/>
+          </a:p>
+        </p:txBody>
+      </p:sp>
+    </p:spTree>
+    <p:extLst>
+      <p:ext uri="{BB962C8B-B14F-4D97-AF65-F5344CB8AC3E}">
+        <p14:creationId xmlns:p14="http://schemas.microsoft.com/office/powerpoint/2010/main" val="3951926544"/>
+      </p:ext>
+    </p:extLst>
+  </p:cSld>
+  <p:clrMapOvr>
+    <a:masterClrMapping/>
+  </p:clrMapOvr>
+</p:notes>
+</file>
+
+<file path=ppt/notesSlides/notesSlide11.xml><?xml version="1.0" encoding="utf-8"?>
+<p:notes xmlns:a="http://schemas.openxmlformats.org/drawingml/2006/main" xmlns:r="http://schemas.openxmlformats.org/officeDocument/2006/relationships" xmlns:p="http://schemas.openxmlformats.org/presentationml/2006/main">
+  <p:cSld>
+    <p:spTree>
+      <p:nvGrpSpPr>
+        <p:cNvPr id="1" name=""/>
+        <p:cNvGrpSpPr/>
+        <p:nvPr/>
+      </p:nvGrpSpPr>
+      <p:grpSpPr>
+        <a:xfrm>
+          <a:off x="0" y="0"/>
+          <a:ext cx="0" cy="0"/>
+          <a:chOff x="0" y="0"/>
+          <a:chExt cx="0" cy="0"/>
+        </a:xfrm>
+      </p:grpSpPr>
+      <p:sp>
+        <p:nvSpPr>
+          <p:cNvPr id="2" name="Slide Image Placeholder 1"/>
+          <p:cNvSpPr>
+            <a:spLocks noGrp="1" noRot="1" noChangeAspect="1"/>
+          </p:cNvSpPr>
+          <p:nvPr>
+            <p:ph type="sldImg"/>
+          </p:nvPr>
+        </p:nvSpPr>
+        <p:spPr/>
+      </p:sp>
+      <p:sp>
+        <p:nvSpPr>
+          <p:cNvPr id="3" name="Notes Placeholder 2"/>
+          <p:cNvSpPr>
+            <a:spLocks noGrp="1"/>
+          </p:cNvSpPr>
+          <p:nvPr>
+            <p:ph type="body" idx="1"/>
+          </p:nvPr>
+        </p:nvSpPr>
+        <p:spPr/>
+        <p:txBody>
+          <a:bodyPr/>
+          <a:lstStyle/>
+          <a:p>
+            <a:r>
+              <a:rPr lang="en-US" dirty="0"/>
+              <a:t>We want your</a:t>
+            </a:r>
+            <a:r>
+              <a:rPr lang="en-US" baseline="0" dirty="0"/>
+              <a:t> feedback.  Please take one minute to complete the session survey.</a:t>
+            </a:r>
+            <a:endParaRPr lang="en-US" dirty="0"/>
+          </a:p>
+        </p:txBody>
+      </p:sp>
+      <p:sp>
+        <p:nvSpPr>
+          <p:cNvPr id="4" name="Slide Number Placeholder 3"/>
+          <p:cNvSpPr>
+            <a:spLocks noGrp="1"/>
+          </p:cNvSpPr>
+          <p:nvPr>
+            <p:ph type="sldNum" sz="quarter" idx="10"/>
+          </p:nvPr>
+        </p:nvSpPr>
+        <p:spPr/>
+        <p:txBody>
+          <a:bodyPr/>
+          <a:lstStyle/>
+          <a:p>
+            <a:fld id="{0D24C6CA-46A1-5B48-B1AE-7D6F4B7A3418}" type="slidenum">
+              <a:rPr lang="en-US" smtClean="0"/>
+              <a:t>30</a:t>
+            </a:fld>
+            <a:endParaRPr lang="en-US"/>
+          </a:p>
+        </p:txBody>
+      </p:sp>
+    </p:spTree>
+    <p:extLst>
+      <p:ext uri="{BB962C8B-B14F-4D97-AF65-F5344CB8AC3E}">
+        <p14:creationId xmlns:p14="http://schemas.microsoft.com/office/powerpoint/2010/main" val="4184254091"/>
+      </p:ext>
+    </p:extLst>
+  </p:cSld>
+  <p:clrMapOvr>
+    <a:masterClrMapping/>
+  </p:clrMapOvr>
+</p:notes>
+</file>
+
+<file path=ppt/notesSlides/notesSlide12.xml><?xml version="1.0" encoding="utf-8"?>
+<p:notes xmlns:a="http://schemas.openxmlformats.org/drawingml/2006/main" xmlns:r="http://schemas.openxmlformats.org/officeDocument/2006/relationships" xmlns:p="http://schemas.openxmlformats.org/presentationml/2006/main">
+  <p:cSld>
+    <p:spTree>
+      <p:nvGrpSpPr>
+        <p:cNvPr id="1" name=""/>
+        <p:cNvGrpSpPr/>
+        <p:nvPr/>
+      </p:nvGrpSpPr>
+      <p:grpSpPr>
+        <a:xfrm>
+          <a:off x="0" y="0"/>
+          <a:ext cx="0" cy="0"/>
+          <a:chOff x="0" y="0"/>
+          <a:chExt cx="0" cy="0"/>
+        </a:xfrm>
+      </p:grpSpPr>
+      <p:sp>
+        <p:nvSpPr>
+          <p:cNvPr id="2" name="Slide Image Placeholder 1"/>
+          <p:cNvSpPr>
+            <a:spLocks noGrp="1" noRot="1" noChangeAspect="1"/>
+          </p:cNvSpPr>
+          <p:nvPr>
+            <p:ph type="sldImg"/>
+          </p:nvPr>
+        </p:nvSpPr>
+        <p:spPr/>
+      </p:sp>
+      <p:sp>
+        <p:nvSpPr>
+          <p:cNvPr id="3" name="Notes Placeholder 2"/>
+          <p:cNvSpPr>
+            <a:spLocks noGrp="1"/>
+          </p:cNvSpPr>
+          <p:nvPr>
+            <p:ph type="body" idx="1"/>
+          </p:nvPr>
+        </p:nvSpPr>
+        <p:spPr/>
+        <p:txBody>
+          <a:bodyPr/>
+          <a:lstStyle/>
+          <a:p>
+            <a:r>
+              <a:rPr lang="en-US" dirty="0"/>
+              <a:t>Convey</a:t>
+            </a:r>
+            <a:r>
+              <a:rPr lang="en-US" baseline="0" dirty="0"/>
+              <a:t> these points:</a:t>
+            </a:r>
+          </a:p>
+          <a:p>
+            <a:pPr marL="171450" indent="-171450">
+              <a:buFont typeface="Arial" panose="020B0604020202020204" pitchFamily="34" charset="0"/>
+              <a:buChar char="•"/>
+            </a:pPr>
+            <a:r>
+              <a:rPr lang="en-US" baseline="0" dirty="0"/>
+              <a:t>Thank you for attending </a:t>
+            </a:r>
+            <a:r>
+              <a:rPr lang="en-US" baseline="0" dirty="0" err="1"/>
+              <a:t>NIWeek</a:t>
+            </a:r>
+            <a:r>
+              <a:rPr lang="en-US" baseline="0" dirty="0"/>
+              <a:t> 2017.</a:t>
+            </a:r>
+          </a:p>
+          <a:p>
+            <a:pPr marL="171450" indent="-171450">
+              <a:buFont typeface="Arial" panose="020B0604020202020204" pitchFamily="34" charset="0"/>
+              <a:buChar char="•"/>
+            </a:pPr>
+            <a:r>
+              <a:rPr lang="en-US" baseline="0" dirty="0"/>
+              <a:t>There’s many ways to stay connected.</a:t>
+            </a:r>
+          </a:p>
+          <a:p>
+            <a:pPr marL="171450" indent="-171450">
+              <a:buFont typeface="Arial" panose="020B0604020202020204" pitchFamily="34" charset="0"/>
+              <a:buChar char="•"/>
+            </a:pPr>
+            <a:r>
+              <a:rPr lang="en-US" baseline="0" dirty="0"/>
+              <a:t>You can download the session materials through the mobile app or at ni.com/</a:t>
+            </a:r>
+            <a:r>
+              <a:rPr lang="en-US" baseline="0" dirty="0" err="1"/>
+              <a:t>niweekcommunity</a:t>
+            </a:r>
+            <a:r>
+              <a:rPr lang="en-US" baseline="0" dirty="0"/>
+              <a:t>.</a:t>
+            </a:r>
+          </a:p>
+          <a:p>
+            <a:pPr marL="171450" indent="-171450">
+              <a:buFont typeface="Arial" panose="020B0604020202020204" pitchFamily="34" charset="0"/>
+              <a:buChar char="•"/>
+            </a:pPr>
+            <a:r>
+              <a:rPr lang="en-US" baseline="0" dirty="0"/>
+              <a:t>If you’re interested, you can reach me at [share your email]</a:t>
+            </a:r>
+            <a:endParaRPr lang="en-US" dirty="0"/>
+          </a:p>
+        </p:txBody>
+      </p:sp>
+      <p:sp>
+        <p:nvSpPr>
+          <p:cNvPr id="4" name="Slide Number Placeholder 3"/>
+          <p:cNvSpPr>
+            <a:spLocks noGrp="1"/>
+          </p:cNvSpPr>
+          <p:nvPr>
+            <p:ph type="sldNum" sz="quarter" idx="10"/>
+          </p:nvPr>
+        </p:nvSpPr>
+        <p:spPr/>
+        <p:txBody>
+          <a:bodyPr/>
+          <a:lstStyle/>
+          <a:p>
+            <a:fld id="{0D24C6CA-46A1-5B48-B1AE-7D6F4B7A3418}" type="slidenum">
+              <a:rPr lang="en-US" smtClean="0"/>
+              <a:t>32</a:t>
+            </a:fld>
+            <a:endParaRPr lang="en-US"/>
+          </a:p>
+        </p:txBody>
+      </p:sp>
+    </p:spTree>
+    <p:extLst>
+      <p:ext uri="{BB962C8B-B14F-4D97-AF65-F5344CB8AC3E}">
+        <p14:creationId xmlns:p14="http://schemas.microsoft.com/office/powerpoint/2010/main" val="2561992405"/>
+      </p:ext>
+    </p:extLst>
+  </p:cSld>
+  <p:clrMapOvr>
+    <a:masterClrMapping/>
+  </p:clrMapOvr>
+</p:notes>
+</file>
+
 <file path=ppt/notesSlides/notesSlide2.xml><?xml version="1.0" encoding="utf-8"?>
 <p:notes xmlns:a="http://schemas.openxmlformats.org/drawingml/2006/main" xmlns:r="http://schemas.openxmlformats.org/officeDocument/2006/relationships" xmlns:p="http://schemas.openxmlformats.org/presentationml/2006/main">
   <p:cSld>
@@ -1094,7 +1438,10 @@
           <a:bodyPr/>
           <a:lstStyle/>
           <a:p>
-            <a:endParaRPr lang="en-US" dirty="0"/>
+            <a:r>
+              <a:rPr lang="en-US" dirty="0"/>
+              <a:t>Persistence is both a Pro and a Con</a:t>
+            </a:r>
           </a:p>
         </p:txBody>
       </p:sp>
@@ -1124,7 +1471,7 @@
     </p:spTree>
     <p:extLst>
       <p:ext uri="{BB962C8B-B14F-4D97-AF65-F5344CB8AC3E}">
-        <p14:creationId xmlns:p14="http://schemas.microsoft.com/office/powerpoint/2010/main" val="3466565700"/>
+        <p14:creationId xmlns:p14="http://schemas.microsoft.com/office/powerpoint/2010/main" val="1317008778"/>
       </p:ext>
     </p:extLst>
   </p:cSld>
@@ -1178,7 +1525,22 @@
           <a:bodyPr/>
           <a:lstStyle/>
           <a:p>
-            <a:endParaRPr lang="en-US" dirty="0"/>
+            <a:r>
+              <a:rPr lang="en-US" dirty="0"/>
+              <a:t>Probes are commonly called "Watchpoints" in other languages</a:t>
+            </a:r>
+          </a:p>
+          <a:p>
+            <a:r>
+              <a:rPr lang="en-US" dirty="0"/>
+              <a:t>Conditional Probes are commonly called "Watch Variables" in other languages</a:t>
+            </a:r>
+          </a:p>
+          <a:p>
+            <a:r>
+              <a:rPr lang="en-US" dirty="0"/>
+              <a:t>Persistence is both a Pro and a Con</a:t>
+            </a:r>
           </a:p>
         </p:txBody>
       </p:sp>
@@ -1199,7 +1561,7 @@
           <a:p>
             <a:fld id="{0D24C6CA-46A1-5B48-B1AE-7D6F4B7A3418}" type="slidenum">
               <a:rPr lang="en-US" smtClean="0"/>
-              <a:t>21</a:t>
+              <a:t>9</a:t>
             </a:fld>
             <a:endParaRPr lang="en-US"/>
           </a:p>
@@ -1208,7 +1570,7 @@
     </p:spTree>
     <p:extLst>
       <p:ext uri="{BB962C8B-B14F-4D97-AF65-F5344CB8AC3E}">
-        <p14:creationId xmlns:p14="http://schemas.microsoft.com/office/powerpoint/2010/main" val="3951926544"/>
+        <p14:creationId xmlns:p14="http://schemas.microsoft.com/office/powerpoint/2010/main" val="3466565700"/>
       </p:ext>
     </p:extLst>
   </p:cSld>
@@ -1262,15 +1624,31 @@
           <a:bodyPr/>
           <a:lstStyle/>
           <a:p>
-            <a:r>
-              <a:rPr lang="en-US" dirty="0"/>
-              <a:t>We want your</a:t>
-            </a:r>
-            <a:r>
-              <a:rPr lang="en-US" baseline="0" dirty="0"/>
-              <a:t> feedback.  Please take one minute to complete the session survey.</a:t>
-            </a:r>
-            <a:endParaRPr lang="en-US" dirty="0"/>
+            <a:pPr marL="0" marR="0" lvl="0" indent="0" algn="l" defTabSz="914400" rtl="0" eaLnBrk="1" fontAlgn="auto" latinLnBrk="0" hangingPunct="1">
+              <a:lnSpc>
+                <a:spcPct val="100000"/>
+              </a:lnSpc>
+              <a:spcBef>
+                <a:spcPts val="0"/>
+              </a:spcBef>
+              <a:spcAft>
+                <a:spcPts val="0"/>
+              </a:spcAft>
+              <a:buClrTx/>
+              <a:buSzTx/>
+              <a:buFontTx/>
+              <a:buNone/>
+              <a:tabLst/>
+              <a:defRPr/>
+            </a:pPr>
+            <a:r>
+              <a:rPr lang="en-US" sz="1200" b="1" i="1" dirty="0"/>
+              <a:t>Retain Wire Values </a:t>
+            </a:r>
+            <a:r>
+              <a:rPr lang="en-US" sz="1200" dirty="0"/>
+              <a:t>keeps wire values in memory so that a probe placed AFTER running the VI can still view the value!</a:t>
+            </a:r>
           </a:p>
         </p:txBody>
       </p:sp>
@@ -1291,7 +1669,7 @@
           <a:p>
             <a:fld id="{0D24C6CA-46A1-5B48-B1AE-7D6F4B7A3418}" type="slidenum">
               <a:rPr lang="en-US" smtClean="0"/>
-              <a:t>22</a:t>
+              <a:t>10</a:t>
             </a:fld>
             <a:endParaRPr lang="en-US"/>
           </a:p>
@@ -1300,7 +1678,7 @@
     </p:spTree>
     <p:extLst>
       <p:ext uri="{BB962C8B-B14F-4D97-AF65-F5344CB8AC3E}">
-        <p14:creationId xmlns:p14="http://schemas.microsoft.com/office/powerpoint/2010/main" val="4184254091"/>
+        <p14:creationId xmlns:p14="http://schemas.microsoft.com/office/powerpoint/2010/main" val="286193173"/>
       </p:ext>
     </p:extLst>
   </p:cSld>
@@ -1356,69 +1734,8 @@
           <a:p>
             <a:r>
               <a:rPr lang="en-US" dirty="0"/>
-              <a:t>Convey</a:t>
-            </a:r>
-            <a:r>
-              <a:rPr lang="en-US" baseline="0" dirty="0"/>
-              <a:t> these points:</a:t>
-            </a:r>
-          </a:p>
-          <a:p>
-            <a:pPr marL="171450" indent="-171450">
-              <a:buFont typeface="Arial" panose="020B0604020202020204" pitchFamily="34" charset="0"/>
-              <a:buChar char="•"/>
-            </a:pPr>
-            <a:r>
-              <a:rPr lang="en-US" baseline="0" dirty="0"/>
-              <a:t>Thank you for attending </a:t>
-            </a:r>
-            <a:r>
-              <a:rPr lang="en-US" baseline="0" dirty="0" err="1"/>
-              <a:t>NIWeek</a:t>
-            </a:r>
-            <a:r>
-              <a:rPr lang="en-US" baseline="0" dirty="0"/>
-              <a:t> 2017.</a:t>
-            </a:r>
-          </a:p>
-          <a:p>
-            <a:pPr marL="171450" indent="-171450">
-              <a:buFont typeface="Arial" panose="020B0604020202020204" pitchFamily="34" charset="0"/>
-              <a:buChar char="•"/>
-            </a:pPr>
-            <a:r>
-              <a:rPr lang="en-US" baseline="0" dirty="0"/>
-              <a:t>There’s many ways to stay connected.</a:t>
-            </a:r>
-          </a:p>
-          <a:p>
-            <a:pPr marL="171450" indent="-171450">
-              <a:buFont typeface="Arial" panose="020B0604020202020204" pitchFamily="34" charset="0"/>
-              <a:buChar char="•"/>
-            </a:pPr>
-            <a:r>
-              <a:rPr lang="en-US" baseline="0" dirty="0"/>
-              <a:t>You can download the session materials through the mobile app or at ni.com/</a:t>
-            </a:r>
-            <a:r>
-              <a:rPr lang="en-US" baseline="0" dirty="0" err="1"/>
-              <a:t>niweekcommunity</a:t>
-            </a:r>
-            <a:r>
-              <a:rPr lang="en-US" baseline="0" dirty="0"/>
-              <a:t>.</a:t>
-            </a:r>
-          </a:p>
-          <a:p>
-            <a:pPr marL="171450" indent="-171450">
-              <a:buFont typeface="Arial" panose="020B0604020202020204" pitchFamily="34" charset="0"/>
-              <a:buChar char="•"/>
-            </a:pPr>
-            <a:r>
-              <a:rPr lang="en-US" baseline="0" dirty="0"/>
-              <a:t>If you’re interested, you can reach me at [share your email]</a:t>
-            </a:r>
-            <a:endParaRPr lang="en-US" dirty="0"/>
+              <a:t>Using the Windows debug interface retains information even if LabVIEW crashes!</a:t>
+            </a:r>
           </a:p>
         </p:txBody>
       </p:sp>
@@ -1439,7 +1756,7 @@
           <a:p>
             <a:fld id="{0D24C6CA-46A1-5B48-B1AE-7D6F4B7A3418}" type="slidenum">
               <a:rPr lang="en-US" smtClean="0"/>
-              <a:t>24</a:t>
+              <a:t>12</a:t>
             </a:fld>
             <a:endParaRPr lang="en-US"/>
           </a:p>
@@ -1448,7 +1765,7 @@
     </p:spTree>
     <p:extLst>
       <p:ext uri="{BB962C8B-B14F-4D97-AF65-F5344CB8AC3E}">
-        <p14:creationId xmlns:p14="http://schemas.microsoft.com/office/powerpoint/2010/main" val="2561992405"/>
+        <p14:creationId xmlns:p14="http://schemas.microsoft.com/office/powerpoint/2010/main" val="3398603826"/>
       </p:ext>
     </p:extLst>
   </p:cSld>
@@ -16659,7 +16976,7 @@
       </p:grpSpPr>
       <p:sp>
         <p:nvSpPr>
-          <p:cNvPr id="2" name="Title 1"/>
+          <p:cNvPr id="3" name="Title 2"/>
           <p:cNvSpPr>
             <a:spLocks noGrp="1"/>
           </p:cNvSpPr>
@@ -16672,81 +16989,544 @@
           <a:bodyPr/>
           <a:lstStyle/>
           <a:p>
+            <a:r>
+              <a:rPr lang="en-US" sz="2800" b="1" dirty="0"/>
+              <a:t>Probes !!!</a:t>
+            </a:r>
+          </a:p>
+        </p:txBody>
+      </p:sp>
+      <p:sp>
+        <p:nvSpPr>
+          <p:cNvPr id="5" name="Content Placeholder 2"/>
+          <p:cNvSpPr txBox="1">
+            <a:spLocks/>
+          </p:cNvSpPr>
+          <p:nvPr/>
+        </p:nvSpPr>
+        <p:spPr>
+          <a:xfrm>
+            <a:off x="478333" y="1031584"/>
+            <a:ext cx="8030400" cy="3501914"/>
+          </a:xfrm>
+          <a:prstGeom prst="rect">
+            <a:avLst/>
+          </a:prstGeom>
+        </p:spPr>
+        <p:txBody>
+          <a:bodyPr vert="horz" lIns="0" tIns="45717" rIns="0" bIns="45717" rtlCol="0">
+            <a:noAutofit/>
+          </a:bodyPr>
+          <a:lstStyle>
+            <a:lvl1pPr marL="182880" marR="0" indent="-182880" algn="l" defTabSz="914400" rtl="0" eaLnBrk="1" fontAlgn="auto" latinLnBrk="0" hangingPunct="1">
+              <a:lnSpc>
+                <a:spcPct val="100000"/>
+              </a:lnSpc>
+              <a:spcBef>
+                <a:spcPts val="400"/>
+              </a:spcBef>
+              <a:spcAft>
+                <a:spcPts val="0"/>
+              </a:spcAft>
+              <a:buClr>
+                <a:schemeClr val="bg2">
+                  <a:lumMod val="50000"/>
+                </a:schemeClr>
+              </a:buClr>
+              <a:buSzPct val="70000"/>
+              <a:buFont typeface="Wingdings" charset="2"/>
+              <a:buChar char="§"/>
+              <a:tabLst>
+                <a:tab pos="182880" algn="l"/>
+              </a:tabLst>
+              <a:defRPr lang="en-US" sz="1800" b="0" i="0" kern="1200" baseline="0">
+                <a:solidFill>
+                  <a:schemeClr val="bg2">
+                    <a:lumMod val="25000"/>
+                  </a:schemeClr>
+                </a:solidFill>
+                <a:latin typeface="+mn-lt"/>
+                <a:ea typeface="Arial" charset="0"/>
+                <a:cs typeface="Univers LT Std 45 Light"/>
+              </a:defRPr>
+            </a:lvl1pPr>
+            <a:lvl2pPr marL="457200" indent="-182880" algn="l" defTabSz="914400" rtl="0" eaLnBrk="1" latinLnBrk="0" hangingPunct="1">
+              <a:lnSpc>
+                <a:spcPct val="90000"/>
+              </a:lnSpc>
+              <a:spcBef>
+                <a:spcPts val="500"/>
+              </a:spcBef>
+              <a:buClr>
+                <a:schemeClr val="bg2">
+                  <a:lumMod val="50000"/>
+                </a:schemeClr>
+              </a:buClr>
+              <a:buSzPct val="70000"/>
+              <a:buFont typeface="Wingdings" charset="2"/>
+              <a:buChar char="§"/>
+              <a:defRPr lang="en-US" sz="1600" b="0" i="0" kern="1200" baseline="0">
+                <a:solidFill>
+                  <a:schemeClr val="bg2">
+                    <a:lumMod val="25000"/>
+                  </a:schemeClr>
+                </a:solidFill>
+                <a:latin typeface="+mn-lt"/>
+                <a:ea typeface="+mn-ea"/>
+                <a:cs typeface="Univers LT Std 45 Light"/>
+              </a:defRPr>
+            </a:lvl2pPr>
+            <a:lvl3pPr marL="731520" indent="-182880" algn="l" defTabSz="914400" rtl="0" eaLnBrk="1" latinLnBrk="0" hangingPunct="1">
+              <a:lnSpc>
+                <a:spcPct val="90000"/>
+              </a:lnSpc>
+              <a:spcBef>
+                <a:spcPts val="500"/>
+              </a:spcBef>
+              <a:buClr>
+                <a:schemeClr val="bg2">
+                  <a:lumMod val="50000"/>
+                </a:schemeClr>
+              </a:buClr>
+              <a:buSzPct val="70000"/>
+              <a:buFont typeface="Wingdings" charset="2"/>
+              <a:buChar char="§"/>
+              <a:defRPr lang="en-US" sz="1400" b="0" i="0" kern="1200" baseline="0">
+                <a:solidFill>
+                  <a:schemeClr val="bg2">
+                    <a:lumMod val="25000"/>
+                  </a:schemeClr>
+                </a:solidFill>
+                <a:latin typeface="+mn-lt"/>
+                <a:ea typeface="+mn-ea"/>
+                <a:cs typeface="Univers LT Std 45 Light"/>
+              </a:defRPr>
+            </a:lvl3pPr>
+            <a:lvl4pPr marL="914400" indent="-182880" algn="l" defTabSz="914400" rtl="0" eaLnBrk="1" latinLnBrk="0" hangingPunct="1">
+              <a:lnSpc>
+                <a:spcPct val="90000"/>
+              </a:lnSpc>
+              <a:spcBef>
+                <a:spcPts val="500"/>
+              </a:spcBef>
+              <a:buClr>
+                <a:schemeClr val="bg2">
+                  <a:lumMod val="50000"/>
+                </a:schemeClr>
+              </a:buClr>
+              <a:buSzPct val="70000"/>
+              <a:buFont typeface="Wingdings" charset="2"/>
+              <a:buChar char="§"/>
+              <a:defRPr lang="en-US" sz="1400" b="0" i="0" kern="1200" baseline="0">
+                <a:solidFill>
+                  <a:schemeClr val="bg2">
+                    <a:lumMod val="25000"/>
+                  </a:schemeClr>
+                </a:solidFill>
+                <a:latin typeface="+mn-lt"/>
+                <a:ea typeface="+mn-ea"/>
+                <a:cs typeface="Univers LT Std 45 Light"/>
+              </a:defRPr>
+            </a:lvl4pPr>
+            <a:lvl5pPr marL="1828800" indent="0" algn="l" defTabSz="914400" rtl="0" eaLnBrk="1" latinLnBrk="0" hangingPunct="1">
+              <a:lnSpc>
+                <a:spcPct val="90000"/>
+              </a:lnSpc>
+              <a:spcBef>
+                <a:spcPts val="500"/>
+              </a:spcBef>
+              <a:buFont typeface="Arial"/>
+              <a:buNone/>
+              <a:defRPr sz="1400" b="0" i="0" kern="1200" baseline="0">
+                <a:solidFill>
+                  <a:schemeClr val="bg2">
+                    <a:lumMod val="25000"/>
+                  </a:schemeClr>
+                </a:solidFill>
+                <a:latin typeface="+mn-lt"/>
+                <a:ea typeface="Helvetica Neue Light" charset="0"/>
+                <a:cs typeface="Helvetica Neue Light" charset="0"/>
+              </a:defRPr>
+            </a:lvl5pPr>
+            <a:lvl6pPr marL="2514600" indent="-228600" algn="l" defTabSz="914400" rtl="0" eaLnBrk="1" latinLnBrk="0" hangingPunct="1">
+              <a:lnSpc>
+                <a:spcPct val="90000"/>
+              </a:lnSpc>
+              <a:spcBef>
+                <a:spcPts val="500"/>
+              </a:spcBef>
+              <a:buFont typeface="Arial"/>
+              <a:buChar char="•"/>
+              <a:defRPr sz="1800" kern="1200">
+                <a:solidFill>
+                  <a:schemeClr val="tx1"/>
+                </a:solidFill>
+                <a:latin typeface="+mn-lt"/>
+                <a:ea typeface="+mn-ea"/>
+                <a:cs typeface="+mn-cs"/>
+              </a:defRPr>
+            </a:lvl6pPr>
+            <a:lvl7pPr marL="2971800" indent="-228600" algn="l" defTabSz="914400" rtl="0" eaLnBrk="1" latinLnBrk="0" hangingPunct="1">
+              <a:lnSpc>
+                <a:spcPct val="90000"/>
+              </a:lnSpc>
+              <a:spcBef>
+                <a:spcPts val="500"/>
+              </a:spcBef>
+              <a:buFont typeface="Arial"/>
+              <a:buChar char="•"/>
+              <a:defRPr sz="1800" kern="1200">
+                <a:solidFill>
+                  <a:schemeClr val="tx1"/>
+                </a:solidFill>
+                <a:latin typeface="+mn-lt"/>
+                <a:ea typeface="+mn-ea"/>
+                <a:cs typeface="+mn-cs"/>
+              </a:defRPr>
+            </a:lvl7pPr>
+            <a:lvl8pPr marL="3429000" indent="-228600" algn="l" defTabSz="914400" rtl="0" eaLnBrk="1" latinLnBrk="0" hangingPunct="1">
+              <a:lnSpc>
+                <a:spcPct val="90000"/>
+              </a:lnSpc>
+              <a:spcBef>
+                <a:spcPts val="500"/>
+              </a:spcBef>
+              <a:buFont typeface="Arial"/>
+              <a:buChar char="•"/>
+              <a:defRPr sz="1800" kern="1200">
+                <a:solidFill>
+                  <a:schemeClr val="tx1"/>
+                </a:solidFill>
+                <a:latin typeface="+mn-lt"/>
+                <a:ea typeface="+mn-ea"/>
+                <a:cs typeface="+mn-cs"/>
+              </a:defRPr>
+            </a:lvl8pPr>
+            <a:lvl9pPr marL="3886200" indent="-228600" algn="l" defTabSz="914400" rtl="0" eaLnBrk="1" latinLnBrk="0" hangingPunct="1">
+              <a:lnSpc>
+                <a:spcPct val="90000"/>
+              </a:lnSpc>
+              <a:spcBef>
+                <a:spcPts val="500"/>
+              </a:spcBef>
+              <a:buFont typeface="Arial"/>
+              <a:buChar char="•"/>
+              <a:defRPr sz="1800" kern="1200">
+                <a:solidFill>
+                  <a:schemeClr val="tx1"/>
+                </a:solidFill>
+                <a:latin typeface="+mn-lt"/>
+                <a:ea typeface="+mn-ea"/>
+                <a:cs typeface="+mn-cs"/>
+              </a:defRPr>
+            </a:lvl9pPr>
+          </a:lstStyle>
+          <a:p>
+            <a:r>
+              <a:rPr lang="en-US" sz="2400" dirty="0"/>
+              <a:t>Review of Generic Probes</a:t>
+            </a:r>
+          </a:p>
+          <a:p>
+            <a:pPr lvl="1"/>
+            <a:r>
+              <a:rPr lang="en-US" sz="2000" dirty="0"/>
+              <a:t>Retain Wire Values</a:t>
+            </a:r>
+          </a:p>
+          <a:p>
+            <a:r>
+              <a:rPr lang="en-US" sz="2400" b="1" dirty="0"/>
+              <a:t>Custom Probes</a:t>
+            </a:r>
+          </a:p>
+          <a:p>
+            <a:pPr lvl="1"/>
+            <a:r>
+              <a:rPr lang="en-US" sz="2000" dirty="0"/>
+              <a:t>Custom Probes        Controls (look Mom, no code!)</a:t>
+            </a:r>
+          </a:p>
+          <a:p>
+            <a:pPr lvl="1"/>
+            <a:r>
+              <a:rPr lang="en-US" sz="2000" dirty="0"/>
+              <a:t>Custom Probes        NI (native)</a:t>
+            </a:r>
+          </a:p>
+          <a:p>
+            <a:pPr lvl="2"/>
+            <a:r>
+              <a:rPr lang="en-US" sz="1800" dirty="0"/>
+              <a:t>Conditional</a:t>
+            </a:r>
+          </a:p>
+          <a:p>
+            <a:pPr lvl="1"/>
+            <a:r>
+              <a:rPr lang="en-US" sz="2000" dirty="0"/>
+              <a:t>Custom Probes        </a:t>
+            </a:r>
+            <a:r>
+              <a:rPr lang="en-US" sz="2000" dirty="0" err="1"/>
+              <a:t>Saphir</a:t>
+            </a:r>
+            <a:r>
+              <a:rPr lang="en-US" sz="2000" dirty="0"/>
+              <a:t> (3</a:t>
+            </a:r>
+            <a:r>
+              <a:rPr lang="en-US" sz="2000" baseline="30000" dirty="0"/>
+              <a:t>rd</a:t>
+            </a:r>
+            <a:r>
+              <a:rPr lang="en-US" sz="2000" dirty="0"/>
+              <a:t> party, </a:t>
+            </a:r>
+            <a:r>
+              <a:rPr lang="en-US" sz="2000" dirty="0" err="1"/>
+              <a:t>ViBox</a:t>
+            </a:r>
+            <a:r>
+              <a:rPr lang="en-US" sz="2000" dirty="0"/>
+              <a:t> – Probes)</a:t>
+            </a:r>
+          </a:p>
+          <a:p>
+            <a:pPr lvl="1"/>
+            <a:r>
+              <a:rPr lang="en-US" sz="2000" dirty="0"/>
+              <a:t>Custom Probes        New (roll your own)</a:t>
+            </a:r>
+          </a:p>
+          <a:p>
+            <a:pPr lvl="1"/>
+            <a:r>
+              <a:rPr lang="en-US" sz="2000" dirty="0"/>
+              <a:t>Variant Probe (by Ton </a:t>
+            </a:r>
+            <a:r>
+              <a:rPr lang="en-US" sz="2000" dirty="0" err="1"/>
+              <a:t>Plomp</a:t>
+            </a:r>
+            <a:r>
+              <a:rPr lang="en-US" sz="2000" dirty="0"/>
+              <a:t>)</a:t>
+            </a:r>
+          </a:p>
+        </p:txBody>
+      </p:sp>
+      <p:sp>
+        <p:nvSpPr>
+          <p:cNvPr id="8" name="Isosceles Triangle 7"/>
+          <p:cNvSpPr/>
+          <p:nvPr/>
+        </p:nvSpPr>
+        <p:spPr>
+          <a:xfrm rot="5400000">
+            <a:off x="2848175" y="2312571"/>
+            <a:ext cx="188976" cy="153162"/>
+          </a:xfrm>
+          <a:prstGeom prst="triangle">
+            <a:avLst/>
+          </a:prstGeom>
+        </p:spPr>
+        <p:style>
+          <a:lnRef idx="2">
+            <a:schemeClr val="accent1">
+              <a:shade val="50000"/>
+            </a:schemeClr>
+          </a:lnRef>
+          <a:fillRef idx="1">
+            <a:schemeClr val="accent1"/>
+          </a:fillRef>
+          <a:effectRef idx="0">
+            <a:schemeClr val="accent1"/>
+          </a:effectRef>
+          <a:fontRef idx="minor">
+            <a:schemeClr val="lt1"/>
+          </a:fontRef>
+        </p:style>
+        <p:txBody>
+          <a:bodyPr rtlCol="0" anchor="ctr"/>
+          <a:lstStyle/>
+          <a:p>
             <a:pPr algn="ctr"/>
-            <a:r>
-              <a:rPr lang="en-US" dirty="0"/>
-              <a:t>Often forgotten, overlooked, </a:t>
-            </a:r>
-            <a:br>
-              <a:rPr lang="en-US" dirty="0"/>
-            </a:br>
-            <a:r>
-              <a:rPr lang="en-US" dirty="0"/>
-              <a:t>or just plain </a:t>
-            </a:r>
-            <a:r>
-              <a:rPr lang="en-US" dirty="0" err="1"/>
-              <a:t>ol</a:t>
-            </a:r>
-            <a:r>
-              <a:rPr lang="en-US" dirty="0"/>
-              <a:t>’ “never-knew-about-that”</a:t>
-            </a:r>
-          </a:p>
-        </p:txBody>
-      </p:sp>
-      <p:sp>
-        <p:nvSpPr>
-          <p:cNvPr id="4" name="Content Placeholder 2"/>
-          <p:cNvSpPr>
-            <a:spLocks noGrp="1"/>
-          </p:cNvSpPr>
-          <p:nvPr>
-            <p:ph idx="1"/>
-          </p:nvPr>
-        </p:nvSpPr>
-        <p:spPr>
-          <a:xfrm>
-            <a:off x="454025" y="1568917"/>
-            <a:ext cx="8229600" cy="2916455"/>
-          </a:xfrm>
-        </p:spPr>
-        <p:txBody>
-          <a:bodyPr/>
+            <a:endParaRPr lang="en-US"/>
+          </a:p>
+        </p:txBody>
+      </p:sp>
+      <p:sp>
+        <p:nvSpPr>
+          <p:cNvPr id="9" name="Isosceles Triangle 8"/>
+          <p:cNvSpPr/>
+          <p:nvPr/>
+        </p:nvSpPr>
+        <p:spPr>
+          <a:xfrm rot="5400000">
+            <a:off x="2848175" y="2649778"/>
+            <a:ext cx="188976" cy="153162"/>
+          </a:xfrm>
+          <a:prstGeom prst="triangle">
+            <a:avLst/>
+          </a:prstGeom>
+        </p:spPr>
+        <p:style>
+          <a:lnRef idx="2">
+            <a:schemeClr val="accent1">
+              <a:shade val="50000"/>
+            </a:schemeClr>
+          </a:lnRef>
+          <a:fillRef idx="1">
+            <a:schemeClr val="accent1"/>
+          </a:fillRef>
+          <a:effectRef idx="0">
+            <a:schemeClr val="accent1"/>
+          </a:effectRef>
+          <a:fontRef idx="minor">
+            <a:schemeClr val="lt1"/>
+          </a:fontRef>
+        </p:style>
+        <p:txBody>
+          <a:bodyPr rtlCol="0" anchor="ctr"/>
           <a:lstStyle/>
           <a:p>
-            <a:r>
-              <a:rPr lang="en-US" sz="3200" dirty="0"/>
-              <a:t>Suspend When Called</a:t>
-            </a:r>
-          </a:p>
-          <a:p>
-            <a:pPr lvl="1"/>
-            <a:r>
-              <a:rPr lang="en-US" sz="2800" dirty="0"/>
-              <a:t>Access this from “SubVI Node Setup”</a:t>
-            </a:r>
-          </a:p>
-          <a:p>
-            <a:pPr lvl="1"/>
-            <a:r>
-              <a:rPr lang="en-US" sz="2800" dirty="0"/>
-              <a:t>Video Demo: </a:t>
-            </a:r>
-            <a:r>
-              <a:rPr lang="en-US" sz="2800" dirty="0">
-                <a:hlinkClick r:id="rId2"/>
-              </a:rPr>
-              <a:t>https://youtu.be/AgXcyf2Ta_A</a:t>
-            </a:r>
-            <a:endParaRPr lang="en-US" sz="2800" dirty="0"/>
-          </a:p>
-        </p:txBody>
-      </p:sp>
+            <a:pPr algn="ctr"/>
+            <a:endParaRPr lang="en-US"/>
+          </a:p>
+        </p:txBody>
+      </p:sp>
+      <p:sp>
+        <p:nvSpPr>
+          <p:cNvPr id="10" name="Isosceles Triangle 9"/>
+          <p:cNvSpPr/>
+          <p:nvPr/>
+        </p:nvSpPr>
+        <p:spPr>
+          <a:xfrm rot="5400000">
+            <a:off x="2848175" y="3288211"/>
+            <a:ext cx="188976" cy="153162"/>
+          </a:xfrm>
+          <a:prstGeom prst="triangle">
+            <a:avLst/>
+          </a:prstGeom>
+        </p:spPr>
+        <p:style>
+          <a:lnRef idx="2">
+            <a:schemeClr val="accent1">
+              <a:shade val="50000"/>
+            </a:schemeClr>
+          </a:lnRef>
+          <a:fillRef idx="1">
+            <a:schemeClr val="accent1"/>
+          </a:fillRef>
+          <a:effectRef idx="0">
+            <a:schemeClr val="accent1"/>
+          </a:effectRef>
+          <a:fontRef idx="minor">
+            <a:schemeClr val="lt1"/>
+          </a:fontRef>
+        </p:style>
+        <p:txBody>
+          <a:bodyPr rtlCol="0" anchor="ctr"/>
+          <a:lstStyle/>
+          <a:p>
+            <a:pPr algn="ctr"/>
+            <a:endParaRPr lang="en-US"/>
+          </a:p>
+        </p:txBody>
+      </p:sp>
+      <p:sp>
+        <p:nvSpPr>
+          <p:cNvPr id="11" name="Isosceles Triangle 10"/>
+          <p:cNvSpPr/>
+          <p:nvPr/>
+        </p:nvSpPr>
+        <p:spPr>
+          <a:xfrm rot="5400000">
+            <a:off x="2848175" y="3652207"/>
+            <a:ext cx="188976" cy="153162"/>
+          </a:xfrm>
+          <a:prstGeom prst="triangle">
+            <a:avLst/>
+          </a:prstGeom>
+        </p:spPr>
+        <p:style>
+          <a:lnRef idx="2">
+            <a:schemeClr val="accent1">
+              <a:shade val="50000"/>
+            </a:schemeClr>
+          </a:lnRef>
+          <a:fillRef idx="1">
+            <a:schemeClr val="accent1"/>
+          </a:fillRef>
+          <a:effectRef idx="0">
+            <a:schemeClr val="accent1"/>
+          </a:effectRef>
+          <a:fontRef idx="minor">
+            <a:schemeClr val="lt1"/>
+          </a:fontRef>
+        </p:style>
+        <p:txBody>
+          <a:bodyPr rtlCol="0" anchor="ctr"/>
+          <a:lstStyle/>
+          <a:p>
+            <a:pPr algn="ctr"/>
+            <a:endParaRPr lang="en-US"/>
+          </a:p>
+        </p:txBody>
+      </p:sp>
+      <p:pic>
+        <p:nvPicPr>
+          <p:cNvPr id="13" name="Picture 12"/>
+          <p:cNvPicPr>
+            <a:picLocks noChangeAspect="1"/>
+          </p:cNvPicPr>
+          <p:nvPr/>
+        </p:nvPicPr>
+        <p:blipFill rotWithShape="1">
+          <a:blip r:embed="rId3"/>
+          <a:srcRect r="33745" b="25089"/>
+          <a:stretch/>
+        </p:blipFill>
+        <p:spPr>
+          <a:xfrm rot="16200000">
+            <a:off x="6423246" y="-583933"/>
+            <a:ext cx="1419261" cy="3463941"/>
+          </a:xfrm>
+          <a:prstGeom prst="rect">
+            <a:avLst/>
+          </a:prstGeom>
+        </p:spPr>
+      </p:pic>
+      <p:pic>
+        <p:nvPicPr>
+          <p:cNvPr id="14" name="Picture 13"/>
+          <p:cNvPicPr>
+            <a:picLocks noChangeAspect="1"/>
+          </p:cNvPicPr>
+          <p:nvPr/>
+        </p:nvPicPr>
+        <p:blipFill>
+          <a:blip r:embed="rId4"/>
+          <a:stretch>
+            <a:fillRect/>
+          </a:stretch>
+        </p:blipFill>
+        <p:spPr>
+          <a:xfrm>
+            <a:off x="3277430" y="1467583"/>
+            <a:ext cx="672152" cy="651147"/>
+          </a:xfrm>
+          <a:prstGeom prst="rect">
+            <a:avLst/>
+          </a:prstGeom>
+        </p:spPr>
+      </p:pic>
     </p:spTree>
     <p:extLst>
       <p:ext uri="{BB962C8B-B14F-4D97-AF65-F5344CB8AC3E}">
-        <p14:creationId xmlns:p14="http://schemas.microsoft.com/office/powerpoint/2010/main" val="1421331864"/>
+        <p14:creationId xmlns:p14="http://schemas.microsoft.com/office/powerpoint/2010/main" val="870647460"/>
       </p:ext>
     </p:extLst>
   </p:cSld>
@@ -16818,7 +17598,17 @@
             </a:r>
             <a:r>
               <a:rPr lang="en-US" dirty="0"/>
-              <a:t>’ “never-knew-about-that”</a:t>
+              <a:t>’ “</a:t>
+            </a:r>
+            <a:r>
+              <a:rPr lang="en-US" dirty="0">
+                <a:latin typeface="Cambria" panose="02040503050406030204" pitchFamily="18" charset="0"/>
+              </a:rPr>
+              <a:t>huh, I-never-knew-about-that</a:t>
+            </a:r>
+            <a:r>
+              <a:rPr lang="en-US" dirty="0"/>
+              <a:t>”</a:t>
             </a:r>
           </a:p>
         </p:txBody>
@@ -16844,28 +17634,121 @@
           <a:lstStyle/>
           <a:p>
             <a:r>
-              <a:rPr lang="en-US" sz="3200" dirty="0" err="1"/>
-              <a:t>WinDebugLogging</a:t>
-            </a:r>
-            <a:endParaRPr lang="en-US" sz="3200" dirty="0"/>
+              <a:rPr lang="en-US" sz="3200" dirty="0"/>
+              <a:t>Suspend when called</a:t>
+            </a:r>
           </a:p>
           <a:p>
             <a:pPr lvl="1"/>
             <a:r>
-              <a:rPr lang="en-US" sz="2800" dirty="0" err="1"/>
-              <a:t>DebugView</a:t>
-            </a:r>
-            <a:r>
-              <a:rPr lang="en-US" sz="2800" dirty="0"/>
-              <a:t> (from Sysinternals [Microsoft])</a:t>
-            </a:r>
-          </a:p>
-        </p:txBody>
-      </p:sp>
+              <a:rPr lang="en-US" sz="2400" dirty="0"/>
+              <a:t>Access this from “SubVI Node Setup”</a:t>
+            </a:r>
+          </a:p>
+          <a:p>
+            <a:pPr lvl="1"/>
+            <a:r>
+              <a:rPr lang="en-US" sz="2000" dirty="0"/>
+              <a:t>Suspends a </a:t>
+            </a:r>
+            <a:r>
+              <a:rPr lang="en-US" sz="2000" dirty="0" err="1"/>
+              <a:t>subVI</a:t>
+            </a:r>
+            <a:r>
+              <a:rPr lang="en-US" sz="2000" dirty="0"/>
+              <a:t> when called and waits for user interaction</a:t>
+            </a:r>
+          </a:p>
+          <a:p>
+            <a:pPr lvl="2"/>
+            <a:r>
+              <a:rPr lang="en-US" sz="1800" dirty="0"/>
+              <a:t>Allows changes to input values, then re-execute</a:t>
+            </a:r>
+          </a:p>
+          <a:p>
+            <a:pPr lvl="2"/>
+            <a:r>
+              <a:rPr lang="en-US" sz="1800" dirty="0"/>
+              <a:t>Allows changing the output, then return to caller</a:t>
+            </a:r>
+          </a:p>
+          <a:p>
+            <a:pPr lvl="1"/>
+            <a:r>
+              <a:rPr lang="en-US" sz="2400" dirty="0"/>
+              <a:t>A poor-man’s (yet extremely effective) unit testing</a:t>
+            </a:r>
+          </a:p>
+          <a:p>
+            <a:pPr lvl="1"/>
+            <a:r>
+              <a:rPr lang="en-US" sz="2400" dirty="0"/>
+              <a:t>Video Demo: </a:t>
+            </a:r>
+            <a:r>
+              <a:rPr lang="en-US" sz="2400" dirty="0">
+                <a:hlinkClick r:id="rId2"/>
+              </a:rPr>
+              <a:t>https://youtu.be/AgXcyf2Ta_A</a:t>
+            </a:r>
+            <a:endParaRPr lang="en-US" sz="2400" dirty="0"/>
+          </a:p>
+        </p:txBody>
+      </p:sp>
+      <p:pic>
+        <p:nvPicPr>
+          <p:cNvPr id="3" name="Picture 2"/>
+          <p:cNvPicPr>
+            <a:picLocks noChangeAspect="1"/>
+          </p:cNvPicPr>
+          <p:nvPr/>
+        </p:nvPicPr>
+        <p:blipFill>
+          <a:blip r:embed="rId3"/>
+          <a:stretch>
+            <a:fillRect/>
+          </a:stretch>
+        </p:blipFill>
+        <p:spPr>
+          <a:xfrm>
+            <a:off x="6493356" y="1097660"/>
+            <a:ext cx="2084173" cy="1441010"/>
+          </a:xfrm>
+          <a:prstGeom prst="rect">
+            <a:avLst/>
+          </a:prstGeom>
+        </p:spPr>
+      </p:pic>
+      <p:pic>
+        <p:nvPicPr>
+          <p:cNvPr id="5" name="Picture 4"/>
+          <p:cNvPicPr>
+            <a:picLocks noChangeAspect="1"/>
+          </p:cNvPicPr>
+          <p:nvPr/>
+        </p:nvPicPr>
+        <p:blipFill>
+          <a:blip r:embed="rId4"/>
+          <a:stretch>
+            <a:fillRect/>
+          </a:stretch>
+        </p:blipFill>
+        <p:spPr>
+          <a:xfrm>
+            <a:off x="6316242" y="2879748"/>
+            <a:ext cx="1219201" cy="609601"/>
+          </a:xfrm>
+          <a:prstGeom prst="rect">
+            <a:avLst/>
+          </a:prstGeom>
+        </p:spPr>
+      </p:pic>
     </p:spTree>
     <p:extLst>
       <p:ext uri="{BB962C8B-B14F-4D97-AF65-F5344CB8AC3E}">
-        <p14:creationId xmlns:p14="http://schemas.microsoft.com/office/powerpoint/2010/main" val="1015216124"/>
+        <p14:creationId xmlns:p14="http://schemas.microsoft.com/office/powerpoint/2010/main" val="1421331864"/>
       </p:ext>
     </p:extLst>
   </p:cSld>
@@ -16906,7 +17789,7 @@
       </p:grpSpPr>
       <p:sp>
         <p:nvSpPr>
-          <p:cNvPr id="5" name="Title 4"/>
+          <p:cNvPr id="2" name="Title 1"/>
           <p:cNvSpPr>
             <a:spLocks noGrp="1"/>
           </p:cNvSpPr>
@@ -16919,52 +17802,180 @@
           <a:bodyPr/>
           <a:lstStyle/>
           <a:p>
-            <a:endParaRPr lang="en-US"/>
-          </a:p>
-        </p:txBody>
-      </p:sp>
-      <p:sp>
-        <p:nvSpPr>
-          <p:cNvPr id="6" name="Content Placeholder 5"/>
+            <a:pPr algn="ctr"/>
+            <a:r>
+              <a:rPr lang="en-US" dirty="0"/>
+              <a:t>There are many Free, 3</a:t>
+            </a:r>
+            <a:r>
+              <a:rPr lang="en-US" baseline="30000" dirty="0"/>
+              <a:t>rd</a:t>
+            </a:r>
+            <a:r>
+              <a:rPr lang="en-US" dirty="0"/>
+              <a:t>-party Debugging Tools</a:t>
+            </a:r>
+            <a:br>
+              <a:rPr lang="en-US" dirty="0"/>
+            </a:br>
+            <a:r>
+              <a:rPr lang="en-US" sz="2200" dirty="0"/>
+              <a:t>These two will retain information even if LabVIEW crashes!</a:t>
+            </a:r>
+          </a:p>
+        </p:txBody>
+      </p:sp>
+      <p:sp>
+        <p:nvSpPr>
+          <p:cNvPr id="4" name="Content Placeholder 2"/>
           <p:cNvSpPr>
             <a:spLocks noGrp="1"/>
           </p:cNvSpPr>
           <p:nvPr>
-            <p:ph sz="half" idx="1"/>
+            <p:ph idx="1"/>
           </p:nvPr>
         </p:nvSpPr>
-        <p:spPr/>
+        <p:spPr>
+          <a:xfrm>
+            <a:off x="454025" y="1395923"/>
+            <a:ext cx="8229600" cy="2916455"/>
+          </a:xfrm>
+        </p:spPr>
         <p:txBody>
           <a:bodyPr/>
           <a:lstStyle/>
           <a:p>
-            <a:endParaRPr lang="en-US"/>
-          </a:p>
-        </p:txBody>
-      </p:sp>
-      <p:sp>
-        <p:nvSpPr>
-          <p:cNvPr id="7" name="Content Placeholder 6"/>
-          <p:cNvSpPr>
-            <a:spLocks noGrp="1"/>
-          </p:cNvSpPr>
-          <p:nvPr>
-            <p:ph sz="half" idx="2"/>
-          </p:nvPr>
-        </p:nvSpPr>
-        <p:spPr/>
-        <p:txBody>
-          <a:bodyPr/>
-          <a:lstStyle/>
-          <a:p>
-            <a:endParaRPr lang="en-US"/>
-          </a:p>
-        </p:txBody>
-      </p:sp>
+            <a:r>
+              <a:rPr lang="en-US" sz="2800" dirty="0" err="1"/>
+              <a:t>WinDebugLogging</a:t>
+            </a:r>
+            <a:endParaRPr lang="en-US" sz="2800" dirty="0"/>
+          </a:p>
+          <a:p>
+            <a:pPr lvl="1"/>
+            <a:r>
+              <a:rPr lang="en-US" sz="2800" dirty="0"/>
+              <a:t>Write debug strings to the Windows debug interface</a:t>
+            </a:r>
+          </a:p>
+          <a:p>
+            <a:pPr lvl="1"/>
+            <a:r>
+              <a:rPr lang="en-US" sz="2800" dirty="0"/>
+              <a:t>Dr. Damien (</a:t>
+            </a:r>
+            <a:r>
+              <a:rPr lang="en-US" sz="2800" dirty="0" err="1"/>
+              <a:t>DFGray</a:t>
+            </a:r>
+            <a:r>
+              <a:rPr lang="en-US" sz="2800" dirty="0"/>
+              <a:t>), Nov-2008</a:t>
+            </a:r>
+          </a:p>
+          <a:p>
+            <a:pPr lvl="1"/>
+            <a:r>
+              <a:rPr lang="en-US" sz="2400" dirty="0" err="1"/>
+              <a:t>DebugView</a:t>
+            </a:r>
+            <a:r>
+              <a:rPr lang="en-US" sz="2400" dirty="0"/>
+              <a:t> (from Sysinternals [Microsoft])</a:t>
+            </a:r>
+          </a:p>
+          <a:p>
+            <a:r>
+              <a:rPr lang="en-US" sz="2800" dirty="0" err="1"/>
+              <a:t>WinDebugLogProbe</a:t>
+            </a:r>
+            <a:endParaRPr lang="en-US" sz="2800" dirty="0"/>
+          </a:p>
+          <a:p>
+            <a:pPr lvl="1"/>
+            <a:r>
+              <a:rPr lang="en-US" sz="2400" dirty="0"/>
+              <a:t>Tim Vargo</a:t>
+            </a:r>
+          </a:p>
+        </p:txBody>
+      </p:sp>
+      <p:pic>
+        <p:nvPicPr>
+          <p:cNvPr id="6" name="Picture 5"/>
+          <p:cNvPicPr>
+            <a:picLocks noChangeAspect="1"/>
+          </p:cNvPicPr>
+          <p:nvPr/>
+        </p:nvPicPr>
+        <p:blipFill>
+          <a:blip r:embed="rId3"/>
+          <a:stretch>
+            <a:fillRect/>
+          </a:stretch>
+        </p:blipFill>
+        <p:spPr>
+          <a:xfrm>
+            <a:off x="4324865" y="1396006"/>
+            <a:ext cx="725959" cy="393228"/>
+          </a:xfrm>
+          <a:prstGeom prst="rect">
+            <a:avLst/>
+          </a:prstGeom>
+        </p:spPr>
+      </p:pic>
+      <p:pic>
+        <p:nvPicPr>
+          <p:cNvPr id="7" name="Picture 6"/>
+          <p:cNvPicPr>
+            <a:picLocks noChangeAspect="1"/>
+          </p:cNvPicPr>
+          <p:nvPr/>
+        </p:nvPicPr>
+        <p:blipFill>
+          <a:blip r:embed="rId4"/>
+          <a:stretch>
+            <a:fillRect/>
+          </a:stretch>
+        </p:blipFill>
+        <p:spPr>
+          <a:xfrm>
+            <a:off x="6993862" y="2837381"/>
+            <a:ext cx="704850" cy="704850"/>
+          </a:xfrm>
+          <a:prstGeom prst="rect">
+            <a:avLst/>
+          </a:prstGeom>
+        </p:spPr>
+      </p:pic>
+      <p:pic>
+        <p:nvPicPr>
+          <p:cNvPr id="9" name="Picture 8"/>
+          <p:cNvPicPr>
+            <a:picLocks noChangeAspect="1"/>
+          </p:cNvPicPr>
+          <p:nvPr/>
+        </p:nvPicPr>
+        <p:blipFill>
+          <a:blip r:embed="rId5"/>
+          <a:stretch>
+            <a:fillRect/>
+          </a:stretch>
+        </p:blipFill>
+        <p:spPr>
+          <a:xfrm>
+            <a:off x="4345974" y="3698532"/>
+            <a:ext cx="704850" cy="704850"/>
+          </a:xfrm>
+          <a:prstGeom prst="rect">
+            <a:avLst/>
+          </a:prstGeom>
+        </p:spPr>
+      </p:pic>
     </p:spTree>
     <p:extLst>
       <p:ext uri="{BB962C8B-B14F-4D97-AF65-F5344CB8AC3E}">
-        <p14:creationId xmlns:p14="http://schemas.microsoft.com/office/powerpoint/2010/main" val="1351130170"/>
+        <p14:creationId xmlns:p14="http://schemas.microsoft.com/office/powerpoint/2010/main" val="1015216124"/>
       </p:ext>
     </p:extLst>
   </p:cSld>
@@ -17018,7 +18029,10 @@
           <a:bodyPr/>
           <a:lstStyle/>
           <a:p>
-            <a:endParaRPr lang="en-US"/>
+            <a:r>
+              <a:rPr lang="en-US" dirty="0"/>
+              <a:t>NI debugging tools</a:t>
+            </a:r>
           </a:p>
         </p:txBody>
       </p:sp>
@@ -17037,26 +18051,70 @@
           <a:bodyPr/>
           <a:lstStyle/>
           <a:p>
-            <a:endParaRPr lang="en-US"/>
-          </a:p>
-        </p:txBody>
-      </p:sp>
-      <p:sp>
-        <p:nvSpPr>
-          <p:cNvPr id="7" name="Picture Placeholder 6"/>
+            <a:r>
+              <a:rPr lang="en-US" dirty="0"/>
+              <a:t>Event Inspector</a:t>
+            </a:r>
+          </a:p>
+          <a:p>
+            <a:pPr lvl="1"/>
+            <a:r>
+              <a:rPr lang="en-US" dirty="0"/>
+              <a:t>Introduced with LabVIEW 2013, the Event Inspector added an ability to gain new understandings into the inner workings of our event structures</a:t>
+            </a:r>
+          </a:p>
+        </p:txBody>
+      </p:sp>
+      <p:sp>
+        <p:nvSpPr>
+          <p:cNvPr id="7" name="Text Placeholder 6"/>
           <p:cNvSpPr>
             <a:spLocks noGrp="1"/>
           </p:cNvSpPr>
           <p:nvPr>
-            <p:ph type="pic" sz="quarter" idx="10"/>
+            <p:ph type="body" sz="quarter" idx="10"/>
           </p:nvPr>
         </p:nvSpPr>
         <p:spPr/>
-      </p:sp>
+        <p:txBody>
+          <a:bodyPr/>
+          <a:lstStyle/>
+          <a:p>
+            <a:r>
+              <a:rPr lang="en-US" dirty="0"/>
+              <a:t>Built-in to LabVIEW</a:t>
+            </a:r>
+          </a:p>
+        </p:txBody>
+      </p:sp>
+      <p:pic>
+        <p:nvPicPr>
+          <p:cNvPr id="4" name="Picture 3"/>
+          <p:cNvPicPr>
+            <a:picLocks noChangeAspect="1"/>
+          </p:cNvPicPr>
+          <p:nvPr/>
+        </p:nvPicPr>
+        <p:blipFill>
+          <a:blip r:embed="rId2"/>
+          <a:stretch>
+            <a:fillRect/>
+          </a:stretch>
+        </p:blipFill>
+        <p:spPr>
+          <a:xfrm>
+            <a:off x="2546267" y="2341441"/>
+            <a:ext cx="4045116" cy="2370185"/>
+          </a:xfrm>
+          <a:prstGeom prst="rect">
+            <a:avLst/>
+          </a:prstGeom>
+        </p:spPr>
+      </p:pic>
     </p:spTree>
     <p:extLst>
       <p:ext uri="{BB962C8B-B14F-4D97-AF65-F5344CB8AC3E}">
-        <p14:creationId xmlns:p14="http://schemas.microsoft.com/office/powerpoint/2010/main" val="924019301"/>
+        <p14:creationId xmlns:p14="http://schemas.microsoft.com/office/powerpoint/2010/main" val="3566598544"/>
       </p:ext>
     </p:extLst>
   </p:cSld>
@@ -17110,7 +18168,10 @@
           <a:bodyPr/>
           <a:lstStyle/>
           <a:p>
-            <a:endParaRPr lang="en-US"/>
+            <a:r>
+              <a:rPr lang="en-US" dirty="0"/>
+              <a:t>NI debugging tools</a:t>
+            </a:r>
           </a:p>
         </p:txBody>
       </p:sp>
@@ -17129,26 +18190,70 @@
           <a:bodyPr/>
           <a:lstStyle/>
           <a:p>
-            <a:endParaRPr lang="en-US"/>
-          </a:p>
-        </p:txBody>
-      </p:sp>
-      <p:sp>
-        <p:nvSpPr>
-          <p:cNvPr id="7" name="Picture Placeholder 6"/>
+            <a:r>
+              <a:rPr lang="en-US" dirty="0"/>
+              <a:t>VI Analyzer</a:t>
+            </a:r>
+          </a:p>
+          <a:p>
+            <a:pPr lvl="1"/>
+            <a:r>
+              <a:rPr lang="en-US" dirty="0"/>
+              <a:t>VI Analyzer does its job well, but it intends to perform a static analysis of VIs, not a dynamic analysis of code while running</a:t>
+            </a:r>
+          </a:p>
+        </p:txBody>
+      </p:sp>
+      <p:sp>
+        <p:nvSpPr>
+          <p:cNvPr id="7" name="Text Placeholder 6"/>
           <p:cNvSpPr>
             <a:spLocks noGrp="1"/>
           </p:cNvSpPr>
           <p:nvPr>
-            <p:ph type="pic" sz="quarter" idx="10"/>
+            <p:ph type="body" sz="quarter" idx="10"/>
           </p:nvPr>
         </p:nvSpPr>
         <p:spPr/>
-      </p:sp>
+        <p:txBody>
+          <a:bodyPr/>
+          <a:lstStyle/>
+          <a:p>
+            <a:r>
+              <a:rPr lang="en-US" dirty="0"/>
+              <a:t>Toolkits for extra cost (but worth it)</a:t>
+            </a:r>
+          </a:p>
+        </p:txBody>
+      </p:sp>
+      <p:pic>
+        <p:nvPicPr>
+          <p:cNvPr id="2" name="Picture 1"/>
+          <p:cNvPicPr>
+            <a:picLocks noChangeAspect="1"/>
+          </p:cNvPicPr>
+          <p:nvPr/>
+        </p:nvPicPr>
+        <p:blipFill>
+          <a:blip r:embed="rId2"/>
+          <a:stretch>
+            <a:fillRect/>
+          </a:stretch>
+        </p:blipFill>
+        <p:spPr>
+          <a:xfrm>
+            <a:off x="4708176" y="2040396"/>
+            <a:ext cx="2388478" cy="3042647"/>
+          </a:xfrm>
+          <a:prstGeom prst="rect">
+            <a:avLst/>
+          </a:prstGeom>
+        </p:spPr>
+      </p:pic>
     </p:spTree>
     <p:extLst>
       <p:ext uri="{BB962C8B-B14F-4D97-AF65-F5344CB8AC3E}">
-        <p14:creationId xmlns:p14="http://schemas.microsoft.com/office/powerpoint/2010/main" val="18289562"/>
+        <p14:creationId xmlns:p14="http://schemas.microsoft.com/office/powerpoint/2010/main" val="2288792897"/>
       </p:ext>
     </p:extLst>
   </p:cSld>
@@ -17189,7 +18294,7 @@
       </p:grpSpPr>
       <p:sp>
         <p:nvSpPr>
-          <p:cNvPr id="2" name="Title 1"/>
+          <p:cNvPr id="5" name="Title 4"/>
           <p:cNvSpPr>
             <a:spLocks noGrp="1"/>
           </p:cNvSpPr>
@@ -17202,13 +18307,16 @@
           <a:bodyPr/>
           <a:lstStyle/>
           <a:p>
-            <a:endParaRPr lang="en-US"/>
-          </a:p>
-        </p:txBody>
-      </p:sp>
-      <p:sp>
-        <p:nvSpPr>
-          <p:cNvPr id="3" name="Content Placeholder 2"/>
+            <a:r>
+              <a:rPr lang="en-US" dirty="0"/>
+              <a:t>NI debugging tools</a:t>
+            </a:r>
+          </a:p>
+        </p:txBody>
+      </p:sp>
+      <p:sp>
+        <p:nvSpPr>
+          <p:cNvPr id="6" name="Content Placeholder 5"/>
           <p:cNvSpPr>
             <a:spLocks noGrp="1"/>
           </p:cNvSpPr>
@@ -17221,32 +18329,126 @@
           <a:bodyPr/>
           <a:lstStyle/>
           <a:p>
-            <a:endParaRPr lang="en-US"/>
-          </a:p>
-        </p:txBody>
-      </p:sp>
-      <p:sp>
-        <p:nvSpPr>
-          <p:cNvPr id="4" name="Picture Placeholder 3"/>
+            <a:r>
+              <a:rPr lang="en-US" dirty="0"/>
+              <a:t>Desktop Execution Trace Toolkit (DETT)</a:t>
+            </a:r>
+          </a:p>
+          <a:p>
+            <a:pPr lvl="1"/>
+            <a:r>
+              <a:rPr lang="en-US" dirty="0"/>
+              <a:t>The DETT product is very good at what it was designed to do</a:t>
+            </a:r>
+          </a:p>
+          <a:p>
+            <a:pPr lvl="2"/>
+            <a:r>
+              <a:rPr lang="en-US" dirty="0"/>
+              <a:t>dynamic execution traces provide a fantastic wealth of evidence when event timing and/or sequence information is critical</a:t>
+            </a:r>
+          </a:p>
+          <a:p>
+            <a:pPr lvl="2"/>
+            <a:r>
+              <a:rPr lang="en-US" dirty="0"/>
+              <a:t>… but they don’t provide non-event related information</a:t>
+            </a:r>
+          </a:p>
+        </p:txBody>
+      </p:sp>
+      <p:sp>
+        <p:nvSpPr>
+          <p:cNvPr id="7" name="Text Placeholder 6"/>
           <p:cNvSpPr>
             <a:spLocks noGrp="1"/>
           </p:cNvSpPr>
           <p:nvPr>
-            <p:ph type="pic" sz="quarter" idx="10"/>
+            <p:ph type="body" sz="quarter" idx="10"/>
           </p:nvPr>
         </p:nvSpPr>
         <p:spPr/>
-      </p:sp>
+        <p:txBody>
+          <a:bodyPr/>
+          <a:lstStyle/>
+          <a:p>
+            <a:r>
+              <a:rPr lang="en-US" dirty="0"/>
+              <a:t>Toolkits for extra cost (but worth it)</a:t>
+            </a:r>
+          </a:p>
+        </p:txBody>
+      </p:sp>
+      <p:pic>
+        <p:nvPicPr>
+          <p:cNvPr id="2" name="Picture 1"/>
+          <p:cNvPicPr>
+            <a:picLocks noChangeAspect="1"/>
+          </p:cNvPicPr>
+          <p:nvPr/>
+        </p:nvPicPr>
+        <p:blipFill>
+          <a:blip r:embed="rId2"/>
+          <a:stretch>
+            <a:fillRect/>
+          </a:stretch>
+        </p:blipFill>
+        <p:spPr>
+          <a:xfrm>
+            <a:off x="5642919" y="2320625"/>
+            <a:ext cx="2480534" cy="884493"/>
+          </a:xfrm>
+          <a:prstGeom prst="rect">
+            <a:avLst/>
+          </a:prstGeom>
+        </p:spPr>
+      </p:pic>
+      <p:pic>
+        <p:nvPicPr>
+          <p:cNvPr id="3" name="Picture 2"/>
+          <p:cNvPicPr>
+            <a:picLocks noChangeAspect="1"/>
+          </p:cNvPicPr>
+          <p:nvPr/>
+        </p:nvPicPr>
+        <p:blipFill>
+          <a:blip r:embed="rId3"/>
+          <a:stretch>
+            <a:fillRect/>
+          </a:stretch>
+        </p:blipFill>
+        <p:spPr>
+          <a:xfrm flipH="1">
+            <a:off x="6952495" y="1415625"/>
+            <a:ext cx="541014" cy="502619"/>
+          </a:xfrm>
+          <a:prstGeom prst="rect">
+            <a:avLst/>
+          </a:prstGeom>
+        </p:spPr>
+      </p:pic>
     </p:spTree>
     <p:extLst>
       <p:ext uri="{BB962C8B-B14F-4D97-AF65-F5344CB8AC3E}">
-        <p14:creationId xmlns:p14="http://schemas.microsoft.com/office/powerpoint/2010/main" val="256400735"/>
+        <p14:creationId xmlns:p14="http://schemas.microsoft.com/office/powerpoint/2010/main" val="2799951325"/>
       </p:ext>
     </p:extLst>
   </p:cSld>
   <p:clrMapOvr>
     <a:masterClrMapping/>
   </p:clrMapOvr>
+  <mc:AlternateContent xmlns:mc="http://schemas.openxmlformats.org/markup-compatibility/2006" xmlns:p14="http://schemas.microsoft.com/office/powerpoint/2010/main">
+    <mc:Choice Requires="p14">
+      <p:transition spd="med" p14:dur="700">
+        <p:fade/>
+      </p:transition>
+    </mc:Choice>
+    <mc:Fallback xmlns="">
+      <p:transition spd="med">
+        <p:fade/>
+      </p:transition>
+    </mc:Fallback>
+  </mc:AlternateContent>
 </p:sld>
 </file>
 
@@ -17269,7 +18471,7 @@
       </p:grpSpPr>
       <p:sp>
         <p:nvSpPr>
-          <p:cNvPr id="2" name="Title 1"/>
+          <p:cNvPr id="5" name="Title 4"/>
           <p:cNvSpPr>
             <a:spLocks noGrp="1"/>
           </p:cNvSpPr>
@@ -17282,13 +18484,16 @@
           <a:bodyPr/>
           <a:lstStyle/>
           <a:p>
-            <a:endParaRPr lang="en-US"/>
-          </a:p>
-        </p:txBody>
-      </p:sp>
-      <p:sp>
-        <p:nvSpPr>
-          <p:cNvPr id="3" name="Content Placeholder 2"/>
+            <a:r>
+              <a:rPr lang="en-US" dirty="0"/>
+              <a:t>Some impediments to advanced troubleshooting …</a:t>
+            </a:r>
+          </a:p>
+        </p:txBody>
+      </p:sp>
+      <p:sp>
+        <p:nvSpPr>
+          <p:cNvPr id="6" name="Content Placeholder 5"/>
           <p:cNvSpPr>
             <a:spLocks noGrp="1"/>
           </p:cNvSpPr>
@@ -17296,37 +18501,93 @@
             <p:ph idx="1"/>
           </p:nvPr>
         </p:nvSpPr>
-        <p:spPr/>
+        <p:spPr>
+          <a:xfrm>
+            <a:off x="454025" y="1189896"/>
+            <a:ext cx="8229600" cy="3628392"/>
+          </a:xfrm>
+        </p:spPr>
         <p:txBody>
           <a:bodyPr/>
           <a:lstStyle/>
           <a:p>
-            <a:endParaRPr lang="en-US"/>
-          </a:p>
-        </p:txBody>
-      </p:sp>
-      <p:sp>
-        <p:nvSpPr>
-          <p:cNvPr id="4" name="Picture Placeholder 3"/>
-          <p:cNvSpPr>
-            <a:spLocks noGrp="1"/>
-          </p:cNvSpPr>
-          <p:nvPr>
-            <p:ph type="pic" sz="quarter" idx="10"/>
-          </p:nvPr>
-        </p:nvSpPr>
-        <p:spPr/>
+            <a:r>
+              <a:rPr lang="en-US" sz="1600" dirty="0"/>
+              <a:t>All of these built-in tools are extremely useful during troubleshooting of individual VIs or small collections of Vis</a:t>
+            </a:r>
+          </a:p>
+          <a:p>
+            <a:pPr lvl="1"/>
+            <a:r>
+              <a:rPr lang="en-US" sz="1400" dirty="0"/>
+              <a:t>particularly when we already know which VIs are the troublesome ones</a:t>
+            </a:r>
+          </a:p>
+          <a:p>
+            <a:pPr lvl="1"/>
+            <a:r>
+              <a:rPr lang="en-US" sz="1400" dirty="0"/>
+              <a:t>but the LabVIEW IDE still lacks a debugging tool to provide insights with a "bigger picture" view of an entire project</a:t>
+            </a:r>
+          </a:p>
+          <a:p>
+            <a:r>
+              <a:rPr lang="en-US" sz="1600" dirty="0"/>
+              <a:t>Using only the native troubleshooting tools</a:t>
+            </a:r>
+          </a:p>
+          <a:p>
+            <a:pPr lvl="1"/>
+            <a:r>
+              <a:rPr lang="en-US" sz="1400" dirty="0"/>
+              <a:t>reentrant VIs are especially difficult to debug, since each preallocated clone will have its own data space in memory</a:t>
+            </a:r>
+          </a:p>
+          <a:p>
+            <a:pPr lvl="1"/>
+            <a:r>
+              <a:rPr lang="en-US" sz="1400" dirty="0"/>
+              <a:t>shared clones are even more complex since they share data space</a:t>
+            </a:r>
+          </a:p>
+          <a:p>
+            <a:r>
+              <a:rPr lang="en-US" sz="1600" dirty="0"/>
+              <a:t>Dynamically launched VIs, even if not reentrant, present their own particular frustrations during a debug session, since the developer is unable to place probes </a:t>
+            </a:r>
+            <a:r>
+              <a:rPr lang="en-US" sz="1600" b="1" dirty="0"/>
+              <a:t>BEFORE</a:t>
+            </a:r>
+            <a:r>
+              <a:rPr lang="en-US" sz="1600" dirty="0"/>
+              <a:t> executing the code.</a:t>
+            </a:r>
+          </a:p>
+        </p:txBody>
       </p:sp>
     </p:spTree>
     <p:extLst>
       <p:ext uri="{BB962C8B-B14F-4D97-AF65-F5344CB8AC3E}">
-        <p14:creationId xmlns:p14="http://schemas.microsoft.com/office/powerpoint/2010/main" val="1474957263"/>
+        <p14:creationId xmlns:p14="http://schemas.microsoft.com/office/powerpoint/2010/main" val="3206891400"/>
       </p:ext>
     </p:extLst>
   </p:cSld>
   <p:clrMapOvr>
     <a:masterClrMapping/>
   </p:clrMapOvr>
+  <mc:AlternateContent xmlns:mc="http://schemas.openxmlformats.org/markup-compatibility/2006" xmlns:p14="http://schemas.microsoft.com/office/powerpoint/2010/main">
+    <mc:Choice Requires="p14">
+      <p:transition spd="med" p14:dur="700">
+        <p:fade/>
+      </p:transition>
+    </mc:Choice>
+    <mc:Fallback xmlns="">
+      <p:transition spd="med">
+        <p:fade/>
+      </p:transition>
+    </mc:Fallback>
+  </mc:AlternateContent>
 </p:sld>
 </file>
 
@@ -17349,7 +18610,7 @@
       </p:grpSpPr>
       <p:sp>
         <p:nvSpPr>
-          <p:cNvPr id="2" name="Title 1"/>
+          <p:cNvPr id="5" name="Title 4"/>
           <p:cNvSpPr>
             <a:spLocks noGrp="1"/>
           </p:cNvSpPr>
@@ -17362,51 +18623,325 @@
           <a:bodyPr/>
           <a:lstStyle/>
           <a:p>
-            <a:endParaRPr lang="en-US"/>
-          </a:p>
-        </p:txBody>
-      </p:sp>
-      <p:sp>
-        <p:nvSpPr>
-          <p:cNvPr id="3" name="Content Placeholder 2"/>
+            <a:r>
+              <a:rPr lang="en-US" dirty="0"/>
+              <a:t>As LabVIEW enthusiasts, we all love visuals</a:t>
+            </a:r>
+          </a:p>
+        </p:txBody>
+      </p:sp>
+      <p:sp>
+        <p:nvSpPr>
+          <p:cNvPr id="6" name="Content Placeholder 5"/>
           <p:cNvSpPr>
             <a:spLocks noGrp="1"/>
           </p:cNvSpPr>
           <p:nvPr>
-            <p:ph idx="1"/>
+            <p:ph sz="half" idx="1"/>
           </p:nvPr>
         </p:nvSpPr>
-        <p:spPr/>
+        <p:spPr>
+          <a:xfrm>
+            <a:off x="454025" y="1526519"/>
+            <a:ext cx="4041775" cy="3105806"/>
+          </a:xfrm>
+        </p:spPr>
         <p:txBody>
           <a:bodyPr/>
           <a:lstStyle/>
           <a:p>
-            <a:endParaRPr lang="en-US"/>
-          </a:p>
-        </p:txBody>
-      </p:sp>
-      <p:sp>
-        <p:nvSpPr>
-          <p:cNvPr id="4" name="Picture Placeholder 3"/>
+            <a:endParaRPr lang="en-US" dirty="0"/>
+          </a:p>
+        </p:txBody>
+      </p:sp>
+      <p:sp>
+        <p:nvSpPr>
+          <p:cNvPr id="7" name="Content Placeholder 6"/>
           <p:cNvSpPr>
             <a:spLocks noGrp="1"/>
           </p:cNvSpPr>
           <p:nvPr>
-            <p:ph type="pic" sz="quarter" idx="10"/>
+            <p:ph sz="half" idx="2"/>
           </p:nvPr>
         </p:nvSpPr>
-        <p:spPr/>
+        <p:spPr>
+          <a:xfrm>
+            <a:off x="4648199" y="1526519"/>
+            <a:ext cx="4041775" cy="3105806"/>
+          </a:xfrm>
+        </p:spPr>
+        <p:txBody>
+          <a:bodyPr/>
+          <a:lstStyle/>
+          <a:p>
+            <a:endParaRPr lang="en-US"/>
+          </a:p>
+        </p:txBody>
+      </p:sp>
+      <p:sp>
+        <p:nvSpPr>
+          <p:cNvPr id="8" name="Text Placeholder 6"/>
+          <p:cNvSpPr txBox="1">
+            <a:spLocks/>
+          </p:cNvSpPr>
+          <p:nvPr/>
+        </p:nvSpPr>
+        <p:spPr>
+          <a:xfrm>
+            <a:off x="454025" y="717538"/>
+            <a:ext cx="8229600" cy="332887"/>
+          </a:xfrm>
+          <a:prstGeom prst="rect">
+            <a:avLst/>
+          </a:prstGeom>
+        </p:spPr>
+        <p:txBody>
+          <a:bodyPr/>
+          <a:lstStyle>
+            <a:lvl1pPr marL="182880" marR="0" indent="-182880" algn="l" defTabSz="914400" rtl="0" eaLnBrk="1" fontAlgn="auto" latinLnBrk="0" hangingPunct="1">
+              <a:lnSpc>
+                <a:spcPct val="100000"/>
+              </a:lnSpc>
+              <a:spcBef>
+                <a:spcPts val="400"/>
+              </a:spcBef>
+              <a:spcAft>
+                <a:spcPts val="0"/>
+              </a:spcAft>
+              <a:buClr>
+                <a:schemeClr val="bg2">
+                  <a:lumMod val="50000"/>
+                </a:schemeClr>
+              </a:buClr>
+              <a:buSzPct val="70000"/>
+              <a:buFont typeface="Wingdings" charset="2"/>
+              <a:buChar char="§"/>
+              <a:tabLst>
+                <a:tab pos="182880" algn="l"/>
+              </a:tabLst>
+              <a:defRPr lang="en-US" sz="1800" b="0" i="0" kern="1200" baseline="0" dirty="0" smtClean="0">
+                <a:solidFill>
+                  <a:schemeClr val="bg2">
+                    <a:lumMod val="25000"/>
+                  </a:schemeClr>
+                </a:solidFill>
+                <a:latin typeface="+mn-lt"/>
+                <a:ea typeface="Arial" charset="0"/>
+                <a:cs typeface="Arial" charset="0"/>
+              </a:defRPr>
+            </a:lvl1pPr>
+            <a:lvl2pPr marL="457200" indent="-182880" algn="l" defTabSz="914400" rtl="0" eaLnBrk="1" latinLnBrk="0" hangingPunct="1">
+              <a:lnSpc>
+                <a:spcPct val="90000"/>
+              </a:lnSpc>
+              <a:spcBef>
+                <a:spcPts val="500"/>
+              </a:spcBef>
+              <a:buClr>
+                <a:schemeClr val="bg2">
+                  <a:lumMod val="50000"/>
+                </a:schemeClr>
+              </a:buClr>
+              <a:buSzPct val="70000"/>
+              <a:buFont typeface="Wingdings" charset="2"/>
+              <a:buChar char="§"/>
+              <a:defRPr lang="en-US" sz="1600" b="0" i="0" kern="1200" baseline="0" dirty="0" smtClean="0">
+                <a:solidFill>
+                  <a:schemeClr val="bg2">
+                    <a:lumMod val="25000"/>
+                  </a:schemeClr>
+                </a:solidFill>
+                <a:latin typeface="+mn-lt"/>
+                <a:ea typeface="+mn-ea"/>
+                <a:cs typeface="Univers LT Std 45 Light"/>
+              </a:defRPr>
+            </a:lvl2pPr>
+            <a:lvl3pPr marL="731520" indent="-182880" algn="l" defTabSz="914400" rtl="0" eaLnBrk="1" latinLnBrk="0" hangingPunct="1">
+              <a:lnSpc>
+                <a:spcPct val="90000"/>
+              </a:lnSpc>
+              <a:spcBef>
+                <a:spcPts val="500"/>
+              </a:spcBef>
+              <a:buClr>
+                <a:schemeClr val="bg2">
+                  <a:lumMod val="50000"/>
+                </a:schemeClr>
+              </a:buClr>
+              <a:buSzPct val="70000"/>
+              <a:buFont typeface="Wingdings" charset="2"/>
+              <a:buChar char="§"/>
+              <a:defRPr lang="en-US" sz="1400" b="0" i="0" kern="1200" baseline="0" dirty="0" smtClean="0">
+                <a:solidFill>
+                  <a:schemeClr val="bg2">
+                    <a:lumMod val="25000"/>
+                  </a:schemeClr>
+                </a:solidFill>
+                <a:latin typeface="+mn-lt"/>
+                <a:ea typeface="+mn-ea"/>
+                <a:cs typeface="Univers LT Std 45 Light"/>
+              </a:defRPr>
+            </a:lvl3pPr>
+            <a:lvl4pPr marL="914400" indent="-182880" algn="l" defTabSz="914400" rtl="0" eaLnBrk="1" latinLnBrk="0" hangingPunct="1">
+              <a:lnSpc>
+                <a:spcPct val="90000"/>
+              </a:lnSpc>
+              <a:spcBef>
+                <a:spcPts val="500"/>
+              </a:spcBef>
+              <a:buClr>
+                <a:schemeClr val="bg2">
+                  <a:lumMod val="50000"/>
+                </a:schemeClr>
+              </a:buClr>
+              <a:buSzPct val="70000"/>
+              <a:buFont typeface="Wingdings" charset="2"/>
+              <a:buChar char="§"/>
+              <a:defRPr lang="en-US" sz="1200" b="0" i="0" kern="1200" baseline="0" dirty="0" smtClean="0">
+                <a:solidFill>
+                  <a:schemeClr val="bg2">
+                    <a:lumMod val="25000"/>
+                  </a:schemeClr>
+                </a:solidFill>
+                <a:latin typeface="+mn-lt"/>
+                <a:ea typeface="+mn-ea"/>
+                <a:cs typeface="Univers LT Std 45 Light"/>
+              </a:defRPr>
+            </a:lvl4pPr>
+            <a:lvl5pPr marL="1828800" indent="0" algn="l" defTabSz="914400" rtl="0" eaLnBrk="1" latinLnBrk="0" hangingPunct="1">
+              <a:lnSpc>
+                <a:spcPct val="90000"/>
+              </a:lnSpc>
+              <a:spcBef>
+                <a:spcPts val="500"/>
+              </a:spcBef>
+              <a:buFont typeface="Arial"/>
+              <a:buNone/>
+              <a:defRPr sz="1600" b="0" i="0" kern="1200" baseline="0">
+                <a:solidFill>
+                  <a:schemeClr val="bg2">
+                    <a:lumMod val="25000"/>
+                  </a:schemeClr>
+                </a:solidFill>
+                <a:latin typeface="Helvetica Neue Light" charset="0"/>
+                <a:ea typeface="Helvetica Neue Light" charset="0"/>
+                <a:cs typeface="Helvetica Neue Light" charset="0"/>
+              </a:defRPr>
+            </a:lvl5pPr>
+            <a:lvl6pPr marL="2514600" indent="-228600" algn="l" defTabSz="914400" rtl="0" eaLnBrk="1" latinLnBrk="0" hangingPunct="1">
+              <a:lnSpc>
+                <a:spcPct val="90000"/>
+              </a:lnSpc>
+              <a:spcBef>
+                <a:spcPts val="500"/>
+              </a:spcBef>
+              <a:buFont typeface="Arial"/>
+              <a:buChar char="•"/>
+              <a:defRPr sz="1800" kern="1200">
+                <a:solidFill>
+                  <a:schemeClr val="tx1"/>
+                </a:solidFill>
+                <a:latin typeface="+mn-lt"/>
+                <a:ea typeface="+mn-ea"/>
+                <a:cs typeface="+mn-cs"/>
+              </a:defRPr>
+            </a:lvl6pPr>
+            <a:lvl7pPr marL="2971800" indent="-228600" algn="l" defTabSz="914400" rtl="0" eaLnBrk="1" latinLnBrk="0" hangingPunct="1">
+              <a:lnSpc>
+                <a:spcPct val="90000"/>
+              </a:lnSpc>
+              <a:spcBef>
+                <a:spcPts val="500"/>
+              </a:spcBef>
+              <a:buFont typeface="Arial"/>
+              <a:buChar char="•"/>
+              <a:defRPr sz="1800" kern="1200">
+                <a:solidFill>
+                  <a:schemeClr val="tx1"/>
+                </a:solidFill>
+                <a:latin typeface="+mn-lt"/>
+                <a:ea typeface="+mn-ea"/>
+                <a:cs typeface="+mn-cs"/>
+              </a:defRPr>
+            </a:lvl7pPr>
+            <a:lvl8pPr marL="3429000" indent="-228600" algn="l" defTabSz="914400" rtl="0" eaLnBrk="1" latinLnBrk="0" hangingPunct="1">
+              <a:lnSpc>
+                <a:spcPct val="90000"/>
+              </a:lnSpc>
+              <a:spcBef>
+                <a:spcPts val="500"/>
+              </a:spcBef>
+              <a:buFont typeface="Arial"/>
+              <a:buChar char="•"/>
+              <a:defRPr sz="1800" kern="1200">
+                <a:solidFill>
+                  <a:schemeClr val="tx1"/>
+                </a:solidFill>
+                <a:latin typeface="+mn-lt"/>
+                <a:ea typeface="+mn-ea"/>
+                <a:cs typeface="+mn-cs"/>
+              </a:defRPr>
+            </a:lvl8pPr>
+            <a:lvl9pPr marL="3886200" indent="-228600" algn="l" defTabSz="914400" rtl="0" eaLnBrk="1" latinLnBrk="0" hangingPunct="1">
+              <a:lnSpc>
+                <a:spcPct val="90000"/>
+              </a:lnSpc>
+              <a:spcBef>
+                <a:spcPts val="500"/>
+              </a:spcBef>
+              <a:buFont typeface="Arial"/>
+              <a:buChar char="•"/>
+              <a:defRPr sz="1800" kern="1200">
+                <a:solidFill>
+                  <a:schemeClr val="tx1"/>
+                </a:solidFill>
+                <a:latin typeface="+mn-lt"/>
+                <a:ea typeface="+mn-ea"/>
+                <a:cs typeface="+mn-cs"/>
+              </a:defRPr>
+            </a:lvl9pPr>
+          </a:lstStyle>
+          <a:p>
+            <a:pPr marL="0" indent="0">
+              <a:buNone/>
+            </a:pPr>
+            <a:r>
+              <a:rPr lang="en-US" dirty="0"/>
+              <a:t>… but </a:t>
+            </a:r>
+            <a:r>
+              <a:rPr lang="en-US" b="1" dirty="0"/>
+              <a:t>THESE</a:t>
+            </a:r>
+            <a:r>
+              <a:rPr lang="en-US" dirty="0"/>
+              <a:t> visuals make our faces cringe, and our sphincters tighten</a:t>
+            </a:r>
+          </a:p>
+        </p:txBody>
       </p:sp>
     </p:spTree>
     <p:extLst>
       <p:ext uri="{BB962C8B-B14F-4D97-AF65-F5344CB8AC3E}">
-        <p14:creationId xmlns:p14="http://schemas.microsoft.com/office/powerpoint/2010/main" val="1202981920"/>
+        <p14:creationId xmlns:p14="http://schemas.microsoft.com/office/powerpoint/2010/main" val="4172326119"/>
       </p:ext>
     </p:extLst>
   </p:cSld>
   <p:clrMapOvr>
     <a:masterClrMapping/>
   </p:clrMapOvr>
+  <mc:AlternateContent xmlns:mc="http://schemas.openxmlformats.org/markup-compatibility/2006" xmlns:p14="http://schemas.microsoft.com/office/powerpoint/2010/main">
+    <mc:Choice Requires="p14">
+      <p:transition spd="med" p14:dur="700">
+        <p:fade/>
+      </p:transition>
+    </mc:Choice>
+    <mc:Fallback xmlns="">
+      <p:transition spd="med">
+        <p:fade/>
+      </p:transition>
+    </mc:Fallback>
+  </mc:AlternateContent>
 </p:sld>
 </file>
 
@@ -17429,7 +18964,7 @@
       </p:grpSpPr>
       <p:sp>
         <p:nvSpPr>
-          <p:cNvPr id="2" name="Title 1"/>
+          <p:cNvPr id="5" name="Title 4"/>
           <p:cNvSpPr>
             <a:spLocks noGrp="1"/>
           </p:cNvSpPr>
@@ -17442,13 +18977,16 @@
           <a:bodyPr/>
           <a:lstStyle/>
           <a:p>
-            <a:endParaRPr lang="en-US"/>
-          </a:p>
-        </p:txBody>
-      </p:sp>
-      <p:sp>
-        <p:nvSpPr>
-          <p:cNvPr id="3" name="Content Placeholder 2"/>
+            <a:r>
+              <a:rPr lang="en-US" dirty="0"/>
+              <a:t>What to do when debugging becomes too complex ???</a:t>
+            </a:r>
+          </a:p>
+        </p:txBody>
+      </p:sp>
+      <p:sp>
+        <p:nvSpPr>
+          <p:cNvPr id="6" name="Content Placeholder 5"/>
           <p:cNvSpPr>
             <a:spLocks noGrp="1"/>
           </p:cNvSpPr>
@@ -17456,37 +18994,106 @@
             <p:ph idx="1"/>
           </p:nvPr>
         </p:nvSpPr>
-        <p:spPr/>
+        <p:spPr>
+          <a:xfrm>
+            <a:off x="454025" y="1084097"/>
+            <a:ext cx="8229600" cy="3628392"/>
+          </a:xfrm>
+        </p:spPr>
         <p:txBody>
           <a:bodyPr/>
           <a:lstStyle/>
           <a:p>
-            <a:endParaRPr lang="en-US"/>
-          </a:p>
-        </p:txBody>
-      </p:sp>
-      <p:sp>
-        <p:nvSpPr>
-          <p:cNvPr id="4" name="Picture Placeholder 3"/>
-          <p:cNvSpPr>
-            <a:spLocks noGrp="1"/>
-          </p:cNvSpPr>
-          <p:nvPr>
-            <p:ph type="pic" sz="quarter" idx="10"/>
-          </p:nvPr>
-        </p:nvSpPr>
-        <p:spPr/>
-      </p:sp>
+            <a:r>
+              <a:rPr lang="en-US" b="1" dirty="0"/>
+              <a:t>How to defeat these shortcomings, and many other debugging related challenges</a:t>
+            </a:r>
+          </a:p>
+          <a:p>
+            <a:pPr lvl="1"/>
+            <a:r>
+              <a:rPr lang="en-US" dirty="0"/>
+              <a:t>have long been the topics of many user community discussions</a:t>
+            </a:r>
+          </a:p>
+          <a:p>
+            <a:pPr lvl="1"/>
+            <a:r>
+              <a:rPr lang="en-US" dirty="0"/>
+              <a:t>several ad-hoc solutions and processes, although usually quite limited in scope, have been developed over the years by the user community</a:t>
+            </a:r>
+          </a:p>
+          <a:p>
+            <a:pPr lvl="1"/>
+            <a:r>
+              <a:rPr lang="en-US" dirty="0"/>
+              <a:t>but they lack the coherence of a unified tool</a:t>
+            </a:r>
+          </a:p>
+          <a:p>
+            <a:pPr marL="274320" lvl="1" indent="0">
+              <a:buNone/>
+            </a:pPr>
+            <a:endParaRPr lang="en-US" dirty="0"/>
+          </a:p>
+          <a:p>
+            <a:r>
+              <a:rPr lang="en-US" sz="2800" b="1" dirty="0">
+                <a:solidFill>
+                  <a:srgbClr val="0070C0"/>
+                </a:solidFill>
+              </a:rPr>
+              <a:t>Enter the </a:t>
+            </a:r>
+          </a:p>
+        </p:txBody>
+      </p:sp>
+      <p:pic>
+        <p:nvPicPr>
+          <p:cNvPr id="3" name="Picture 2"/>
+          <p:cNvPicPr>
+            <a:picLocks noChangeAspect="1"/>
+          </p:cNvPicPr>
+          <p:nvPr/>
+        </p:nvPicPr>
+        <p:blipFill>
+          <a:blip r:embed="rId2"/>
+          <a:stretch>
+            <a:fillRect/>
+          </a:stretch>
+        </p:blipFill>
+        <p:spPr>
+          <a:xfrm>
+            <a:off x="2463590" y="2950601"/>
+            <a:ext cx="3642486" cy="1761888"/>
+          </a:xfrm>
+          <a:prstGeom prst="rect">
+            <a:avLst/>
+          </a:prstGeom>
+        </p:spPr>
+      </p:pic>
     </p:spTree>
     <p:extLst>
       <p:ext uri="{BB962C8B-B14F-4D97-AF65-F5344CB8AC3E}">
-        <p14:creationId xmlns:p14="http://schemas.microsoft.com/office/powerpoint/2010/main" val="2106076582"/>
+        <p14:creationId xmlns:p14="http://schemas.microsoft.com/office/powerpoint/2010/main" val="3596263405"/>
       </p:ext>
     </p:extLst>
   </p:cSld>
   <p:clrMapOvr>
     <a:masterClrMapping/>
   </p:clrMapOvr>
+  <mc:AlternateContent xmlns:mc="http://schemas.openxmlformats.org/markup-compatibility/2006" xmlns:p14="http://schemas.microsoft.com/office/powerpoint/2010/main">
+    <mc:Choice Requires="p14">
+      <p:transition spd="med" p14:dur="700">
+        <p:fade/>
+      </p:transition>
+    </mc:Choice>
+    <mc:Fallback xmlns="">
+      <p:transition spd="med">
+        <p:fade/>
+      </p:transition>
+    </mc:Fallback>
+  </mc:AlternateContent>
 </p:sld>
 </file>
 
@@ -17509,7 +19116,7 @@
       </p:grpSpPr>
       <p:sp>
         <p:nvSpPr>
-          <p:cNvPr id="2" name="Title 1"/>
+          <p:cNvPr id="5" name="Title 4"/>
           <p:cNvSpPr>
             <a:spLocks noGrp="1"/>
           </p:cNvSpPr>
@@ -17522,13 +19129,20 @@
           <a:bodyPr/>
           <a:lstStyle/>
           <a:p>
-            <a:endParaRPr lang="en-US"/>
-          </a:p>
-        </p:txBody>
-      </p:sp>
-      <p:sp>
-        <p:nvSpPr>
-          <p:cNvPr id="3" name="Content Placeholder 2"/>
+            <a:r>
+              <a:rPr lang="en-US" dirty="0"/>
+              <a:t>The </a:t>
+            </a:r>
+            <a:r>
+              <a:rPr lang="en-US" i="1" dirty="0"/>
+              <a:t>LabVIEW Task Manager</a:t>
+            </a:r>
+          </a:p>
+        </p:txBody>
+      </p:sp>
+      <p:sp>
+        <p:nvSpPr>
+          <p:cNvPr id="6" name="Content Placeholder 5"/>
           <p:cNvSpPr>
             <a:spLocks noGrp="1"/>
           </p:cNvSpPr>
@@ -17541,32 +19155,111 @@
           <a:bodyPr/>
           <a:lstStyle/>
           <a:p>
-            <a:endParaRPr lang="en-US"/>
-          </a:p>
-        </p:txBody>
-      </p:sp>
-      <p:sp>
-        <p:nvSpPr>
-          <p:cNvPr id="4" name="Picture Placeholder 3"/>
+            <a:r>
+              <a:rPr lang="en-US" dirty="0"/>
+              <a:t>The </a:t>
+            </a:r>
+            <a:r>
+              <a:rPr lang="en-US" i="1" dirty="0"/>
+              <a:t>LabVIEW Task Manager </a:t>
+            </a:r>
+            <a:r>
+              <a:rPr lang="en-US" dirty="0"/>
+              <a:t>seeks to be that missing unified debugging tool</a:t>
+            </a:r>
+          </a:p>
+          <a:p>
+            <a:pPr lvl="1"/>
+            <a:r>
+              <a:rPr lang="en-US" dirty="0"/>
+              <a:t>Provides a dynamic &amp; big-picture view of all VIs currently in memory</a:t>
+            </a:r>
+          </a:p>
+          <a:p>
+            <a:pPr lvl="1"/>
+            <a:r>
+              <a:rPr lang="en-US" dirty="0"/>
+              <a:t>Conquers those difficulties concerning reentrancy, clones, dynamic  launching, finding &amp; aborting hung VIs, and other sticky complications</a:t>
+            </a:r>
+          </a:p>
+          <a:p>
+            <a:pPr lvl="1"/>
+            <a:r>
+              <a:rPr lang="en-US" i="1" dirty="0"/>
+              <a:t>LabVIEW Task Manager </a:t>
+            </a:r>
+            <a:r>
+              <a:rPr lang="en-US" dirty="0"/>
+              <a:t>delivers new  comprehensions into your running code, and enables interacting with individual or groups of VIs in many various ways, providing significant benefits while troubleshooting</a:t>
+            </a:r>
+          </a:p>
+        </p:txBody>
+      </p:sp>
+      <p:sp>
+        <p:nvSpPr>
+          <p:cNvPr id="7" name="Text Placeholder 6"/>
           <p:cNvSpPr>
             <a:spLocks noGrp="1"/>
           </p:cNvSpPr>
           <p:nvPr>
-            <p:ph type="pic" sz="quarter" idx="10"/>
+            <p:ph type="body" sz="quarter" idx="10"/>
           </p:nvPr>
         </p:nvSpPr>
         <p:spPr/>
-      </p:sp>
+        <p:txBody>
+          <a:bodyPr/>
+          <a:lstStyle/>
+          <a:p>
+            <a:endParaRPr lang="en-US" dirty="0"/>
+          </a:p>
+        </p:txBody>
+      </p:sp>
+      <p:pic>
+        <p:nvPicPr>
+          <p:cNvPr id="3" name="Picture 2"/>
+          <p:cNvPicPr>
+            <a:picLocks noChangeAspect="1"/>
+          </p:cNvPicPr>
+          <p:nvPr/>
+        </p:nvPicPr>
+        <p:blipFill>
+          <a:blip r:embed="rId2"/>
+          <a:stretch>
+            <a:fillRect/>
+          </a:stretch>
+        </p:blipFill>
+        <p:spPr>
+          <a:xfrm>
+            <a:off x="7866863" y="262001"/>
+            <a:ext cx="816763" cy="816763"/>
+          </a:xfrm>
+          <a:prstGeom prst="rect">
+            <a:avLst/>
+          </a:prstGeom>
+        </p:spPr>
+      </p:pic>
     </p:spTree>
     <p:extLst>
       <p:ext uri="{BB962C8B-B14F-4D97-AF65-F5344CB8AC3E}">
-        <p14:creationId xmlns:p14="http://schemas.microsoft.com/office/powerpoint/2010/main" val="2003643820"/>
+        <p14:creationId xmlns:p14="http://schemas.microsoft.com/office/powerpoint/2010/main" val="2352547913"/>
       </p:ext>
     </p:extLst>
   </p:cSld>
   <p:clrMapOvr>
     <a:masterClrMapping/>
   </p:clrMapOvr>
+  <mc:AlternateContent xmlns:mc="http://schemas.openxmlformats.org/markup-compatibility/2006" xmlns:p14="http://schemas.microsoft.com/office/powerpoint/2010/main">
+    <mc:Choice Requires="p14">
+      <p:transition spd="med" p14:dur="700">
+        <p:fade/>
+      </p:transition>
+    </mc:Choice>
+    <mc:Fallback xmlns="">
+      <p:transition spd="med">
+        <p:fade/>
+      </p:transition>
+    </mc:Fallback>
+  </mc:AlternateContent>
 </p:sld>
 </file>
 
@@ -17678,6 +19371,689 @@
       </p:grpSpPr>
       <p:sp>
         <p:nvSpPr>
+          <p:cNvPr id="5" name="Title 4"/>
+          <p:cNvSpPr>
+            <a:spLocks noGrp="1"/>
+          </p:cNvSpPr>
+          <p:nvPr>
+            <p:ph type="title"/>
+          </p:nvPr>
+        </p:nvSpPr>
+        <p:spPr/>
+        <p:txBody>
+          <a:bodyPr/>
+          <a:lstStyle/>
+          <a:p>
+            <a:endParaRPr lang="en-US"/>
+          </a:p>
+        </p:txBody>
+      </p:sp>
+      <p:sp>
+        <p:nvSpPr>
+          <p:cNvPr id="6" name="Content Placeholder 5"/>
+          <p:cNvSpPr>
+            <a:spLocks noGrp="1"/>
+          </p:cNvSpPr>
+          <p:nvPr>
+            <p:ph sz="half" idx="1"/>
+          </p:nvPr>
+        </p:nvSpPr>
+        <p:spPr/>
+        <p:txBody>
+          <a:bodyPr/>
+          <a:lstStyle/>
+          <a:p>
+            <a:endParaRPr lang="en-US" dirty="0"/>
+          </a:p>
+        </p:txBody>
+      </p:sp>
+      <p:sp>
+        <p:nvSpPr>
+          <p:cNvPr id="7" name="Content Placeholder 6"/>
+          <p:cNvSpPr>
+            <a:spLocks noGrp="1"/>
+          </p:cNvSpPr>
+          <p:nvPr>
+            <p:ph sz="half" idx="2"/>
+          </p:nvPr>
+        </p:nvSpPr>
+        <p:spPr/>
+        <p:txBody>
+          <a:bodyPr/>
+          <a:lstStyle/>
+          <a:p>
+            <a:endParaRPr lang="en-US"/>
+          </a:p>
+        </p:txBody>
+      </p:sp>
+    </p:spTree>
+    <p:extLst>
+      <p:ext uri="{BB962C8B-B14F-4D97-AF65-F5344CB8AC3E}">
+        <p14:creationId xmlns:p14="http://schemas.microsoft.com/office/powerpoint/2010/main" val="1351130170"/>
+      </p:ext>
+    </p:extLst>
+  </p:cSld>
+  <p:clrMapOvr>
+    <a:masterClrMapping/>
+  </p:clrMapOvr>
+  <mc:AlternateContent xmlns:mc="http://schemas.openxmlformats.org/markup-compatibility/2006" xmlns:p14="http://schemas.microsoft.com/office/powerpoint/2010/main">
+    <mc:Choice Requires="p14">
+      <p:transition spd="med" p14:dur="700">
+        <p:fade/>
+      </p:transition>
+    </mc:Choice>
+    <mc:Fallback xmlns="">
+      <p:transition spd="med">
+        <p:fade/>
+      </p:transition>
+    </mc:Fallback>
+  </mc:AlternateContent>
+</p:sld>
+</file>
+
+<file path=ppt/slides/slide21.xml><?xml version="1.0" encoding="utf-8"?>
+<p:sld xmlns:a="http://schemas.openxmlformats.org/drawingml/2006/main" xmlns:r="http://schemas.openxmlformats.org/officeDocument/2006/relationships" xmlns:p="http://schemas.openxmlformats.org/presentationml/2006/main">
+  <p:cSld>
+    <p:spTree>
+      <p:nvGrpSpPr>
+        <p:cNvPr id="1" name=""/>
+        <p:cNvGrpSpPr/>
+        <p:nvPr/>
+      </p:nvGrpSpPr>
+      <p:grpSpPr>
+        <a:xfrm>
+          <a:off x="0" y="0"/>
+          <a:ext cx="0" cy="0"/>
+          <a:chOff x="0" y="0"/>
+          <a:chExt cx="0" cy="0"/>
+        </a:xfrm>
+      </p:grpSpPr>
+      <p:sp>
+        <p:nvSpPr>
+          <p:cNvPr id="5" name="Title 4"/>
+          <p:cNvSpPr>
+            <a:spLocks noGrp="1"/>
+          </p:cNvSpPr>
+          <p:nvPr>
+            <p:ph type="title"/>
+          </p:nvPr>
+        </p:nvSpPr>
+        <p:spPr/>
+        <p:txBody>
+          <a:bodyPr/>
+          <a:lstStyle/>
+          <a:p>
+            <a:endParaRPr lang="en-US"/>
+          </a:p>
+        </p:txBody>
+      </p:sp>
+      <p:sp>
+        <p:nvSpPr>
+          <p:cNvPr id="6" name="Content Placeholder 5"/>
+          <p:cNvSpPr>
+            <a:spLocks noGrp="1"/>
+          </p:cNvSpPr>
+          <p:nvPr>
+            <p:ph idx="1"/>
+          </p:nvPr>
+        </p:nvSpPr>
+        <p:spPr/>
+        <p:txBody>
+          <a:bodyPr/>
+          <a:lstStyle/>
+          <a:p>
+            <a:endParaRPr lang="en-US"/>
+          </a:p>
+        </p:txBody>
+      </p:sp>
+      <p:sp>
+        <p:nvSpPr>
+          <p:cNvPr id="7" name="Picture Placeholder 6"/>
+          <p:cNvSpPr>
+            <a:spLocks noGrp="1"/>
+          </p:cNvSpPr>
+          <p:nvPr>
+            <p:ph type="pic" sz="quarter" idx="10"/>
+          </p:nvPr>
+        </p:nvSpPr>
+        <p:spPr/>
+      </p:sp>
+    </p:spTree>
+    <p:extLst>
+      <p:ext uri="{BB962C8B-B14F-4D97-AF65-F5344CB8AC3E}">
+        <p14:creationId xmlns:p14="http://schemas.microsoft.com/office/powerpoint/2010/main" val="924019301"/>
+      </p:ext>
+    </p:extLst>
+  </p:cSld>
+  <p:clrMapOvr>
+    <a:masterClrMapping/>
+  </p:clrMapOvr>
+  <mc:AlternateContent xmlns:mc="http://schemas.openxmlformats.org/markup-compatibility/2006" xmlns:p14="http://schemas.microsoft.com/office/powerpoint/2010/main">
+    <mc:Choice Requires="p14">
+      <p:transition spd="med" p14:dur="700">
+        <p:fade/>
+      </p:transition>
+    </mc:Choice>
+    <mc:Fallback xmlns="">
+      <p:transition spd="med">
+        <p:fade/>
+      </p:transition>
+    </mc:Fallback>
+  </mc:AlternateContent>
+</p:sld>
+</file>
+
+<file path=ppt/slides/slide22.xml><?xml version="1.0" encoding="utf-8"?>
+<p:sld xmlns:a="http://schemas.openxmlformats.org/drawingml/2006/main" xmlns:r="http://schemas.openxmlformats.org/officeDocument/2006/relationships" xmlns:p="http://schemas.openxmlformats.org/presentationml/2006/main">
+  <p:cSld>
+    <p:spTree>
+      <p:nvGrpSpPr>
+        <p:cNvPr id="1" name=""/>
+        <p:cNvGrpSpPr/>
+        <p:nvPr/>
+      </p:nvGrpSpPr>
+      <p:grpSpPr>
+        <a:xfrm>
+          <a:off x="0" y="0"/>
+          <a:ext cx="0" cy="0"/>
+          <a:chOff x="0" y="0"/>
+          <a:chExt cx="0" cy="0"/>
+        </a:xfrm>
+      </p:grpSpPr>
+      <p:sp>
+        <p:nvSpPr>
+          <p:cNvPr id="5" name="Title 4"/>
+          <p:cNvSpPr>
+            <a:spLocks noGrp="1"/>
+          </p:cNvSpPr>
+          <p:nvPr>
+            <p:ph type="title"/>
+          </p:nvPr>
+        </p:nvSpPr>
+        <p:spPr/>
+        <p:txBody>
+          <a:bodyPr/>
+          <a:lstStyle/>
+          <a:p>
+            <a:endParaRPr lang="en-US"/>
+          </a:p>
+        </p:txBody>
+      </p:sp>
+      <p:sp>
+        <p:nvSpPr>
+          <p:cNvPr id="6" name="Content Placeholder 5"/>
+          <p:cNvSpPr>
+            <a:spLocks noGrp="1"/>
+          </p:cNvSpPr>
+          <p:nvPr>
+            <p:ph idx="1"/>
+          </p:nvPr>
+        </p:nvSpPr>
+        <p:spPr/>
+        <p:txBody>
+          <a:bodyPr/>
+          <a:lstStyle/>
+          <a:p>
+            <a:endParaRPr lang="en-US"/>
+          </a:p>
+        </p:txBody>
+      </p:sp>
+      <p:sp>
+        <p:nvSpPr>
+          <p:cNvPr id="7" name="Picture Placeholder 6"/>
+          <p:cNvSpPr>
+            <a:spLocks noGrp="1"/>
+          </p:cNvSpPr>
+          <p:nvPr>
+            <p:ph type="pic" sz="quarter" idx="10"/>
+          </p:nvPr>
+        </p:nvSpPr>
+        <p:spPr/>
+      </p:sp>
+    </p:spTree>
+    <p:extLst>
+      <p:ext uri="{BB962C8B-B14F-4D97-AF65-F5344CB8AC3E}">
+        <p14:creationId xmlns:p14="http://schemas.microsoft.com/office/powerpoint/2010/main" val="18289562"/>
+      </p:ext>
+    </p:extLst>
+  </p:cSld>
+  <p:clrMapOvr>
+    <a:masterClrMapping/>
+  </p:clrMapOvr>
+  <mc:AlternateContent xmlns:mc="http://schemas.openxmlformats.org/markup-compatibility/2006" xmlns:p14="http://schemas.microsoft.com/office/powerpoint/2010/main">
+    <mc:Choice Requires="p14">
+      <p:transition spd="med" p14:dur="700">
+        <p:fade/>
+      </p:transition>
+    </mc:Choice>
+    <mc:Fallback xmlns="">
+      <p:transition spd="med">
+        <p:fade/>
+      </p:transition>
+    </mc:Fallback>
+  </mc:AlternateContent>
+</p:sld>
+</file>
+
+<file path=ppt/slides/slide23.xml><?xml version="1.0" encoding="utf-8"?>
+<p:sld xmlns:a="http://schemas.openxmlformats.org/drawingml/2006/main" xmlns:r="http://schemas.openxmlformats.org/officeDocument/2006/relationships" xmlns:p="http://schemas.openxmlformats.org/presentationml/2006/main">
+  <p:cSld>
+    <p:spTree>
+      <p:nvGrpSpPr>
+        <p:cNvPr id="1" name=""/>
+        <p:cNvGrpSpPr/>
+        <p:nvPr/>
+      </p:nvGrpSpPr>
+      <p:grpSpPr>
+        <a:xfrm>
+          <a:off x="0" y="0"/>
+          <a:ext cx="0" cy="0"/>
+          <a:chOff x="0" y="0"/>
+          <a:chExt cx="0" cy="0"/>
+        </a:xfrm>
+      </p:grpSpPr>
+      <p:sp>
+        <p:nvSpPr>
+          <p:cNvPr id="2" name="Title 1"/>
+          <p:cNvSpPr>
+            <a:spLocks noGrp="1"/>
+          </p:cNvSpPr>
+          <p:nvPr>
+            <p:ph type="title"/>
+          </p:nvPr>
+        </p:nvSpPr>
+        <p:spPr/>
+        <p:txBody>
+          <a:bodyPr/>
+          <a:lstStyle/>
+          <a:p>
+            <a:endParaRPr lang="en-US"/>
+          </a:p>
+        </p:txBody>
+      </p:sp>
+      <p:sp>
+        <p:nvSpPr>
+          <p:cNvPr id="3" name="Content Placeholder 2"/>
+          <p:cNvSpPr>
+            <a:spLocks noGrp="1"/>
+          </p:cNvSpPr>
+          <p:nvPr>
+            <p:ph idx="1"/>
+          </p:nvPr>
+        </p:nvSpPr>
+        <p:spPr/>
+        <p:txBody>
+          <a:bodyPr/>
+          <a:lstStyle/>
+          <a:p>
+            <a:endParaRPr lang="en-US"/>
+          </a:p>
+        </p:txBody>
+      </p:sp>
+      <p:sp>
+        <p:nvSpPr>
+          <p:cNvPr id="4" name="Picture Placeholder 3"/>
+          <p:cNvSpPr>
+            <a:spLocks noGrp="1"/>
+          </p:cNvSpPr>
+          <p:nvPr>
+            <p:ph type="pic" sz="quarter" idx="10"/>
+          </p:nvPr>
+        </p:nvSpPr>
+        <p:spPr/>
+      </p:sp>
+    </p:spTree>
+    <p:extLst>
+      <p:ext uri="{BB962C8B-B14F-4D97-AF65-F5344CB8AC3E}">
+        <p14:creationId xmlns:p14="http://schemas.microsoft.com/office/powerpoint/2010/main" val="256400735"/>
+      </p:ext>
+    </p:extLst>
+  </p:cSld>
+  <p:clrMapOvr>
+    <a:masterClrMapping/>
+  </p:clrMapOvr>
+</p:sld>
+</file>
+
+<file path=ppt/slides/slide24.xml><?xml version="1.0" encoding="utf-8"?>
+<p:sld xmlns:a="http://schemas.openxmlformats.org/drawingml/2006/main" xmlns:r="http://schemas.openxmlformats.org/officeDocument/2006/relationships" xmlns:p="http://schemas.openxmlformats.org/presentationml/2006/main">
+  <p:cSld>
+    <p:spTree>
+      <p:nvGrpSpPr>
+        <p:cNvPr id="1" name=""/>
+        <p:cNvGrpSpPr/>
+        <p:nvPr/>
+      </p:nvGrpSpPr>
+      <p:grpSpPr>
+        <a:xfrm>
+          <a:off x="0" y="0"/>
+          <a:ext cx="0" cy="0"/>
+          <a:chOff x="0" y="0"/>
+          <a:chExt cx="0" cy="0"/>
+        </a:xfrm>
+      </p:grpSpPr>
+      <p:sp>
+        <p:nvSpPr>
+          <p:cNvPr id="2" name="Title 1"/>
+          <p:cNvSpPr>
+            <a:spLocks noGrp="1"/>
+          </p:cNvSpPr>
+          <p:nvPr>
+            <p:ph type="title"/>
+          </p:nvPr>
+        </p:nvSpPr>
+        <p:spPr/>
+        <p:txBody>
+          <a:bodyPr/>
+          <a:lstStyle/>
+          <a:p>
+            <a:endParaRPr lang="en-US"/>
+          </a:p>
+        </p:txBody>
+      </p:sp>
+      <p:sp>
+        <p:nvSpPr>
+          <p:cNvPr id="3" name="Content Placeholder 2"/>
+          <p:cNvSpPr>
+            <a:spLocks noGrp="1"/>
+          </p:cNvSpPr>
+          <p:nvPr>
+            <p:ph idx="1"/>
+          </p:nvPr>
+        </p:nvSpPr>
+        <p:spPr/>
+        <p:txBody>
+          <a:bodyPr/>
+          <a:lstStyle/>
+          <a:p>
+            <a:endParaRPr lang="en-US"/>
+          </a:p>
+        </p:txBody>
+      </p:sp>
+      <p:sp>
+        <p:nvSpPr>
+          <p:cNvPr id="4" name="Picture Placeholder 3"/>
+          <p:cNvSpPr>
+            <a:spLocks noGrp="1"/>
+          </p:cNvSpPr>
+          <p:nvPr>
+            <p:ph type="pic" sz="quarter" idx="10"/>
+          </p:nvPr>
+        </p:nvSpPr>
+        <p:spPr/>
+      </p:sp>
+    </p:spTree>
+    <p:extLst>
+      <p:ext uri="{BB962C8B-B14F-4D97-AF65-F5344CB8AC3E}">
+        <p14:creationId xmlns:p14="http://schemas.microsoft.com/office/powerpoint/2010/main" val="1474957263"/>
+      </p:ext>
+    </p:extLst>
+  </p:cSld>
+  <p:clrMapOvr>
+    <a:masterClrMapping/>
+  </p:clrMapOvr>
+</p:sld>
+</file>
+
+<file path=ppt/slides/slide25.xml><?xml version="1.0" encoding="utf-8"?>
+<p:sld xmlns:a="http://schemas.openxmlformats.org/drawingml/2006/main" xmlns:r="http://schemas.openxmlformats.org/officeDocument/2006/relationships" xmlns:p="http://schemas.openxmlformats.org/presentationml/2006/main">
+  <p:cSld>
+    <p:spTree>
+      <p:nvGrpSpPr>
+        <p:cNvPr id="1" name=""/>
+        <p:cNvGrpSpPr/>
+        <p:nvPr/>
+      </p:nvGrpSpPr>
+      <p:grpSpPr>
+        <a:xfrm>
+          <a:off x="0" y="0"/>
+          <a:ext cx="0" cy="0"/>
+          <a:chOff x="0" y="0"/>
+          <a:chExt cx="0" cy="0"/>
+        </a:xfrm>
+      </p:grpSpPr>
+      <p:sp>
+        <p:nvSpPr>
+          <p:cNvPr id="2" name="Title 1"/>
+          <p:cNvSpPr>
+            <a:spLocks noGrp="1"/>
+          </p:cNvSpPr>
+          <p:nvPr>
+            <p:ph type="title"/>
+          </p:nvPr>
+        </p:nvSpPr>
+        <p:spPr/>
+        <p:txBody>
+          <a:bodyPr/>
+          <a:lstStyle/>
+          <a:p>
+            <a:endParaRPr lang="en-US"/>
+          </a:p>
+        </p:txBody>
+      </p:sp>
+      <p:sp>
+        <p:nvSpPr>
+          <p:cNvPr id="3" name="Content Placeholder 2"/>
+          <p:cNvSpPr>
+            <a:spLocks noGrp="1"/>
+          </p:cNvSpPr>
+          <p:nvPr>
+            <p:ph idx="1"/>
+          </p:nvPr>
+        </p:nvSpPr>
+        <p:spPr/>
+        <p:txBody>
+          <a:bodyPr/>
+          <a:lstStyle/>
+          <a:p>
+            <a:endParaRPr lang="en-US"/>
+          </a:p>
+        </p:txBody>
+      </p:sp>
+      <p:sp>
+        <p:nvSpPr>
+          <p:cNvPr id="4" name="Picture Placeholder 3"/>
+          <p:cNvSpPr>
+            <a:spLocks noGrp="1"/>
+          </p:cNvSpPr>
+          <p:nvPr>
+            <p:ph type="pic" sz="quarter" idx="10"/>
+          </p:nvPr>
+        </p:nvSpPr>
+        <p:spPr/>
+      </p:sp>
+    </p:spTree>
+    <p:extLst>
+      <p:ext uri="{BB962C8B-B14F-4D97-AF65-F5344CB8AC3E}">
+        <p14:creationId xmlns:p14="http://schemas.microsoft.com/office/powerpoint/2010/main" val="1202981920"/>
+      </p:ext>
+    </p:extLst>
+  </p:cSld>
+  <p:clrMapOvr>
+    <a:masterClrMapping/>
+  </p:clrMapOvr>
+</p:sld>
+</file>
+
+<file path=ppt/slides/slide26.xml><?xml version="1.0" encoding="utf-8"?>
+<p:sld xmlns:a="http://schemas.openxmlformats.org/drawingml/2006/main" xmlns:r="http://schemas.openxmlformats.org/officeDocument/2006/relationships" xmlns:p="http://schemas.openxmlformats.org/presentationml/2006/main">
+  <p:cSld>
+    <p:spTree>
+      <p:nvGrpSpPr>
+        <p:cNvPr id="1" name=""/>
+        <p:cNvGrpSpPr/>
+        <p:nvPr/>
+      </p:nvGrpSpPr>
+      <p:grpSpPr>
+        <a:xfrm>
+          <a:off x="0" y="0"/>
+          <a:ext cx="0" cy="0"/>
+          <a:chOff x="0" y="0"/>
+          <a:chExt cx="0" cy="0"/>
+        </a:xfrm>
+      </p:grpSpPr>
+      <p:sp>
+        <p:nvSpPr>
+          <p:cNvPr id="2" name="Title 1"/>
+          <p:cNvSpPr>
+            <a:spLocks noGrp="1"/>
+          </p:cNvSpPr>
+          <p:nvPr>
+            <p:ph type="title"/>
+          </p:nvPr>
+        </p:nvSpPr>
+        <p:spPr/>
+        <p:txBody>
+          <a:bodyPr/>
+          <a:lstStyle/>
+          <a:p>
+            <a:endParaRPr lang="en-US"/>
+          </a:p>
+        </p:txBody>
+      </p:sp>
+      <p:sp>
+        <p:nvSpPr>
+          <p:cNvPr id="3" name="Content Placeholder 2"/>
+          <p:cNvSpPr>
+            <a:spLocks noGrp="1"/>
+          </p:cNvSpPr>
+          <p:nvPr>
+            <p:ph idx="1"/>
+          </p:nvPr>
+        </p:nvSpPr>
+        <p:spPr/>
+        <p:txBody>
+          <a:bodyPr/>
+          <a:lstStyle/>
+          <a:p>
+            <a:endParaRPr lang="en-US"/>
+          </a:p>
+        </p:txBody>
+      </p:sp>
+      <p:sp>
+        <p:nvSpPr>
+          <p:cNvPr id="4" name="Picture Placeholder 3"/>
+          <p:cNvSpPr>
+            <a:spLocks noGrp="1"/>
+          </p:cNvSpPr>
+          <p:nvPr>
+            <p:ph type="pic" sz="quarter" idx="10"/>
+          </p:nvPr>
+        </p:nvSpPr>
+        <p:spPr/>
+      </p:sp>
+    </p:spTree>
+    <p:extLst>
+      <p:ext uri="{BB962C8B-B14F-4D97-AF65-F5344CB8AC3E}">
+        <p14:creationId xmlns:p14="http://schemas.microsoft.com/office/powerpoint/2010/main" val="2106076582"/>
+      </p:ext>
+    </p:extLst>
+  </p:cSld>
+  <p:clrMapOvr>
+    <a:masterClrMapping/>
+  </p:clrMapOvr>
+</p:sld>
+</file>
+
+<file path=ppt/slides/slide27.xml><?xml version="1.0" encoding="utf-8"?>
+<p:sld xmlns:a="http://schemas.openxmlformats.org/drawingml/2006/main" xmlns:r="http://schemas.openxmlformats.org/officeDocument/2006/relationships" xmlns:p="http://schemas.openxmlformats.org/presentationml/2006/main">
+  <p:cSld>
+    <p:spTree>
+      <p:nvGrpSpPr>
+        <p:cNvPr id="1" name=""/>
+        <p:cNvGrpSpPr/>
+        <p:nvPr/>
+      </p:nvGrpSpPr>
+      <p:grpSpPr>
+        <a:xfrm>
+          <a:off x="0" y="0"/>
+          <a:ext cx="0" cy="0"/>
+          <a:chOff x="0" y="0"/>
+          <a:chExt cx="0" cy="0"/>
+        </a:xfrm>
+      </p:grpSpPr>
+      <p:sp>
+        <p:nvSpPr>
+          <p:cNvPr id="2" name="Title 1"/>
+          <p:cNvSpPr>
+            <a:spLocks noGrp="1"/>
+          </p:cNvSpPr>
+          <p:nvPr>
+            <p:ph type="title"/>
+          </p:nvPr>
+        </p:nvSpPr>
+        <p:spPr/>
+        <p:txBody>
+          <a:bodyPr/>
+          <a:lstStyle/>
+          <a:p>
+            <a:endParaRPr lang="en-US"/>
+          </a:p>
+        </p:txBody>
+      </p:sp>
+      <p:sp>
+        <p:nvSpPr>
+          <p:cNvPr id="3" name="Content Placeholder 2"/>
+          <p:cNvSpPr>
+            <a:spLocks noGrp="1"/>
+          </p:cNvSpPr>
+          <p:nvPr>
+            <p:ph idx="1"/>
+          </p:nvPr>
+        </p:nvSpPr>
+        <p:spPr/>
+        <p:txBody>
+          <a:bodyPr/>
+          <a:lstStyle/>
+          <a:p>
+            <a:endParaRPr lang="en-US"/>
+          </a:p>
+        </p:txBody>
+      </p:sp>
+      <p:sp>
+        <p:nvSpPr>
+          <p:cNvPr id="4" name="Picture Placeholder 3"/>
+          <p:cNvSpPr>
+            <a:spLocks noGrp="1"/>
+          </p:cNvSpPr>
+          <p:nvPr>
+            <p:ph type="pic" sz="quarter" idx="10"/>
+          </p:nvPr>
+        </p:nvSpPr>
+        <p:spPr/>
+      </p:sp>
+    </p:spTree>
+    <p:extLst>
+      <p:ext uri="{BB962C8B-B14F-4D97-AF65-F5344CB8AC3E}">
+        <p14:creationId xmlns:p14="http://schemas.microsoft.com/office/powerpoint/2010/main" val="2003643820"/>
+      </p:ext>
+    </p:extLst>
+  </p:cSld>
+  <p:clrMapOvr>
+    <a:masterClrMapping/>
+  </p:clrMapOvr>
+</p:sld>
+</file>
+
+<file path=ppt/slides/slide28.xml><?xml version="1.0" encoding="utf-8"?>
+<p:sld xmlns:a="http://schemas.openxmlformats.org/drawingml/2006/main" xmlns:r="http://schemas.openxmlformats.org/officeDocument/2006/relationships" xmlns:p="http://schemas.openxmlformats.org/presentationml/2006/main">
+  <p:cSld>
+    <p:spTree>
+      <p:nvGrpSpPr>
+        <p:cNvPr id="1" name=""/>
+        <p:cNvGrpSpPr/>
+        <p:nvPr/>
+      </p:nvGrpSpPr>
+      <p:grpSpPr>
+        <a:xfrm>
+          <a:off x="0" y="0"/>
+          <a:ext cx="0" cy="0"/>
+          <a:chOff x="0" y="0"/>
+          <a:chExt cx="0" cy="0"/>
+        </a:xfrm>
+      </p:grpSpPr>
+      <p:sp>
+        <p:nvSpPr>
           <p:cNvPr id="2" name="Picture Placeholder 1"/>
           <p:cNvSpPr>
             <a:spLocks noGrp="1"/>
@@ -17739,7 +20115,7 @@
 </p:sld>
 </file>
 
-<file path=ppt/slides/slide21.xml><?xml version="1.0" encoding="utf-8"?>
+<file path=ppt/slides/slide29.xml><?xml version="1.0" encoding="utf-8"?>
 <p:sld xmlns:a="http://schemas.openxmlformats.org/drawingml/2006/main" xmlns:r="http://schemas.openxmlformats.org/officeDocument/2006/relationships" xmlns:p="http://schemas.openxmlformats.org/presentationml/2006/main">
   <p:cSld>
     <p:spTree>
@@ -17846,7 +20222,68 @@
 </p:sld>
 </file>
 
-<file path=ppt/slides/slide22.xml><?xml version="1.0" encoding="utf-8"?>
+<file path=ppt/slides/slide3.xml><?xml version="1.0" encoding="utf-8"?>
+<p:sld xmlns:a="http://schemas.openxmlformats.org/drawingml/2006/main" xmlns:r="http://schemas.openxmlformats.org/officeDocument/2006/relationships" xmlns:p="http://schemas.openxmlformats.org/presentationml/2006/main" show="0">
+  <p:cSld>
+    <p:spTree>
+      <p:nvGrpSpPr>
+        <p:cNvPr id="1" name=""/>
+        <p:cNvGrpSpPr/>
+        <p:nvPr/>
+      </p:nvGrpSpPr>
+      <p:grpSpPr>
+        <a:xfrm>
+          <a:off x="0" y="0"/>
+          <a:ext cx="0" cy="0"/>
+          <a:chOff x="0" y="0"/>
+          <a:chExt cx="0" cy="0"/>
+        </a:xfrm>
+      </p:grpSpPr>
+      <p:sp>
+        <p:nvSpPr>
+          <p:cNvPr id="4" name="Title 3"/>
+          <p:cNvSpPr>
+            <a:spLocks noGrp="1"/>
+          </p:cNvSpPr>
+          <p:nvPr>
+            <p:ph type="title"/>
+          </p:nvPr>
+        </p:nvSpPr>
+        <p:spPr/>
+        <p:txBody>
+          <a:bodyPr/>
+          <a:lstStyle/>
+          <a:p>
+            <a:endParaRPr lang="en-US"/>
+          </a:p>
+        </p:txBody>
+      </p:sp>
+    </p:spTree>
+    <p:extLst>
+      <p:ext uri="{BB962C8B-B14F-4D97-AF65-F5344CB8AC3E}">
+        <p14:creationId xmlns:p14="http://schemas.microsoft.com/office/powerpoint/2010/main" val="982729284"/>
+      </p:ext>
+    </p:extLst>
+  </p:cSld>
+  <p:clrMapOvr>
+    <a:masterClrMapping/>
+  </p:clrMapOvr>
+  <mc:AlternateContent xmlns:mc="http://schemas.openxmlformats.org/markup-compatibility/2006" xmlns:p14="http://schemas.microsoft.com/office/powerpoint/2010/main">
+    <mc:Choice Requires="p14">
+      <p:transition spd="med" p14:dur="700">
+        <p:fade/>
+      </p:transition>
+    </mc:Choice>
+    <mc:Fallback xmlns="">
+      <p:transition spd="med">
+        <p:fade/>
+      </p:transition>
+    </mc:Fallback>
+  </mc:AlternateContent>
+</p:sld>
+</file>
+
+<file path=ppt/slides/slide30.xml><?xml version="1.0" encoding="utf-8"?>
 <p:sld xmlns:a="http://schemas.openxmlformats.org/drawingml/2006/main" xmlns:r="http://schemas.openxmlformats.org/officeDocument/2006/relationships" xmlns:p="http://schemas.openxmlformats.org/presentationml/2006/main">
   <p:cSld>
     <p:spTree>
@@ -17888,7 +20325,7 @@
 </p:sld>
 </file>
 
-<file path=ppt/slides/slide23.xml><?xml version="1.0" encoding="utf-8"?>
+<file path=ppt/slides/slide31.xml><?xml version="1.0" encoding="utf-8"?>
 <p:sld xmlns:a="http://schemas.openxmlformats.org/drawingml/2006/main" xmlns:r="http://schemas.openxmlformats.org/officeDocument/2006/relationships" xmlns:p="http://schemas.openxmlformats.org/presentationml/2006/main">
   <p:cSld>
     <p:spTree>
@@ -17915,13 +20352,20 @@
             <p:ph type="title"/>
           </p:nvPr>
         </p:nvSpPr>
-        <p:spPr/>
-        <p:txBody>
-          <a:bodyPr/>
+        <p:spPr>
+          <a:xfrm>
+            <a:off x="473936" y="1494886"/>
+            <a:ext cx="8170003" cy="1841438"/>
+          </a:xfrm>
+        </p:spPr>
+        <p:txBody>
+          <a:bodyPr>
+            <a:noAutofit/>
+          </a:bodyPr>
           <a:lstStyle/>
           <a:p>
             <a:r>
-              <a:rPr lang="en-US" dirty="0"/>
+              <a:rPr lang="en-US" sz="5400" dirty="0"/>
               <a:t>LabVIEW Task Manager</a:t>
             </a:r>
           </a:p>
@@ -17952,7 +20396,7 @@
 </p:sld>
 </file>
 
-<file path=ppt/slides/slide24.xml><?xml version="1.0" encoding="utf-8"?>
+<file path=ppt/slides/slide32.xml><?xml version="1.0" encoding="utf-8"?>
 <p:sld xmlns:a="http://schemas.openxmlformats.org/drawingml/2006/main" xmlns:r="http://schemas.openxmlformats.org/officeDocument/2006/relationships" xmlns:p="http://schemas.openxmlformats.org/presentationml/2006/main">
   <p:cSld>
     <p:spTree>
@@ -17973,67 +20417,6 @@
     <p:extLst>
       <p:ext uri="{BB962C8B-B14F-4D97-AF65-F5344CB8AC3E}">
         <p14:creationId xmlns:p14="http://schemas.microsoft.com/office/powerpoint/2010/main" val="1318162315"/>
-      </p:ext>
-    </p:extLst>
-  </p:cSld>
-  <p:clrMapOvr>
-    <a:masterClrMapping/>
-  </p:clrMapOvr>
-  <mc:AlternateContent xmlns:mc="http://schemas.openxmlformats.org/markup-compatibility/2006" xmlns:p14="http://schemas.microsoft.com/office/powerpoint/2010/main">
-    <mc:Choice Requires="p14">
-      <p:transition spd="med" p14:dur="700">
-        <p:fade/>
-      </p:transition>
-    </mc:Choice>
-    <mc:Fallback xmlns="">
-      <p:transition spd="med">
-        <p:fade/>
-      </p:transition>
-    </mc:Fallback>
-  </mc:AlternateContent>
-</p:sld>
-</file>
-
-<file path=ppt/slides/slide3.xml><?xml version="1.0" encoding="utf-8"?>
-<p:sld xmlns:a="http://schemas.openxmlformats.org/drawingml/2006/main" xmlns:r="http://schemas.openxmlformats.org/officeDocument/2006/relationships" xmlns:p="http://schemas.openxmlformats.org/presentationml/2006/main" show="0">
-  <p:cSld>
-    <p:spTree>
-      <p:nvGrpSpPr>
-        <p:cNvPr id="1" name=""/>
-        <p:cNvGrpSpPr/>
-        <p:nvPr/>
-      </p:nvGrpSpPr>
-      <p:grpSpPr>
-        <a:xfrm>
-          <a:off x="0" y="0"/>
-          <a:ext cx="0" cy="0"/>
-          <a:chOff x="0" y="0"/>
-          <a:chExt cx="0" cy="0"/>
-        </a:xfrm>
-      </p:grpSpPr>
-      <p:sp>
-        <p:nvSpPr>
-          <p:cNvPr id="4" name="Title 3"/>
-          <p:cNvSpPr>
-            <a:spLocks noGrp="1"/>
-          </p:cNvSpPr>
-          <p:nvPr>
-            <p:ph type="title"/>
-          </p:nvPr>
-        </p:nvSpPr>
-        <p:spPr/>
-        <p:txBody>
-          <a:bodyPr/>
-          <a:lstStyle/>
-          <a:p>
-            <a:endParaRPr lang="en-US"/>
-          </a:p>
-        </p:txBody>
-      </p:sp>
-    </p:spTree>
-    <p:extLst>
-      <p:ext uri="{BB962C8B-B14F-4D97-AF65-F5344CB8AC3E}">
-        <p14:creationId xmlns:p14="http://schemas.microsoft.com/office/powerpoint/2010/main" val="982729284"/>
       </p:ext>
     </p:extLst>
   </p:cSld>
@@ -18565,7 +20948,7 @@
           <a:lstStyle/>
           <a:p>
             <a:r>
-              <a:rPr lang="en-US" dirty="0"/>
+              <a:rPr lang="en-US" sz="4400" dirty="0"/>
               <a:t>Tim Vargo</a:t>
             </a:r>
           </a:p>
@@ -18592,7 +20975,7 @@
           <a:lstStyle/>
           <a:p>
             <a:r>
-              <a:rPr lang="en-US" dirty="0"/>
+              <a:rPr lang="en-US" b="1" dirty="0"/>
               <a:t>Sandia National Laboratories</a:t>
             </a:r>
           </a:p>
@@ -18611,7 +20994,7 @@
         <p:spPr>
           <a:xfrm>
             <a:off x="644893" y="3784600"/>
-            <a:ext cx="4013734" cy="347663"/>
+            <a:ext cx="4013734" cy="746211"/>
           </a:xfrm>
         </p:spPr>
         <p:txBody>
@@ -18859,7 +21242,7 @@
           </a:lstStyle>
           <a:p>
             <a:r>
-              <a:rPr lang="en-US" dirty="0"/>
+              <a:rPr lang="en-US" b="1" dirty="0"/>
               <a:t>Binary Palette</a:t>
             </a:r>
           </a:p>
@@ -18876,7 +21259,7 @@
         <p:spPr>
           <a:xfrm>
             <a:off x="4554387" y="3784600"/>
-            <a:ext cx="3838842" cy="347663"/>
+            <a:ext cx="3838842" cy="746211"/>
           </a:xfrm>
           <a:prstGeom prst="rect">
             <a:avLst/>
@@ -19146,7 +21529,7 @@
           </a:lstStyle>
           <a:p>
             <a:r>
-              <a:rPr lang="en-US" dirty="0"/>
+              <a:rPr lang="en-US" sz="4400" dirty="0"/>
               <a:t>Ravi Beniwal</a:t>
             </a:r>
           </a:p>
@@ -19317,36 +21700,6 @@
       </p:sp>
       <p:sp>
         <p:nvSpPr>
-          <p:cNvPr id="3" name="Content Placeholder 2"/>
-          <p:cNvSpPr>
-            <a:spLocks noGrp="1"/>
-          </p:cNvSpPr>
-          <p:nvPr>
-            <p:ph idx="1"/>
-          </p:nvPr>
-        </p:nvSpPr>
-        <p:spPr>
-          <a:xfrm>
-            <a:off x="454026" y="1237900"/>
-            <a:ext cx="8229600" cy="3045342"/>
-          </a:xfrm>
-        </p:spPr>
-        <p:txBody>
-          <a:bodyPr/>
-          <a:lstStyle/>
-          <a:p>
-            <a:pPr marL="0" indent="0">
-              <a:buNone/>
-            </a:pPr>
-            <a:endParaRPr lang="en-US" dirty="0"/>
-          </a:p>
-          <a:p>
-            <a:endParaRPr lang="en-US" dirty="0"/>
-          </a:p>
-        </p:txBody>
-      </p:sp>
-      <p:sp>
-        <p:nvSpPr>
           <p:cNvPr id="4" name="Text Placeholder 3"/>
           <p:cNvSpPr>
             <a:spLocks noGrp="1"/>
@@ -19355,13 +21708,22 @@
             <p:ph type="body" sz="quarter" idx="10"/>
           </p:nvPr>
         </p:nvSpPr>
-        <p:spPr/>
+        <p:spPr>
+          <a:xfrm>
+            <a:off x="623348" y="749995"/>
+            <a:ext cx="4917044" cy="274320"/>
+          </a:xfrm>
+        </p:spPr>
         <p:txBody>
           <a:bodyPr/>
           <a:lstStyle/>
           <a:p>
             <a:r>
-              <a:rPr lang="en-US" dirty="0"/>
+              <a:rPr lang="en-US" dirty="0">
+                <a:solidFill>
+                  <a:schemeClr val="tx1"/>
+                </a:solidFill>
+              </a:rPr>
               <a:t>… which still work very well, but with limitations</a:t>
             </a:r>
           </a:p>
@@ -19376,14 +21738,14 @@
           <p:nvPr>
             <p:extLst>
               <p:ext uri="{D42A27DB-BD31-4B8C-83A1-F6EECF244321}">
-                <p14:modId xmlns:p14="http://schemas.microsoft.com/office/powerpoint/2010/main" val="1155002143"/>
+                <p14:modId xmlns:p14="http://schemas.microsoft.com/office/powerpoint/2010/main" val="3040816728"/>
               </p:ext>
             </p:extLst>
           </p:nvPr>
         </p:nvGraphicFramePr>
         <p:xfrm>
-          <a:off x="623348" y="1194318"/>
-          <a:ext cx="7350925" cy="3148393"/>
+          <a:off x="623347" y="1142468"/>
+          <a:ext cx="7614491" cy="3429562"/>
         </p:xfrm>
         <a:graphic>
           <a:graphicData uri="http://schemas.openxmlformats.org/drawingml/2006/table">
@@ -19392,21 +21754,21 @@
                 <a:tableStyleId>{5C22544A-7EE6-4342-B048-85BDC9FD1C3A}</a:tableStyleId>
               </a:tblPr>
               <a:tblGrid>
-                <a:gridCol w="2506980">
+                <a:gridCol w="2596867">
                   <a:extLst>
                     <a:ext uri="{9D8B030D-6E8A-4147-A177-3AD203B41FA5}">
                       <a16:colId xmlns:a16="http://schemas.microsoft.com/office/drawing/2014/main" val="1279173352"/>
                     </a:ext>
                   </a:extLst>
                 </a:gridCol>
-                <a:gridCol w="2248853">
+                <a:gridCol w="2329485">
                   <a:extLst>
                     <a:ext uri="{9D8B030D-6E8A-4147-A177-3AD203B41FA5}">
                       <a16:colId xmlns:a16="http://schemas.microsoft.com/office/drawing/2014/main" val="1096528273"/>
                     </a:ext>
                   </a:extLst>
                 </a:gridCol>
-                <a:gridCol w="2595092">
+                <a:gridCol w="2688139">
                   <a:extLst>
                     <a:ext uri="{9D8B030D-6E8A-4147-A177-3AD203B41FA5}">
                       <a16:colId xmlns:a16="http://schemas.microsoft.com/office/drawing/2014/main" val="3341016758"/>
@@ -19414,7 +21776,7 @@
                   </a:extLst>
                 </a:gridCol>
               </a:tblGrid>
-              <a:tr h="429357">
+              <a:tr h="390064">
                 <a:tc>
                   <a:txBody>
                     <a:bodyPr/>
@@ -19460,7 +21822,7 @@
                   </a:ext>
                 </a:extLst>
               </a:tr>
-              <a:tr h="423475">
+              <a:tr h="910149">
                 <a:tc>
                   <a:txBody>
                     <a:bodyPr/>
@@ -19509,10 +21871,35 @@
                     <a:bodyPr/>
                     <a:lstStyle/>
                     <a:p>
+                      <a:pPr marL="0" marR="0" lvl="0" indent="0" algn="l" defTabSz="914400" rtl="0" eaLnBrk="1" fontAlgn="auto" latinLnBrk="0" hangingPunct="1">
+                        <a:lnSpc>
+                          <a:spcPct val="100000"/>
+                        </a:lnSpc>
+                        <a:spcBef>
+                          <a:spcPts val="0"/>
+                        </a:spcBef>
+                        <a:spcAft>
+                          <a:spcPts val="0"/>
+                        </a:spcAft>
+                        <a:buClrTx/>
+                        <a:buSzTx/>
+                        <a:buFontTx/>
+                        <a:buNone/>
+                        <a:tabLst/>
+                        <a:defRPr/>
+                      </a:pPr>
                       <a:r>
                         <a:rPr lang="en-US" dirty="0"/>
                         <a:t>Slows execution speed</a:t>
                       </a:r>
+                      <a:br>
+                        <a:rPr lang="en-US" dirty="0"/>
+                      </a:br>
+                      <a:r>
+                        <a:rPr lang="en-US" sz="1600" dirty="0"/>
+                        <a:t>(impedes discovery of timing problems)</a:t>
+                      </a:r>
+                      <a:endParaRPr lang="en-US" dirty="0"/>
                     </a:p>
                   </a:txBody>
                   <a:tcPr/>
@@ -19523,7 +21910,78 @@
                   </a:ext>
                 </a:extLst>
               </a:tr>
-              <a:tr h="741081">
+              <a:tr h="910149">
+                <a:tc>
+                  <a:txBody>
+                    <a:bodyPr/>
+                    <a:lstStyle/>
+                    <a:p>
+                      <a:r>
+                        <a:rPr lang="en-US" dirty="0"/>
+                        <a:t>Single Stepping</a:t>
+                      </a:r>
+                    </a:p>
+                  </a:txBody>
+                  <a:tcPr/>
+                </a:tc>
+                <a:tc>
+                  <a:txBody>
+                    <a:bodyPr/>
+                    <a:lstStyle/>
+                    <a:p>
+                      <a:r>
+                        <a:rPr lang="en-US" dirty="0"/>
+                        <a:t>One operation at a time</a:t>
+                      </a:r>
+                    </a:p>
+                  </a:txBody>
+                  <a:tcPr/>
+                </a:tc>
+                <a:tc>
+                  <a:txBody>
+                    <a:bodyPr/>
+                    <a:lstStyle/>
+                    <a:p>
+                      <a:pPr marL="0" marR="0" lvl="0" indent="0" algn="l" defTabSz="914400" rtl="0" eaLnBrk="1" fontAlgn="auto" latinLnBrk="0" hangingPunct="1">
+                        <a:lnSpc>
+                          <a:spcPct val="100000"/>
+                        </a:lnSpc>
+                        <a:spcBef>
+                          <a:spcPts val="0"/>
+                        </a:spcBef>
+                        <a:spcAft>
+                          <a:spcPts val="0"/>
+                        </a:spcAft>
+                        <a:buClrTx/>
+                        <a:buSzTx/>
+                        <a:buFontTx/>
+                        <a:buNone/>
+                        <a:tabLst/>
+                        <a:defRPr/>
+                      </a:pPr>
+                      <a:r>
+                        <a:rPr lang="en-US" dirty="0"/>
+                        <a:t>Slows execution speed</a:t>
+                      </a:r>
+                      <a:br>
+                        <a:rPr lang="en-US" dirty="0"/>
+                      </a:br>
+                      <a:r>
+                        <a:rPr lang="en-US" sz="1600" dirty="0"/>
+                        <a:t>(impedes discovery of timing problems)</a:t>
+                      </a:r>
+                      <a:endParaRPr lang="en-US" dirty="0"/>
+                    </a:p>
+                  </a:txBody>
+                  <a:tcPr/>
+                </a:tc>
+                <a:extLst>
+                  <a:ext uri="{0D108BD9-81ED-4DB2-BD59-A6C34878D82A}">
+                    <a16:rowId xmlns:a16="http://schemas.microsoft.com/office/drawing/2014/main" val="950593399"/>
+                  </a:ext>
+                </a:extLst>
+              </a:tr>
+              <a:tr h="1202696">
                 <a:tc>
                   <a:txBody>
                     <a:bodyPr/>
@@ -19543,9 +22001,17 @@
                     <a:lstStyle/>
                     <a:p>
                       <a:r>
-                        <a:rPr lang="en-US" dirty="0"/>
+                        <a:rPr lang="en-US" sz="1600" dirty="0"/>
                         <a:t>Pause execution at this exact point</a:t>
                       </a:r>
+                      <a:br>
+                        <a:rPr lang="en-US" dirty="0"/>
+                      </a:br>
+                      <a:r>
+                        <a:rPr lang="en-US" sz="1400" dirty="0"/>
+                        <a:t>(useful for beginning execution highlighting and single stepping)</a:t>
+                      </a:r>
+                      <a:endParaRPr lang="en-US" dirty="0"/>
                     </a:p>
                   </a:txBody>
                   <a:tcPr/>
@@ -19559,6 +22025,14 @@
                         <a:rPr lang="en-US" dirty="0"/>
                         <a:t>Persistent</a:t>
                       </a:r>
+                      <a:br>
+                        <a:rPr lang="en-US" dirty="0"/>
+                      </a:br>
+                      <a:r>
+                        <a:rPr lang="en-US" sz="1600" dirty="0"/>
+                        <a:t>(must remember to remove them before deployment)</a:t>
+                      </a:r>
+                      <a:endParaRPr lang="en-US" dirty="0"/>
                     </a:p>
                   </a:txBody>
                   <a:tcPr/>
@@ -19569,7 +22043,271 @@
                   </a:ext>
                 </a:extLst>
               </a:tr>
-              <a:tr h="429357">
+            </a:tbl>
+          </a:graphicData>
+        </a:graphic>
+      </p:graphicFrame>
+      <p:pic>
+        <p:nvPicPr>
+          <p:cNvPr id="8" name="Picture 7"/>
+          <p:cNvPicPr>
+            <a:picLocks noChangeAspect="1"/>
+          </p:cNvPicPr>
+          <p:nvPr/>
+        </p:nvPicPr>
+        <p:blipFill>
+          <a:blip r:embed="rId3"/>
+          <a:stretch>
+            <a:fillRect/>
+          </a:stretch>
+        </p:blipFill>
+        <p:spPr>
+          <a:xfrm>
+            <a:off x="2626300" y="1886465"/>
+            <a:ext cx="487603" cy="462207"/>
+          </a:xfrm>
+          <a:prstGeom prst="rect">
+            <a:avLst/>
+          </a:prstGeom>
+        </p:spPr>
+      </p:pic>
+      <p:pic>
+        <p:nvPicPr>
+          <p:cNvPr id="9" name="Picture 8"/>
+          <p:cNvPicPr>
+            <a:picLocks noChangeAspect="1"/>
+          </p:cNvPicPr>
+          <p:nvPr/>
+        </p:nvPicPr>
+        <p:blipFill>
+          <a:blip r:embed="rId4"/>
+          <a:stretch>
+            <a:fillRect/>
+          </a:stretch>
+        </p:blipFill>
+        <p:spPr>
+          <a:xfrm>
+            <a:off x="1763930" y="2816059"/>
+            <a:ext cx="1349973" cy="470445"/>
+          </a:xfrm>
+          <a:prstGeom prst="rect">
+            <a:avLst/>
+          </a:prstGeom>
+        </p:spPr>
+      </p:pic>
+      <p:pic>
+        <p:nvPicPr>
+          <p:cNvPr id="10" name="Picture 9"/>
+          <p:cNvPicPr>
+            <a:picLocks noChangeAspect="1"/>
+          </p:cNvPicPr>
+          <p:nvPr/>
+        </p:nvPicPr>
+        <p:blipFill>
+          <a:blip r:embed="rId5"/>
+          <a:stretch>
+            <a:fillRect/>
+          </a:stretch>
+        </p:blipFill>
+        <p:spPr>
+          <a:xfrm>
+            <a:off x="2183946" y="3997549"/>
+            <a:ext cx="929957" cy="475311"/>
+          </a:xfrm>
+          <a:prstGeom prst="rect">
+            <a:avLst/>
+          </a:prstGeom>
+        </p:spPr>
+      </p:pic>
+    </p:spTree>
+    <p:extLst>
+      <p:ext uri="{BB962C8B-B14F-4D97-AF65-F5344CB8AC3E}">
+        <p14:creationId xmlns:p14="http://schemas.microsoft.com/office/powerpoint/2010/main" val="3036296531"/>
+      </p:ext>
+    </p:extLst>
+  </p:cSld>
+  <p:clrMapOvr>
+    <a:masterClrMapping/>
+  </p:clrMapOvr>
+  <mc:AlternateContent xmlns:mc="http://schemas.openxmlformats.org/markup-compatibility/2006" xmlns:p14="http://schemas.microsoft.com/office/powerpoint/2010/main">
+    <mc:Choice Requires="p14">
+      <p:transition spd="med" p14:dur="700">
+        <p:fade/>
+      </p:transition>
+    </mc:Choice>
+    <mc:Fallback xmlns="">
+      <p:transition spd="med">
+        <p:fade/>
+      </p:transition>
+    </mc:Fallback>
+  </mc:AlternateContent>
+</p:sld>
+</file>
+
+<file path=ppt/slides/slide9.xml><?xml version="1.0" encoding="utf-8"?>
+<p:sld xmlns:a="http://schemas.openxmlformats.org/drawingml/2006/main" xmlns:r="http://schemas.openxmlformats.org/officeDocument/2006/relationships" xmlns:p="http://schemas.openxmlformats.org/presentationml/2006/main">
+  <p:cSld>
+    <p:spTree>
+      <p:nvGrpSpPr>
+        <p:cNvPr id="1" name=""/>
+        <p:cNvGrpSpPr/>
+        <p:nvPr/>
+      </p:nvGrpSpPr>
+      <p:grpSpPr>
+        <a:xfrm>
+          <a:off x="0" y="0"/>
+          <a:ext cx="0" cy="0"/>
+          <a:chOff x="0" y="0"/>
+          <a:chExt cx="0" cy="0"/>
+        </a:xfrm>
+      </p:grpSpPr>
+      <p:sp>
+        <p:nvSpPr>
+          <p:cNvPr id="2" name="Title 1"/>
+          <p:cNvSpPr>
+            <a:spLocks noGrp="1"/>
+          </p:cNvSpPr>
+          <p:nvPr>
+            <p:ph type="title"/>
+          </p:nvPr>
+        </p:nvSpPr>
+        <p:spPr/>
+        <p:txBody>
+          <a:bodyPr/>
+          <a:lstStyle/>
+          <a:p>
+            <a:r>
+              <a:rPr lang="en-US" dirty="0"/>
+              <a:t>Tried &amp; True, Conventional Debugging Tools</a:t>
+            </a:r>
+          </a:p>
+        </p:txBody>
+      </p:sp>
+      <p:sp>
+        <p:nvSpPr>
+          <p:cNvPr id="4" name="Text Placeholder 3"/>
+          <p:cNvSpPr>
+            <a:spLocks noGrp="1"/>
+          </p:cNvSpPr>
+          <p:nvPr>
+            <p:ph type="body" sz="quarter" idx="10"/>
+          </p:nvPr>
+        </p:nvSpPr>
+        <p:spPr>
+          <a:xfrm>
+            <a:off x="623348" y="749995"/>
+            <a:ext cx="4925282" cy="274320"/>
+          </a:xfrm>
+        </p:spPr>
+        <p:txBody>
+          <a:bodyPr/>
+          <a:lstStyle/>
+          <a:p>
+            <a:r>
+              <a:rPr lang="en-US" dirty="0">
+                <a:solidFill>
+                  <a:schemeClr val="tx1"/>
+                </a:solidFill>
+              </a:rPr>
+              <a:t>… which still work very well, but with limitations</a:t>
+            </a:r>
+          </a:p>
+        </p:txBody>
+      </p:sp>
+      <p:graphicFrame>
+        <p:nvGraphicFramePr>
+          <p:cNvPr id="5" name="Table 4"/>
+          <p:cNvGraphicFramePr>
+            <a:graphicFrameLocks noGrp="1"/>
+          </p:cNvGraphicFramePr>
+          <p:nvPr>
+            <p:extLst>
+              <p:ext uri="{D42A27DB-BD31-4B8C-83A1-F6EECF244321}">
+                <p14:modId xmlns:p14="http://schemas.microsoft.com/office/powerpoint/2010/main" val="328360044"/>
+              </p:ext>
+            </p:extLst>
+          </p:nvPr>
+        </p:nvGraphicFramePr>
+        <p:xfrm>
+          <a:off x="623348" y="1125994"/>
+          <a:ext cx="7622727" cy="3297358"/>
+        </p:xfrm>
+        <a:graphic>
+          <a:graphicData uri="http://schemas.openxmlformats.org/drawingml/2006/table">
+            <a:tbl>
+              <a:tblPr firstRow="1" bandRow="1">
+                <a:tableStyleId>{5C22544A-7EE6-4342-B048-85BDC9FD1C3A}</a:tableStyleId>
+              </a:tblPr>
+              <a:tblGrid>
+                <a:gridCol w="2599676">
+                  <a:extLst>
+                    <a:ext uri="{9D8B030D-6E8A-4147-A177-3AD203B41FA5}">
+                      <a16:colId xmlns:a16="http://schemas.microsoft.com/office/drawing/2014/main" val="1279173352"/>
+                    </a:ext>
+                  </a:extLst>
+                </a:gridCol>
+                <a:gridCol w="2332005">
+                  <a:extLst>
+                    <a:ext uri="{9D8B030D-6E8A-4147-A177-3AD203B41FA5}">
+                      <a16:colId xmlns:a16="http://schemas.microsoft.com/office/drawing/2014/main" val="1096528273"/>
+                    </a:ext>
+                  </a:extLst>
+                </a:gridCol>
+                <a:gridCol w="2691046">
+                  <a:extLst>
+                    <a:ext uri="{9D8B030D-6E8A-4147-A177-3AD203B41FA5}">
+                      <a16:colId xmlns:a16="http://schemas.microsoft.com/office/drawing/2014/main" val="3341016758"/>
+                    </a:ext>
+                  </a:extLst>
+                </a:gridCol>
+              </a:tblGrid>
+              <a:tr h="421309">
+                <a:tc>
+                  <a:txBody>
+                    <a:bodyPr/>
+                    <a:lstStyle/>
+                    <a:p>
+                      <a:r>
+                        <a:rPr lang="en-US" dirty="0"/>
+                        <a:t>Built-in Debug Tool</a:t>
+                      </a:r>
+                    </a:p>
+                  </a:txBody>
+                  <a:tcPr/>
+                </a:tc>
+                <a:tc>
+                  <a:txBody>
+                    <a:bodyPr/>
+                    <a:lstStyle/>
+                    <a:p>
+                      <a:r>
+                        <a:rPr lang="en-US" dirty="0"/>
+                        <a:t>Pros</a:t>
+                      </a:r>
+                    </a:p>
+                  </a:txBody>
+                  <a:tcPr/>
+                </a:tc>
+                <a:tc>
+                  <a:txBody>
+                    <a:bodyPr/>
+                    <a:lstStyle/>
+                    <a:p>
+                      <a:r>
+                        <a:rPr lang="en-US" dirty="0"/>
+                        <a:t>Cons</a:t>
+                      </a:r>
+                    </a:p>
+                  </a:txBody>
+                  <a:tcPr/>
+                </a:tc>
+                <a:extLst>
+                  <a:ext uri="{0D108BD9-81ED-4DB2-BD59-A6C34878D82A}">
+                    <a16:rowId xmlns:a16="http://schemas.microsoft.com/office/drawing/2014/main" val="2020939110"/>
+                  </a:ext>
+                </a:extLst>
+              </a:tr>
+              <a:tr h="1198353">
                 <a:tc>
                   <a:txBody>
                     <a:bodyPr/>
@@ -19590,7 +22328,7 @@
                     <a:p>
                       <a:r>
                         <a:rPr lang="en-US" dirty="0"/>
-                        <a:t>Peek at wire values</a:t>
+                        <a:t>Peek at wire values throughout execution</a:t>
                       </a:r>
                     </a:p>
                   </a:txBody>
@@ -19639,7 +22377,73 @@
                   </a:ext>
                 </a:extLst>
               </a:tr>
-              <a:tr h="429357">
+              <a:tr h="838848">
+                <a:tc>
+                  <a:txBody>
+                    <a:bodyPr/>
+                    <a:lstStyle/>
+                    <a:p>
+                      <a:pPr marL="0" marR="0" lvl="0" indent="0" algn="l" defTabSz="914400" rtl="0" eaLnBrk="1" fontAlgn="auto" latinLnBrk="0" hangingPunct="1">
+                        <a:lnSpc>
+                          <a:spcPct val="100000"/>
+                        </a:lnSpc>
+                        <a:spcBef>
+                          <a:spcPts val="0"/>
+                        </a:spcBef>
+                        <a:spcAft>
+                          <a:spcPts val="0"/>
+                        </a:spcAft>
+                        <a:buClrTx/>
+                        <a:buSzTx/>
+                        <a:buFontTx/>
+                        <a:buNone/>
+                        <a:tabLst/>
+                        <a:defRPr/>
+                      </a:pPr>
+                      <a:r>
+                        <a:rPr lang="en-US" dirty="0"/>
+                        <a:t>Conditional Probes</a:t>
+                      </a:r>
+                    </a:p>
+                    <a:p>
+                      <a:endParaRPr lang="en-US" dirty="0"/>
+                    </a:p>
+                  </a:txBody>
+                  <a:tcPr/>
+                </a:tc>
+                <a:tc>
+                  <a:txBody>
+                    <a:bodyPr/>
+                    <a:lstStyle/>
+                    <a:p>
+                      <a:r>
+                        <a:rPr lang="en-US" sz="1600" dirty="0"/>
+                        <a:t>+ “pause if value” logic</a:t>
+                      </a:r>
+                    </a:p>
+                  </a:txBody>
+                  <a:tcPr/>
+                </a:tc>
+                <a:tc>
+                  <a:txBody>
+                    <a:bodyPr/>
+                    <a:lstStyle/>
+                    <a:p>
+                      <a:r>
+                        <a:rPr lang="en-US" dirty="0"/>
+                        <a:t>Not available for all datatypes</a:t>
+                      </a:r>
+                    </a:p>
+                  </a:txBody>
+                  <a:tcPr/>
+                </a:tc>
+                <a:extLst>
+                  <a:ext uri="{0D108BD9-81ED-4DB2-BD59-A6C34878D82A}">
+                    <a16:rowId xmlns:a16="http://schemas.microsoft.com/office/drawing/2014/main" val="3815152139"/>
+                  </a:ext>
+                </a:extLst>
+              </a:tr>
+              <a:tr h="838848">
                 <a:tc>
                   <a:txBody>
                     <a:bodyPr/>
@@ -19689,554 +22493,82 @@
           </a:graphicData>
         </a:graphic>
       </p:graphicFrame>
+      <p:pic>
+        <p:nvPicPr>
+          <p:cNvPr id="11" name="Picture 10"/>
+          <p:cNvPicPr>
+            <a:picLocks noChangeAspect="1"/>
+          </p:cNvPicPr>
+          <p:nvPr/>
+        </p:nvPicPr>
+        <p:blipFill>
+          <a:blip r:embed="rId3"/>
+          <a:stretch>
+            <a:fillRect/>
+          </a:stretch>
+        </p:blipFill>
+        <p:spPr>
+          <a:xfrm>
+            <a:off x="2296232" y="3036500"/>
+            <a:ext cx="888399" cy="533040"/>
+          </a:xfrm>
+          <a:prstGeom prst="rect">
+            <a:avLst/>
+          </a:prstGeom>
+        </p:spPr>
+      </p:pic>
+      <p:pic>
+        <p:nvPicPr>
+          <p:cNvPr id="12" name="Picture 11"/>
+          <p:cNvPicPr>
+            <a:picLocks noChangeAspect="1"/>
+          </p:cNvPicPr>
+          <p:nvPr/>
+        </p:nvPicPr>
+        <p:blipFill>
+          <a:blip r:embed="rId4"/>
+          <a:stretch>
+            <a:fillRect/>
+          </a:stretch>
+        </p:blipFill>
+        <p:spPr>
+          <a:xfrm>
+            <a:off x="1392194" y="1861751"/>
+            <a:ext cx="1808077" cy="853978"/>
+          </a:xfrm>
+          <a:prstGeom prst="rect">
+            <a:avLst/>
+          </a:prstGeom>
+        </p:spPr>
+      </p:pic>
+      <p:pic>
+        <p:nvPicPr>
+          <p:cNvPr id="13" name="Picture 12"/>
+          <p:cNvPicPr>
+            <a:picLocks noChangeAspect="1"/>
+          </p:cNvPicPr>
+          <p:nvPr/>
+        </p:nvPicPr>
+        <p:blipFill>
+          <a:blip r:embed="rId5"/>
+          <a:stretch>
+            <a:fillRect/>
+          </a:stretch>
+        </p:blipFill>
+        <p:spPr>
+          <a:xfrm>
+            <a:off x="2471241" y="3679457"/>
+            <a:ext cx="647700" cy="647700"/>
+          </a:xfrm>
+          <a:prstGeom prst="rect">
+            <a:avLst/>
+          </a:prstGeom>
+        </p:spPr>
+      </p:pic>
     </p:spTree>
     <p:extLst>
       <p:ext uri="{BB962C8B-B14F-4D97-AF65-F5344CB8AC3E}">
         <p14:creationId xmlns:p14="http://schemas.microsoft.com/office/powerpoint/2010/main" val="1864032667"/>
-      </p:ext>
-    </p:extLst>
-  </p:cSld>
-  <p:clrMapOvr>
-    <a:masterClrMapping/>
-  </p:clrMapOvr>
-  <mc:AlternateContent xmlns:mc="http://schemas.openxmlformats.org/markup-compatibility/2006" xmlns:p14="http://schemas.microsoft.com/office/powerpoint/2010/main">
-    <mc:Choice Requires="p14">
-      <p:transition spd="med" p14:dur="700">
-        <p:fade/>
-      </p:transition>
-    </mc:Choice>
-    <mc:Fallback xmlns="">
-      <p:transition spd="med">
-        <p:fade/>
-      </p:transition>
-    </mc:Fallback>
-  </mc:AlternateContent>
-</p:sld>
-</file>
-
-<file path=ppt/slides/slide9.xml><?xml version="1.0" encoding="utf-8"?>
-<p:sld xmlns:a="http://schemas.openxmlformats.org/drawingml/2006/main" xmlns:r="http://schemas.openxmlformats.org/officeDocument/2006/relationships" xmlns:p="http://schemas.openxmlformats.org/presentationml/2006/main">
-  <p:cSld>
-    <p:spTree>
-      <p:nvGrpSpPr>
-        <p:cNvPr id="1" name=""/>
-        <p:cNvGrpSpPr/>
-        <p:nvPr/>
-      </p:nvGrpSpPr>
-      <p:grpSpPr>
-        <a:xfrm>
-          <a:off x="0" y="0"/>
-          <a:ext cx="0" cy="0"/>
-          <a:chOff x="0" y="0"/>
-          <a:chExt cx="0" cy="0"/>
-        </a:xfrm>
-      </p:grpSpPr>
-      <p:sp>
-        <p:nvSpPr>
-          <p:cNvPr id="3" name="Title 2"/>
-          <p:cNvSpPr>
-            <a:spLocks noGrp="1"/>
-          </p:cNvSpPr>
-          <p:nvPr>
-            <p:ph type="title"/>
-          </p:nvPr>
-        </p:nvSpPr>
-        <p:spPr/>
-        <p:txBody>
-          <a:bodyPr/>
-          <a:lstStyle/>
-          <a:p>
-            <a:r>
-              <a:rPr lang="en-US" dirty="0"/>
-              <a:t>Probes</a:t>
-            </a:r>
-          </a:p>
-        </p:txBody>
-      </p:sp>
-      <p:sp>
-        <p:nvSpPr>
-          <p:cNvPr id="5" name="Content Placeholder 2"/>
-          <p:cNvSpPr txBox="1">
-            <a:spLocks/>
-          </p:cNvSpPr>
-          <p:nvPr/>
-        </p:nvSpPr>
-        <p:spPr>
-          <a:xfrm>
-            <a:off x="478333" y="1031584"/>
-            <a:ext cx="8030400" cy="3501914"/>
-          </a:xfrm>
-          <a:prstGeom prst="rect">
-            <a:avLst/>
-          </a:prstGeom>
-        </p:spPr>
-        <p:txBody>
-          <a:bodyPr vert="horz" lIns="0" tIns="45717" rIns="0" bIns="45717" rtlCol="0">
-            <a:noAutofit/>
-          </a:bodyPr>
-          <a:lstStyle>
-            <a:lvl1pPr marL="182880" marR="0" indent="-182880" algn="l" defTabSz="914400" rtl="0" eaLnBrk="1" fontAlgn="auto" latinLnBrk="0" hangingPunct="1">
-              <a:lnSpc>
-                <a:spcPct val="100000"/>
-              </a:lnSpc>
-              <a:spcBef>
-                <a:spcPts val="400"/>
-              </a:spcBef>
-              <a:spcAft>
-                <a:spcPts val="0"/>
-              </a:spcAft>
-              <a:buClr>
-                <a:schemeClr val="bg2">
-                  <a:lumMod val="50000"/>
-                </a:schemeClr>
-              </a:buClr>
-              <a:buSzPct val="70000"/>
-              <a:buFont typeface="Wingdings" charset="2"/>
-              <a:buChar char="§"/>
-              <a:tabLst>
-                <a:tab pos="182880" algn="l"/>
-              </a:tabLst>
-              <a:defRPr lang="en-US" sz="1800" b="0" i="0" kern="1200" baseline="0">
-                <a:solidFill>
-                  <a:schemeClr val="bg2">
-                    <a:lumMod val="25000"/>
-                  </a:schemeClr>
-                </a:solidFill>
-                <a:latin typeface="+mn-lt"/>
-                <a:ea typeface="Arial" charset="0"/>
-                <a:cs typeface="Univers LT Std 45 Light"/>
-              </a:defRPr>
-            </a:lvl1pPr>
-            <a:lvl2pPr marL="457200" indent="-182880" algn="l" defTabSz="914400" rtl="0" eaLnBrk="1" latinLnBrk="0" hangingPunct="1">
-              <a:lnSpc>
-                <a:spcPct val="90000"/>
-              </a:lnSpc>
-              <a:spcBef>
-                <a:spcPts val="500"/>
-              </a:spcBef>
-              <a:buClr>
-                <a:schemeClr val="bg2">
-                  <a:lumMod val="50000"/>
-                </a:schemeClr>
-              </a:buClr>
-              <a:buSzPct val="70000"/>
-              <a:buFont typeface="Wingdings" charset="2"/>
-              <a:buChar char="§"/>
-              <a:defRPr lang="en-US" sz="1600" b="0" i="0" kern="1200" baseline="0">
-                <a:solidFill>
-                  <a:schemeClr val="bg2">
-                    <a:lumMod val="25000"/>
-                  </a:schemeClr>
-                </a:solidFill>
-                <a:latin typeface="+mn-lt"/>
-                <a:ea typeface="+mn-ea"/>
-                <a:cs typeface="Univers LT Std 45 Light"/>
-              </a:defRPr>
-            </a:lvl2pPr>
-            <a:lvl3pPr marL="731520" indent="-182880" algn="l" defTabSz="914400" rtl="0" eaLnBrk="1" latinLnBrk="0" hangingPunct="1">
-              <a:lnSpc>
-                <a:spcPct val="90000"/>
-              </a:lnSpc>
-              <a:spcBef>
-                <a:spcPts val="500"/>
-              </a:spcBef>
-              <a:buClr>
-                <a:schemeClr val="bg2">
-                  <a:lumMod val="50000"/>
-                </a:schemeClr>
-              </a:buClr>
-              <a:buSzPct val="70000"/>
-              <a:buFont typeface="Wingdings" charset="2"/>
-              <a:buChar char="§"/>
-              <a:defRPr lang="en-US" sz="1400" b="0" i="0" kern="1200" baseline="0">
-                <a:solidFill>
-                  <a:schemeClr val="bg2">
-                    <a:lumMod val="25000"/>
-                  </a:schemeClr>
-                </a:solidFill>
-                <a:latin typeface="+mn-lt"/>
-                <a:ea typeface="+mn-ea"/>
-                <a:cs typeface="Univers LT Std 45 Light"/>
-              </a:defRPr>
-            </a:lvl3pPr>
-            <a:lvl4pPr marL="914400" indent="-182880" algn="l" defTabSz="914400" rtl="0" eaLnBrk="1" latinLnBrk="0" hangingPunct="1">
-              <a:lnSpc>
-                <a:spcPct val="90000"/>
-              </a:lnSpc>
-              <a:spcBef>
-                <a:spcPts val="500"/>
-              </a:spcBef>
-              <a:buClr>
-                <a:schemeClr val="bg2">
-                  <a:lumMod val="50000"/>
-                </a:schemeClr>
-              </a:buClr>
-              <a:buSzPct val="70000"/>
-              <a:buFont typeface="Wingdings" charset="2"/>
-              <a:buChar char="§"/>
-              <a:defRPr lang="en-US" sz="1400" b="0" i="0" kern="1200" baseline="0">
-                <a:solidFill>
-                  <a:schemeClr val="bg2">
-                    <a:lumMod val="25000"/>
-                  </a:schemeClr>
-                </a:solidFill>
-                <a:latin typeface="+mn-lt"/>
-                <a:ea typeface="+mn-ea"/>
-                <a:cs typeface="Univers LT Std 45 Light"/>
-              </a:defRPr>
-            </a:lvl4pPr>
-            <a:lvl5pPr marL="1828800" indent="0" algn="l" defTabSz="914400" rtl="0" eaLnBrk="1" latinLnBrk="0" hangingPunct="1">
-              <a:lnSpc>
-                <a:spcPct val="90000"/>
-              </a:lnSpc>
-              <a:spcBef>
-                <a:spcPts val="500"/>
-              </a:spcBef>
-              <a:buFont typeface="Arial"/>
-              <a:buNone/>
-              <a:defRPr sz="1400" b="0" i="0" kern="1200" baseline="0">
-                <a:solidFill>
-                  <a:schemeClr val="bg2">
-                    <a:lumMod val="25000"/>
-                  </a:schemeClr>
-                </a:solidFill>
-                <a:latin typeface="+mn-lt"/>
-                <a:ea typeface="Helvetica Neue Light" charset="0"/>
-                <a:cs typeface="Helvetica Neue Light" charset="0"/>
-              </a:defRPr>
-            </a:lvl5pPr>
-            <a:lvl6pPr marL="2514600" indent="-228600" algn="l" defTabSz="914400" rtl="0" eaLnBrk="1" latinLnBrk="0" hangingPunct="1">
-              <a:lnSpc>
-                <a:spcPct val="90000"/>
-              </a:lnSpc>
-              <a:spcBef>
-                <a:spcPts val="500"/>
-              </a:spcBef>
-              <a:buFont typeface="Arial"/>
-              <a:buChar char="•"/>
-              <a:defRPr sz="1800" kern="1200">
-                <a:solidFill>
-                  <a:schemeClr val="tx1"/>
-                </a:solidFill>
-                <a:latin typeface="+mn-lt"/>
-                <a:ea typeface="+mn-ea"/>
-                <a:cs typeface="+mn-cs"/>
-              </a:defRPr>
-            </a:lvl6pPr>
-            <a:lvl7pPr marL="2971800" indent="-228600" algn="l" defTabSz="914400" rtl="0" eaLnBrk="1" latinLnBrk="0" hangingPunct="1">
-              <a:lnSpc>
-                <a:spcPct val="90000"/>
-              </a:lnSpc>
-              <a:spcBef>
-                <a:spcPts val="500"/>
-              </a:spcBef>
-              <a:buFont typeface="Arial"/>
-              <a:buChar char="•"/>
-              <a:defRPr sz="1800" kern="1200">
-                <a:solidFill>
-                  <a:schemeClr val="tx1"/>
-                </a:solidFill>
-                <a:latin typeface="+mn-lt"/>
-                <a:ea typeface="+mn-ea"/>
-                <a:cs typeface="+mn-cs"/>
-              </a:defRPr>
-            </a:lvl7pPr>
-            <a:lvl8pPr marL="3429000" indent="-228600" algn="l" defTabSz="914400" rtl="0" eaLnBrk="1" latinLnBrk="0" hangingPunct="1">
-              <a:lnSpc>
-                <a:spcPct val="90000"/>
-              </a:lnSpc>
-              <a:spcBef>
-                <a:spcPts val="500"/>
-              </a:spcBef>
-              <a:buFont typeface="Arial"/>
-              <a:buChar char="•"/>
-              <a:defRPr sz="1800" kern="1200">
-                <a:solidFill>
-                  <a:schemeClr val="tx1"/>
-                </a:solidFill>
-                <a:latin typeface="+mn-lt"/>
-                <a:ea typeface="+mn-ea"/>
-                <a:cs typeface="+mn-cs"/>
-              </a:defRPr>
-            </a:lvl8pPr>
-            <a:lvl9pPr marL="3886200" indent="-228600" algn="l" defTabSz="914400" rtl="0" eaLnBrk="1" latinLnBrk="0" hangingPunct="1">
-              <a:lnSpc>
-                <a:spcPct val="90000"/>
-              </a:lnSpc>
-              <a:spcBef>
-                <a:spcPts val="500"/>
-              </a:spcBef>
-              <a:buFont typeface="Arial"/>
-              <a:buChar char="•"/>
-              <a:defRPr sz="1800" kern="1200">
-                <a:solidFill>
-                  <a:schemeClr val="tx1"/>
-                </a:solidFill>
-                <a:latin typeface="+mn-lt"/>
-                <a:ea typeface="+mn-ea"/>
-                <a:cs typeface="+mn-cs"/>
-              </a:defRPr>
-            </a:lvl9pPr>
-          </a:lstStyle>
-          <a:p>
-            <a:r>
-              <a:rPr lang="en-US" sz="2400" dirty="0"/>
-              <a:t>Review of Generic Probes</a:t>
-            </a:r>
-          </a:p>
-          <a:p>
-            <a:pPr lvl="1"/>
-            <a:r>
-              <a:rPr lang="en-US" sz="2000" dirty="0"/>
-              <a:t>Retain Wire Values</a:t>
-            </a:r>
-          </a:p>
-          <a:p>
-            <a:r>
-              <a:rPr lang="en-US" sz="2400" b="1" dirty="0"/>
-              <a:t>Custom Probes</a:t>
-            </a:r>
-          </a:p>
-          <a:p>
-            <a:pPr lvl="1"/>
-            <a:r>
-              <a:rPr lang="en-US" sz="2000" dirty="0"/>
-              <a:t>Custom Probes        Controls (look Mom, no code!)</a:t>
-            </a:r>
-          </a:p>
-          <a:p>
-            <a:pPr lvl="1"/>
-            <a:r>
-              <a:rPr lang="en-US" sz="2000" dirty="0"/>
-              <a:t>Custom Probes        NI (native)</a:t>
-            </a:r>
-          </a:p>
-          <a:p>
-            <a:pPr lvl="2"/>
-            <a:r>
-              <a:rPr lang="en-US" sz="1800" dirty="0"/>
-              <a:t>Conditional</a:t>
-            </a:r>
-          </a:p>
-          <a:p>
-            <a:pPr lvl="1"/>
-            <a:r>
-              <a:rPr lang="en-US" sz="2000" dirty="0"/>
-              <a:t>Custom Probes        </a:t>
-            </a:r>
-            <a:r>
-              <a:rPr lang="en-US" sz="2000" dirty="0" err="1"/>
-              <a:t>Saphir</a:t>
-            </a:r>
-            <a:r>
-              <a:rPr lang="en-US" sz="2000" dirty="0"/>
-              <a:t> (3</a:t>
-            </a:r>
-            <a:r>
-              <a:rPr lang="en-US" sz="2000" baseline="30000" dirty="0"/>
-              <a:t>rd</a:t>
-            </a:r>
-            <a:r>
-              <a:rPr lang="en-US" sz="2000" dirty="0"/>
-              <a:t> party, </a:t>
-            </a:r>
-            <a:r>
-              <a:rPr lang="en-US" sz="2000" dirty="0" err="1"/>
-              <a:t>ViBox</a:t>
-            </a:r>
-            <a:r>
-              <a:rPr lang="en-US" sz="2000" dirty="0"/>
-              <a:t> – Probes)</a:t>
-            </a:r>
-          </a:p>
-          <a:p>
-            <a:pPr lvl="1"/>
-            <a:r>
-              <a:rPr lang="en-US" sz="2000" dirty="0"/>
-              <a:t>Custom Probes        New (roll your own)</a:t>
-            </a:r>
-          </a:p>
-          <a:p>
-            <a:pPr lvl="1"/>
-            <a:r>
-              <a:rPr lang="en-US" sz="2000" dirty="0"/>
-              <a:t>Variant Probe (by Ton </a:t>
-            </a:r>
-            <a:r>
-              <a:rPr lang="en-US" sz="2000" dirty="0" err="1"/>
-              <a:t>Plomp</a:t>
-            </a:r>
-            <a:r>
-              <a:rPr lang="en-US" sz="2000" dirty="0"/>
-              <a:t>)</a:t>
-            </a:r>
-          </a:p>
-        </p:txBody>
-      </p:sp>
-      <p:sp>
-        <p:nvSpPr>
-          <p:cNvPr id="8" name="Isosceles Triangle 7"/>
-          <p:cNvSpPr/>
-          <p:nvPr/>
-        </p:nvSpPr>
-        <p:spPr>
-          <a:xfrm rot="5400000">
-            <a:off x="2848175" y="2312571"/>
-            <a:ext cx="188976" cy="153162"/>
-          </a:xfrm>
-          <a:prstGeom prst="triangle">
-            <a:avLst/>
-          </a:prstGeom>
-        </p:spPr>
-        <p:style>
-          <a:lnRef idx="2">
-            <a:schemeClr val="accent1">
-              <a:shade val="50000"/>
-            </a:schemeClr>
-          </a:lnRef>
-          <a:fillRef idx="1">
-            <a:schemeClr val="accent1"/>
-          </a:fillRef>
-          <a:effectRef idx="0">
-            <a:schemeClr val="accent1"/>
-          </a:effectRef>
-          <a:fontRef idx="minor">
-            <a:schemeClr val="lt1"/>
-          </a:fontRef>
-        </p:style>
-        <p:txBody>
-          <a:bodyPr rtlCol="0" anchor="ctr"/>
-          <a:lstStyle/>
-          <a:p>
-            <a:pPr algn="ctr"/>
-            <a:endParaRPr lang="en-US"/>
-          </a:p>
-        </p:txBody>
-      </p:sp>
-      <p:sp>
-        <p:nvSpPr>
-          <p:cNvPr id="9" name="Isosceles Triangle 8"/>
-          <p:cNvSpPr/>
-          <p:nvPr/>
-        </p:nvSpPr>
-        <p:spPr>
-          <a:xfrm rot="5400000">
-            <a:off x="2848175" y="2649778"/>
-            <a:ext cx="188976" cy="153162"/>
-          </a:xfrm>
-          <a:prstGeom prst="triangle">
-            <a:avLst/>
-          </a:prstGeom>
-        </p:spPr>
-        <p:style>
-          <a:lnRef idx="2">
-            <a:schemeClr val="accent1">
-              <a:shade val="50000"/>
-            </a:schemeClr>
-          </a:lnRef>
-          <a:fillRef idx="1">
-            <a:schemeClr val="accent1"/>
-          </a:fillRef>
-          <a:effectRef idx="0">
-            <a:schemeClr val="accent1"/>
-          </a:effectRef>
-          <a:fontRef idx="minor">
-            <a:schemeClr val="lt1"/>
-          </a:fontRef>
-        </p:style>
-        <p:txBody>
-          <a:bodyPr rtlCol="0" anchor="ctr"/>
-          <a:lstStyle/>
-          <a:p>
-            <a:pPr algn="ctr"/>
-            <a:endParaRPr lang="en-US"/>
-          </a:p>
-        </p:txBody>
-      </p:sp>
-      <p:sp>
-        <p:nvSpPr>
-          <p:cNvPr id="10" name="Isosceles Triangle 9"/>
-          <p:cNvSpPr/>
-          <p:nvPr/>
-        </p:nvSpPr>
-        <p:spPr>
-          <a:xfrm rot="5400000">
-            <a:off x="2848175" y="3288211"/>
-            <a:ext cx="188976" cy="153162"/>
-          </a:xfrm>
-          <a:prstGeom prst="triangle">
-            <a:avLst/>
-          </a:prstGeom>
-        </p:spPr>
-        <p:style>
-          <a:lnRef idx="2">
-            <a:schemeClr val="accent1">
-              <a:shade val="50000"/>
-            </a:schemeClr>
-          </a:lnRef>
-          <a:fillRef idx="1">
-            <a:schemeClr val="accent1"/>
-          </a:fillRef>
-          <a:effectRef idx="0">
-            <a:schemeClr val="accent1"/>
-          </a:effectRef>
-          <a:fontRef idx="minor">
-            <a:schemeClr val="lt1"/>
-          </a:fontRef>
-        </p:style>
-        <p:txBody>
-          <a:bodyPr rtlCol="0" anchor="ctr"/>
-          <a:lstStyle/>
-          <a:p>
-            <a:pPr algn="ctr"/>
-            <a:endParaRPr lang="en-US"/>
-          </a:p>
-        </p:txBody>
-      </p:sp>
-      <p:sp>
-        <p:nvSpPr>
-          <p:cNvPr id="11" name="Isosceles Triangle 10"/>
-          <p:cNvSpPr/>
-          <p:nvPr/>
-        </p:nvSpPr>
-        <p:spPr>
-          <a:xfrm rot="5400000">
-            <a:off x="2848175" y="3652207"/>
-            <a:ext cx="188976" cy="153162"/>
-          </a:xfrm>
-          <a:prstGeom prst="triangle">
-            <a:avLst/>
-          </a:prstGeom>
-        </p:spPr>
-        <p:style>
-          <a:lnRef idx="2">
-            <a:schemeClr val="accent1">
-              <a:shade val="50000"/>
-            </a:schemeClr>
-          </a:lnRef>
-          <a:fillRef idx="1">
-            <a:schemeClr val="accent1"/>
-          </a:fillRef>
-          <a:effectRef idx="0">
-            <a:schemeClr val="accent1"/>
-          </a:effectRef>
-          <a:fontRef idx="minor">
-            <a:schemeClr val="lt1"/>
-          </a:fontRef>
-        </p:style>
-        <p:txBody>
-          <a:bodyPr rtlCol="0" anchor="ctr"/>
-          <a:lstStyle/>
-          <a:p>
-            <a:pPr algn="ctr"/>
-            <a:endParaRPr lang="en-US"/>
-          </a:p>
-        </p:txBody>
-      </p:sp>
-    </p:spTree>
-    <p:extLst>
-      <p:ext uri="{BB962C8B-B14F-4D97-AF65-F5344CB8AC3E}">
-        <p14:creationId xmlns:p14="http://schemas.microsoft.com/office/powerpoint/2010/main" val="870647460"/>
       </p:ext>
     </p:extLst>
   </p:cSld>

--- a/Documentation/LVTM_NIWeek_2017.pptx
+++ b/Documentation/LVTM_NIWeek_2017.pptx
@@ -273,7 +273,7 @@
           <a:p>
             <a:fld id="{41DBDD7F-39F0-994B-B822-183990148EFC}" type="datetimeFigureOut">
               <a:rPr lang="en-US" smtClean="0"/>
-              <a:t>4/29/2017</a:t>
+              <a:t>01-May-2017</a:t>
             </a:fld>
             <a:endParaRPr lang="en-US"/>
           </a:p>
@@ -18978,7 +18978,7 @@
           <a:lstStyle/>
           <a:p>
             <a:r>
-              <a:rPr lang="en-US" dirty="0"/>
+              <a:rPr lang="en-US" b="1" dirty="0"/>
               <a:t>What to do when debugging becomes too complex ???</a:t>
             </a:r>
           </a:p>
@@ -19005,29 +19005,46 @@
           <a:lstStyle/>
           <a:p>
             <a:r>
-              <a:rPr lang="en-US" b="1" dirty="0"/>
-              <a:t>How to defeat these shortcomings, and many other debugging related challenges</a:t>
-            </a:r>
+              <a:rPr lang="en-US" dirty="0"/>
+              <a:t>How to defeat these shortcomings, and many other debugging related </a:t>
+            </a:r>
+            <a:r>
+              <a:rPr lang="en-US" dirty="0" smtClean="0"/>
+              <a:t>challenges …</a:t>
+            </a:r>
+            <a:endParaRPr lang="en-US" dirty="0"/>
           </a:p>
           <a:p>
             <a:pPr lvl="1"/>
             <a:r>
-              <a:rPr lang="en-US" dirty="0"/>
-              <a:t>have long been the topics of many user community discussions</a:t>
+              <a:rPr lang="en-US" dirty="0" smtClean="0"/>
+              <a:t>have </a:t>
+            </a:r>
+            <a:r>
+              <a:rPr lang="en-US" dirty="0"/>
+              <a:t>long been the topics of many user community discussions</a:t>
             </a:r>
           </a:p>
           <a:p>
             <a:pPr lvl="1"/>
             <a:r>
-              <a:rPr lang="en-US" dirty="0"/>
-              <a:t>several ad-hoc solutions and processes, although usually quite limited in scope, have been developed over the years by the user community</a:t>
+              <a:rPr lang="en-US" dirty="0" smtClean="0"/>
+              <a:t>several </a:t>
+            </a:r>
+            <a:r>
+              <a:rPr lang="en-US" dirty="0"/>
+              <a:t>ad-hoc solutions and processes, although usually quite limited in scope, have been developed over the years by the user community</a:t>
             </a:r>
           </a:p>
           <a:p>
             <a:pPr lvl="1"/>
             <a:r>
-              <a:rPr lang="en-US" dirty="0"/>
-              <a:t>but they lack the coherence of a unified tool</a:t>
+              <a:rPr lang="en-US" dirty="0" smtClean="0"/>
+              <a:t>but </a:t>
+            </a:r>
+            <a:r>
+              <a:rPr lang="en-US" dirty="0"/>
+              <a:t>they lack the coherence of a unified tool</a:t>
             </a:r>
           </a:p>
           <a:p>
@@ -19038,12 +19055,20 @@
           </a:p>
           <a:p>
             <a:r>
+              <a:rPr lang="en-US" sz="2800" b="1" dirty="0" smtClean="0">
+                <a:solidFill>
+                  <a:srgbClr val="0070C0"/>
+                </a:solidFill>
+              </a:rPr>
+              <a:t>Introducing </a:t>
+            </a:r>
+            <a:r>
               <a:rPr lang="en-US" sz="2800" b="1" dirty="0">
                 <a:solidFill>
                   <a:srgbClr val="0070C0"/>
                 </a:solidFill>
               </a:rPr>
-              <a:t>Enter the </a:t>
+              <a:t>the </a:t>
             </a:r>
           </a:p>
         </p:txBody>
@@ -19064,7 +19089,7 @@
         </p:blipFill>
         <p:spPr>
           <a:xfrm>
-            <a:off x="2463590" y="2950601"/>
+            <a:off x="3387616" y="2950601"/>
             <a:ext cx="3642486" cy="1761888"/>
           </a:xfrm>
           <a:prstGeom prst="rect">
@@ -22003,6 +22028,10 @@
                       <a:r>
                         <a:rPr lang="en-US" sz="1600" dirty="0"/>
                         <a:t>Pause execution at this exact point</a:t>
+                      </a:r>
+                      <a:r>
+                        <a:rPr lang="en-US" dirty="0"/>
+                        <a:t/>
                       </a:r>
                       <a:br>
                         <a:rPr lang="en-US" dirty="0"/>

--- a/Documentation/LVTM_NIWeek_2017.pptx
+++ b/Documentation/LVTM_NIWeek_2017.pptx
@@ -18632,54 +18632,6 @@
       </p:sp>
       <p:sp>
         <p:nvSpPr>
-          <p:cNvPr id="6" name="Content Placeholder 5"/>
-          <p:cNvSpPr>
-            <a:spLocks noGrp="1"/>
-          </p:cNvSpPr>
-          <p:nvPr>
-            <p:ph sz="half" idx="1"/>
-          </p:nvPr>
-        </p:nvSpPr>
-        <p:spPr>
-          <a:xfrm>
-            <a:off x="454025" y="1526519"/>
-            <a:ext cx="4041775" cy="3105806"/>
-          </a:xfrm>
-        </p:spPr>
-        <p:txBody>
-          <a:bodyPr/>
-          <a:lstStyle/>
-          <a:p>
-            <a:endParaRPr lang="en-US" dirty="0"/>
-          </a:p>
-        </p:txBody>
-      </p:sp>
-      <p:sp>
-        <p:nvSpPr>
-          <p:cNvPr id="7" name="Content Placeholder 6"/>
-          <p:cNvSpPr>
-            <a:spLocks noGrp="1"/>
-          </p:cNvSpPr>
-          <p:nvPr>
-            <p:ph sz="half" idx="2"/>
-          </p:nvPr>
-        </p:nvSpPr>
-        <p:spPr>
-          <a:xfrm>
-            <a:off x="4648199" y="1526519"/>
-            <a:ext cx="4041775" cy="3105806"/>
-          </a:xfrm>
-        </p:spPr>
-        <p:txBody>
-          <a:bodyPr/>
-          <a:lstStyle/>
-          <a:p>
-            <a:endParaRPr lang="en-US"/>
-          </a:p>
-        </p:txBody>
-      </p:sp>
-      <p:sp>
-        <p:nvSpPr>
           <p:cNvPr id="8" name="Text Placeholder 6"/>
           <p:cNvSpPr txBox="1">
             <a:spLocks/>
@@ -18920,6 +18872,30 @@
           </a:p>
         </p:txBody>
       </p:sp>
+      <p:pic>
+        <p:nvPicPr>
+          <p:cNvPr id="9" name="Picture 8"/>
+          <p:cNvPicPr>
+            <a:picLocks noChangeAspect="1"/>
+          </p:cNvPicPr>
+          <p:nvPr/>
+        </p:nvPicPr>
+        <p:blipFill>
+          <a:blip r:embed="rId2"/>
+          <a:stretch>
+            <a:fillRect/>
+          </a:stretch>
+        </p:blipFill>
+        <p:spPr>
+          <a:xfrm>
+            <a:off x="1261310" y="1835718"/>
+            <a:ext cx="1905000" cy="971550"/>
+          </a:xfrm>
+          <a:prstGeom prst="rect">
+            <a:avLst/>
+          </a:prstGeom>
+        </p:spPr>
+      </p:pic>
     </p:spTree>
     <p:extLst>
       <p:ext uri="{BB962C8B-B14F-4D97-AF65-F5344CB8AC3E}">
